--- a/documentos/Apresentação_22_09.pptx
+++ b/documentos/Apresentação_22_09.pptx
@@ -4,10 +4,19 @@
   <p:sldMasterIdLst>
     <p:sldMasterId id="2147483648" r:id="rId1"/>
   </p:sldMasterIdLst>
+  <p:notesMasterIdLst>
+    <p:notesMasterId r:id="rId11"/>
+  </p:notesMasterIdLst>
   <p:sldIdLst>
     <p:sldId id="256" r:id="rId2"/>
-    <p:sldId id="258" r:id="rId3"/>
-    <p:sldId id="257" r:id="rId4"/>
+    <p:sldId id="259" r:id="rId3"/>
+    <p:sldId id="260" r:id="rId4"/>
+    <p:sldId id="261" r:id="rId5"/>
+    <p:sldId id="263" r:id="rId6"/>
+    <p:sldId id="264" r:id="rId7"/>
+    <p:sldId id="262" r:id="rId8"/>
+    <p:sldId id="258" r:id="rId9"/>
+    <p:sldId id="257" r:id="rId10"/>
   </p:sldIdLst>
   <p:sldSz cx="12192000" cy="6858000"/>
   <p:notesSz cx="6858000" cy="9144000"/>
@@ -106,7 +115,446 @@
       </a:defRPr>
     </a:lvl9pPr>
   </p:defaultTextStyle>
+  <p:extLst>
+    <p:ext uri="{EFAFB233-063F-42B5-8137-9DF3F51BA10A}">
+      <p15:sldGuideLst xmlns:p15="http://schemas.microsoft.com/office/powerpoint/2012/main"/>
+    </p:ext>
+  </p:extLst>
 </p:presentation>
+</file>
+
+<file path=ppt/notesMasters/notesMaster1.xml><?xml version="1.0" encoding="utf-8"?>
+<p:notesMaster xmlns:a="http://schemas.openxmlformats.org/drawingml/2006/main" xmlns:r="http://schemas.openxmlformats.org/officeDocument/2006/relationships" xmlns:p="http://schemas.openxmlformats.org/presentationml/2006/main">
+  <p:cSld>
+    <p:bg>
+      <p:bgRef idx="1001">
+        <a:schemeClr val="bg1"/>
+      </p:bgRef>
+    </p:bg>
+    <p:spTree>
+      <p:nvGrpSpPr>
+        <p:cNvPr id="1" name=""/>
+        <p:cNvGrpSpPr/>
+        <p:nvPr/>
+      </p:nvGrpSpPr>
+      <p:grpSpPr>
+        <a:xfrm>
+          <a:off x="0" y="0"/>
+          <a:ext cx="0" cy="0"/>
+          <a:chOff x="0" y="0"/>
+          <a:chExt cx="0" cy="0"/>
+        </a:xfrm>
+      </p:grpSpPr>
+      <p:sp>
+        <p:nvSpPr>
+          <p:cNvPr id="2" name="Header Placeholder 1"/>
+          <p:cNvSpPr>
+            <a:spLocks noGrp="1"/>
+          </p:cNvSpPr>
+          <p:nvPr>
+            <p:ph type="hdr" sz="quarter"/>
+          </p:nvPr>
+        </p:nvSpPr>
+        <p:spPr>
+          <a:xfrm>
+            <a:off x="0" y="0"/>
+            <a:ext cx="2971800" cy="458788"/>
+          </a:xfrm>
+          <a:prstGeom prst="rect">
+            <a:avLst/>
+          </a:prstGeom>
+        </p:spPr>
+        <p:txBody>
+          <a:bodyPr vert="horz" lIns="91440" tIns="45720" rIns="91440" bIns="45720" rtlCol="0"/>
+          <a:lstStyle>
+            <a:lvl1pPr algn="l">
+              <a:defRPr sz="1200"/>
+            </a:lvl1pPr>
+          </a:lstStyle>
+          <a:p>
+            <a:endParaRPr lang="pt-BR"/>
+          </a:p>
+        </p:txBody>
+      </p:sp>
+      <p:sp>
+        <p:nvSpPr>
+          <p:cNvPr id="3" name="Date Placeholder 2"/>
+          <p:cNvSpPr>
+            <a:spLocks noGrp="1"/>
+          </p:cNvSpPr>
+          <p:nvPr>
+            <p:ph type="dt" idx="1"/>
+          </p:nvPr>
+        </p:nvSpPr>
+        <p:spPr>
+          <a:xfrm>
+            <a:off x="3884613" y="0"/>
+            <a:ext cx="2971800" cy="458788"/>
+          </a:xfrm>
+          <a:prstGeom prst="rect">
+            <a:avLst/>
+          </a:prstGeom>
+        </p:spPr>
+        <p:txBody>
+          <a:bodyPr vert="horz" lIns="91440" tIns="45720" rIns="91440" bIns="45720" rtlCol="0"/>
+          <a:lstStyle>
+            <a:lvl1pPr algn="r">
+              <a:defRPr sz="1200"/>
+            </a:lvl1pPr>
+          </a:lstStyle>
+          <a:p>
+            <a:fld id="{7D2DA31C-915D-4208-AFC5-5D994C8760F8}" type="datetimeFigureOut">
+              <a:rPr lang="pt-BR" smtClean="0"/>
+              <a:t>20/09/2014</a:t>
+            </a:fld>
+            <a:endParaRPr lang="pt-BR"/>
+          </a:p>
+        </p:txBody>
+      </p:sp>
+      <p:sp>
+        <p:nvSpPr>
+          <p:cNvPr id="4" name="Slide Image Placeholder 3"/>
+          <p:cNvSpPr>
+            <a:spLocks noGrp="1" noRot="1" noChangeAspect="1"/>
+          </p:cNvSpPr>
+          <p:nvPr>
+            <p:ph type="sldImg" idx="2"/>
+          </p:nvPr>
+        </p:nvSpPr>
+        <p:spPr>
+          <a:xfrm>
+            <a:off x="685800" y="1143000"/>
+            <a:ext cx="5486400" cy="3086100"/>
+          </a:xfrm>
+          <a:prstGeom prst="rect">
+            <a:avLst/>
+          </a:prstGeom>
+          <a:noFill/>
+          <a:ln w="12700">
+            <a:solidFill>
+              <a:prstClr val="black"/>
+            </a:solidFill>
+          </a:ln>
+        </p:spPr>
+        <p:txBody>
+          <a:bodyPr vert="horz" lIns="91440" tIns="45720" rIns="91440" bIns="45720" rtlCol="0" anchor="ctr"/>
+          <a:lstStyle/>
+          <a:p>
+            <a:endParaRPr lang="pt-BR"/>
+          </a:p>
+        </p:txBody>
+      </p:sp>
+      <p:sp>
+        <p:nvSpPr>
+          <p:cNvPr id="5" name="Notes Placeholder 4"/>
+          <p:cNvSpPr>
+            <a:spLocks noGrp="1"/>
+          </p:cNvSpPr>
+          <p:nvPr>
+            <p:ph type="body" sz="quarter" idx="3"/>
+          </p:nvPr>
+        </p:nvSpPr>
+        <p:spPr>
+          <a:xfrm>
+            <a:off x="685800" y="4400550"/>
+            <a:ext cx="5486400" cy="3600450"/>
+          </a:xfrm>
+          <a:prstGeom prst="rect">
+            <a:avLst/>
+          </a:prstGeom>
+        </p:spPr>
+        <p:txBody>
+          <a:bodyPr vert="horz" lIns="91440" tIns="45720" rIns="91440" bIns="45720" rtlCol="0"/>
+          <a:lstStyle/>
+          <a:p>
+            <a:pPr lvl="0"/>
+            <a:r>
+              <a:rPr lang="en-US" smtClean="0"/>
+              <a:t>Click to edit Master text styles</a:t>
+            </a:r>
+          </a:p>
+          <a:p>
+            <a:pPr lvl="1"/>
+            <a:r>
+              <a:rPr lang="en-US" smtClean="0"/>
+              <a:t>Second level</a:t>
+            </a:r>
+          </a:p>
+          <a:p>
+            <a:pPr lvl="2"/>
+            <a:r>
+              <a:rPr lang="en-US" smtClean="0"/>
+              <a:t>Third level</a:t>
+            </a:r>
+          </a:p>
+          <a:p>
+            <a:pPr lvl="3"/>
+            <a:r>
+              <a:rPr lang="en-US" smtClean="0"/>
+              <a:t>Fourth level</a:t>
+            </a:r>
+          </a:p>
+          <a:p>
+            <a:pPr lvl="4"/>
+            <a:r>
+              <a:rPr lang="en-US" smtClean="0"/>
+              <a:t>Fifth level</a:t>
+            </a:r>
+            <a:endParaRPr lang="pt-BR"/>
+          </a:p>
+        </p:txBody>
+      </p:sp>
+      <p:sp>
+        <p:nvSpPr>
+          <p:cNvPr id="6" name="Footer Placeholder 5"/>
+          <p:cNvSpPr>
+            <a:spLocks noGrp="1"/>
+          </p:cNvSpPr>
+          <p:nvPr>
+            <p:ph type="ftr" sz="quarter" idx="4"/>
+          </p:nvPr>
+        </p:nvSpPr>
+        <p:spPr>
+          <a:xfrm>
+            <a:off x="0" y="8685213"/>
+            <a:ext cx="2971800" cy="458787"/>
+          </a:xfrm>
+          <a:prstGeom prst="rect">
+            <a:avLst/>
+          </a:prstGeom>
+        </p:spPr>
+        <p:txBody>
+          <a:bodyPr vert="horz" lIns="91440" tIns="45720" rIns="91440" bIns="45720" rtlCol="0" anchor="b"/>
+          <a:lstStyle>
+            <a:lvl1pPr algn="l">
+              <a:defRPr sz="1200"/>
+            </a:lvl1pPr>
+          </a:lstStyle>
+          <a:p>
+            <a:endParaRPr lang="pt-BR"/>
+          </a:p>
+        </p:txBody>
+      </p:sp>
+      <p:sp>
+        <p:nvSpPr>
+          <p:cNvPr id="7" name="Slide Number Placeholder 6"/>
+          <p:cNvSpPr>
+            <a:spLocks noGrp="1"/>
+          </p:cNvSpPr>
+          <p:nvPr>
+            <p:ph type="sldNum" sz="quarter" idx="5"/>
+          </p:nvPr>
+        </p:nvSpPr>
+        <p:spPr>
+          <a:xfrm>
+            <a:off x="3884613" y="8685213"/>
+            <a:ext cx="2971800" cy="458787"/>
+          </a:xfrm>
+          <a:prstGeom prst="rect">
+            <a:avLst/>
+          </a:prstGeom>
+        </p:spPr>
+        <p:txBody>
+          <a:bodyPr vert="horz" lIns="91440" tIns="45720" rIns="91440" bIns="45720" rtlCol="0" anchor="b"/>
+          <a:lstStyle>
+            <a:lvl1pPr algn="r">
+              <a:defRPr sz="1200"/>
+            </a:lvl1pPr>
+          </a:lstStyle>
+          <a:p>
+            <a:fld id="{C7EB9D16-F0EF-437C-935F-EF1DDCAC400C}" type="slidenum">
+              <a:rPr lang="pt-BR" smtClean="0"/>
+              <a:t>‹#›</a:t>
+            </a:fld>
+            <a:endParaRPr lang="pt-BR"/>
+          </a:p>
+        </p:txBody>
+      </p:sp>
+    </p:spTree>
+    <p:extLst>
+      <p:ext uri="{BB962C8B-B14F-4D97-AF65-F5344CB8AC3E}">
+        <p14:creationId xmlns:p14="http://schemas.microsoft.com/office/powerpoint/2010/main" val="3839353970"/>
+      </p:ext>
+    </p:extLst>
+  </p:cSld>
+  <p:clrMap bg1="lt1" tx1="dk1" bg2="lt2" tx2="dk2" accent1="accent1" accent2="accent2" accent3="accent3" accent4="accent4" accent5="accent5" accent6="accent6" hlink="hlink" folHlink="folHlink"/>
+  <p:notesStyle>
+    <a:lvl1pPr marL="0" algn="l" defTabSz="914400" rtl="0" eaLnBrk="1" latinLnBrk="0" hangingPunct="1">
+      <a:defRPr sz="1200" kern="1200">
+        <a:solidFill>
+          <a:schemeClr val="tx1"/>
+        </a:solidFill>
+        <a:latin typeface="+mn-lt"/>
+        <a:ea typeface="+mn-ea"/>
+        <a:cs typeface="+mn-cs"/>
+      </a:defRPr>
+    </a:lvl1pPr>
+    <a:lvl2pPr marL="457200" algn="l" defTabSz="914400" rtl="0" eaLnBrk="1" latinLnBrk="0" hangingPunct="1">
+      <a:defRPr sz="1200" kern="1200">
+        <a:solidFill>
+          <a:schemeClr val="tx1"/>
+        </a:solidFill>
+        <a:latin typeface="+mn-lt"/>
+        <a:ea typeface="+mn-ea"/>
+        <a:cs typeface="+mn-cs"/>
+      </a:defRPr>
+    </a:lvl2pPr>
+    <a:lvl3pPr marL="914400" algn="l" defTabSz="914400" rtl="0" eaLnBrk="1" latinLnBrk="0" hangingPunct="1">
+      <a:defRPr sz="1200" kern="1200">
+        <a:solidFill>
+          <a:schemeClr val="tx1"/>
+        </a:solidFill>
+        <a:latin typeface="+mn-lt"/>
+        <a:ea typeface="+mn-ea"/>
+        <a:cs typeface="+mn-cs"/>
+      </a:defRPr>
+    </a:lvl3pPr>
+    <a:lvl4pPr marL="1371600" algn="l" defTabSz="914400" rtl="0" eaLnBrk="1" latinLnBrk="0" hangingPunct="1">
+      <a:defRPr sz="1200" kern="1200">
+        <a:solidFill>
+          <a:schemeClr val="tx1"/>
+        </a:solidFill>
+        <a:latin typeface="+mn-lt"/>
+        <a:ea typeface="+mn-ea"/>
+        <a:cs typeface="+mn-cs"/>
+      </a:defRPr>
+    </a:lvl4pPr>
+    <a:lvl5pPr marL="1828800" algn="l" defTabSz="914400" rtl="0" eaLnBrk="1" latinLnBrk="0" hangingPunct="1">
+      <a:defRPr sz="1200" kern="1200">
+        <a:solidFill>
+          <a:schemeClr val="tx1"/>
+        </a:solidFill>
+        <a:latin typeface="+mn-lt"/>
+        <a:ea typeface="+mn-ea"/>
+        <a:cs typeface="+mn-cs"/>
+      </a:defRPr>
+    </a:lvl5pPr>
+    <a:lvl6pPr marL="2286000" algn="l" defTabSz="914400" rtl="0" eaLnBrk="1" latinLnBrk="0" hangingPunct="1">
+      <a:defRPr sz="1200" kern="1200">
+        <a:solidFill>
+          <a:schemeClr val="tx1"/>
+        </a:solidFill>
+        <a:latin typeface="+mn-lt"/>
+        <a:ea typeface="+mn-ea"/>
+        <a:cs typeface="+mn-cs"/>
+      </a:defRPr>
+    </a:lvl6pPr>
+    <a:lvl7pPr marL="2743200" algn="l" defTabSz="914400" rtl="0" eaLnBrk="1" latinLnBrk="0" hangingPunct="1">
+      <a:defRPr sz="1200" kern="1200">
+        <a:solidFill>
+          <a:schemeClr val="tx1"/>
+        </a:solidFill>
+        <a:latin typeface="+mn-lt"/>
+        <a:ea typeface="+mn-ea"/>
+        <a:cs typeface="+mn-cs"/>
+      </a:defRPr>
+    </a:lvl7pPr>
+    <a:lvl8pPr marL="3200400" algn="l" defTabSz="914400" rtl="0" eaLnBrk="1" latinLnBrk="0" hangingPunct="1">
+      <a:defRPr sz="1200" kern="1200">
+        <a:solidFill>
+          <a:schemeClr val="tx1"/>
+        </a:solidFill>
+        <a:latin typeface="+mn-lt"/>
+        <a:ea typeface="+mn-ea"/>
+        <a:cs typeface="+mn-cs"/>
+      </a:defRPr>
+    </a:lvl8pPr>
+    <a:lvl9pPr marL="3657600" algn="l" defTabSz="914400" rtl="0" eaLnBrk="1" latinLnBrk="0" hangingPunct="1">
+      <a:defRPr sz="1200" kern="1200">
+        <a:solidFill>
+          <a:schemeClr val="tx1"/>
+        </a:solidFill>
+        <a:latin typeface="+mn-lt"/>
+        <a:ea typeface="+mn-ea"/>
+        <a:cs typeface="+mn-cs"/>
+      </a:defRPr>
+    </a:lvl9pPr>
+  </p:notesStyle>
+</p:notesMaster>
+</file>
+
+<file path=ppt/notesSlides/notesSlide1.xml><?xml version="1.0" encoding="utf-8"?>
+<p:notes xmlns:a="http://schemas.openxmlformats.org/drawingml/2006/main" xmlns:r="http://schemas.openxmlformats.org/officeDocument/2006/relationships" xmlns:p="http://schemas.openxmlformats.org/presentationml/2006/main">
+  <p:cSld>
+    <p:spTree>
+      <p:nvGrpSpPr>
+        <p:cNvPr id="1" name=""/>
+        <p:cNvGrpSpPr/>
+        <p:nvPr/>
+      </p:nvGrpSpPr>
+      <p:grpSpPr>
+        <a:xfrm>
+          <a:off x="0" y="0"/>
+          <a:ext cx="0" cy="0"/>
+          <a:chOff x="0" y="0"/>
+          <a:chExt cx="0" cy="0"/>
+        </a:xfrm>
+      </p:grpSpPr>
+      <p:sp>
+        <p:nvSpPr>
+          <p:cNvPr id="2" name="Slide Image Placeholder 1"/>
+          <p:cNvSpPr>
+            <a:spLocks noGrp="1" noRot="1" noChangeAspect="1"/>
+          </p:cNvSpPr>
+          <p:nvPr>
+            <p:ph type="sldImg"/>
+          </p:nvPr>
+        </p:nvSpPr>
+        <p:spPr/>
+      </p:sp>
+      <p:sp>
+        <p:nvSpPr>
+          <p:cNvPr id="3" name="Notes Placeholder 2"/>
+          <p:cNvSpPr>
+            <a:spLocks noGrp="1"/>
+          </p:cNvSpPr>
+          <p:nvPr>
+            <p:ph type="body" idx="1"/>
+          </p:nvPr>
+        </p:nvSpPr>
+        <p:spPr/>
+        <p:txBody>
+          <a:bodyPr/>
+          <a:lstStyle/>
+          <a:p>
+            <a:endParaRPr lang="pt-BR" dirty="0"/>
+          </a:p>
+        </p:txBody>
+      </p:sp>
+      <p:sp>
+        <p:nvSpPr>
+          <p:cNvPr id="4" name="Slide Number Placeholder 3"/>
+          <p:cNvSpPr>
+            <a:spLocks noGrp="1"/>
+          </p:cNvSpPr>
+          <p:nvPr>
+            <p:ph type="sldNum" sz="quarter" idx="10"/>
+          </p:nvPr>
+        </p:nvSpPr>
+        <p:spPr/>
+        <p:txBody>
+          <a:bodyPr/>
+          <a:lstStyle/>
+          <a:p>
+            <a:fld id="{C7EB9D16-F0EF-437C-935F-EF1DDCAC400C}" type="slidenum">
+              <a:rPr lang="pt-BR" smtClean="0"/>
+              <a:t>4</a:t>
+            </a:fld>
+            <a:endParaRPr lang="pt-BR"/>
+          </a:p>
+        </p:txBody>
+      </p:sp>
+    </p:spTree>
+    <p:extLst>
+      <p:ext uri="{BB962C8B-B14F-4D97-AF65-F5344CB8AC3E}">
+        <p14:creationId xmlns:p14="http://schemas.microsoft.com/office/powerpoint/2010/main" val="570798385"/>
+      </p:ext>
+    </p:extLst>
+  </p:cSld>
+  <p:clrMapOvr>
+    <a:masterClrMapping/>
+  </p:clrMapOvr>
+</p:notes>
 </file>
 
 <file path=ppt/slideLayouts/slideLayout1.xml><?xml version="1.0" encoding="utf-8"?>
@@ -240,7 +688,7 @@
           <a:p>
             <a:fld id="{AFC54BD2-7E8F-4754-9550-4A64B018EDB2}" type="datetimeFigureOut">
               <a:rPr lang="pt-BR" smtClean="0"/>
-              <a:t>19/09/2014</a:t>
+              <a:t>20/09/2014</a:t>
             </a:fld>
             <a:endParaRPr lang="pt-BR"/>
           </a:p>
@@ -282,7 +730,7 @@
           <a:p>
             <a:fld id="{8146EC03-549C-4D83-8998-FE3D9852891E}" type="slidenum">
               <a:rPr lang="pt-BR" smtClean="0"/>
-              <a:t>‹nº›</a:t>
+              <a:t>‹#›</a:t>
             </a:fld>
             <a:endParaRPr lang="pt-BR"/>
           </a:p>
@@ -410,7 +858,7 @@
           <a:p>
             <a:fld id="{AFC54BD2-7E8F-4754-9550-4A64B018EDB2}" type="datetimeFigureOut">
               <a:rPr lang="pt-BR" smtClean="0"/>
-              <a:t>19/09/2014</a:t>
+              <a:t>20/09/2014</a:t>
             </a:fld>
             <a:endParaRPr lang="pt-BR"/>
           </a:p>
@@ -452,7 +900,7 @@
           <a:p>
             <a:fld id="{8146EC03-549C-4D83-8998-FE3D9852891E}" type="slidenum">
               <a:rPr lang="pt-BR" smtClean="0"/>
-              <a:t>‹nº›</a:t>
+              <a:t>‹#›</a:t>
             </a:fld>
             <a:endParaRPr lang="pt-BR"/>
           </a:p>
@@ -590,7 +1038,7 @@
           <a:p>
             <a:fld id="{AFC54BD2-7E8F-4754-9550-4A64B018EDB2}" type="datetimeFigureOut">
               <a:rPr lang="pt-BR" smtClean="0"/>
-              <a:t>19/09/2014</a:t>
+              <a:t>20/09/2014</a:t>
             </a:fld>
             <a:endParaRPr lang="pt-BR"/>
           </a:p>
@@ -632,7 +1080,7 @@
           <a:p>
             <a:fld id="{8146EC03-549C-4D83-8998-FE3D9852891E}" type="slidenum">
               <a:rPr lang="pt-BR" smtClean="0"/>
-              <a:t>‹nº›</a:t>
+              <a:t>‹#›</a:t>
             </a:fld>
             <a:endParaRPr lang="pt-BR"/>
           </a:p>
@@ -760,7 +1208,7 @@
           <a:p>
             <a:fld id="{AFC54BD2-7E8F-4754-9550-4A64B018EDB2}" type="datetimeFigureOut">
               <a:rPr lang="pt-BR" smtClean="0"/>
-              <a:t>19/09/2014</a:t>
+              <a:t>20/09/2014</a:t>
             </a:fld>
             <a:endParaRPr lang="pt-BR"/>
           </a:p>
@@ -802,7 +1250,7 @@
           <a:p>
             <a:fld id="{8146EC03-549C-4D83-8998-FE3D9852891E}" type="slidenum">
               <a:rPr lang="pt-BR" smtClean="0"/>
-              <a:t>‹nº›</a:t>
+              <a:t>‹#›</a:t>
             </a:fld>
             <a:endParaRPr lang="pt-BR"/>
           </a:p>
@@ -1006,7 +1454,7 @@
           <a:p>
             <a:fld id="{AFC54BD2-7E8F-4754-9550-4A64B018EDB2}" type="datetimeFigureOut">
               <a:rPr lang="pt-BR" smtClean="0"/>
-              <a:t>19/09/2014</a:t>
+              <a:t>20/09/2014</a:t>
             </a:fld>
             <a:endParaRPr lang="pt-BR"/>
           </a:p>
@@ -1048,7 +1496,7 @@
           <a:p>
             <a:fld id="{8146EC03-549C-4D83-8998-FE3D9852891E}" type="slidenum">
               <a:rPr lang="pt-BR" smtClean="0"/>
-              <a:t>‹nº›</a:t>
+              <a:t>‹#›</a:t>
             </a:fld>
             <a:endParaRPr lang="pt-BR"/>
           </a:p>
@@ -1238,7 +1686,7 @@
           <a:p>
             <a:fld id="{AFC54BD2-7E8F-4754-9550-4A64B018EDB2}" type="datetimeFigureOut">
               <a:rPr lang="pt-BR" smtClean="0"/>
-              <a:t>19/09/2014</a:t>
+              <a:t>20/09/2014</a:t>
             </a:fld>
             <a:endParaRPr lang="pt-BR"/>
           </a:p>
@@ -1280,7 +1728,7 @@
           <a:p>
             <a:fld id="{8146EC03-549C-4D83-8998-FE3D9852891E}" type="slidenum">
               <a:rPr lang="pt-BR" smtClean="0"/>
-              <a:t>‹nº›</a:t>
+              <a:t>‹#›</a:t>
             </a:fld>
             <a:endParaRPr lang="pt-BR"/>
           </a:p>
@@ -1605,7 +2053,7 @@
           <a:p>
             <a:fld id="{AFC54BD2-7E8F-4754-9550-4A64B018EDB2}" type="datetimeFigureOut">
               <a:rPr lang="pt-BR" smtClean="0"/>
-              <a:t>19/09/2014</a:t>
+              <a:t>20/09/2014</a:t>
             </a:fld>
             <a:endParaRPr lang="pt-BR"/>
           </a:p>
@@ -1647,7 +2095,7 @@
           <a:p>
             <a:fld id="{8146EC03-549C-4D83-8998-FE3D9852891E}" type="slidenum">
               <a:rPr lang="pt-BR" smtClean="0"/>
-              <a:t>‹nº›</a:t>
+              <a:t>‹#›</a:t>
             </a:fld>
             <a:endParaRPr lang="pt-BR"/>
           </a:p>
@@ -1723,7 +2171,7 @@
           <a:p>
             <a:fld id="{AFC54BD2-7E8F-4754-9550-4A64B018EDB2}" type="datetimeFigureOut">
               <a:rPr lang="pt-BR" smtClean="0"/>
-              <a:t>19/09/2014</a:t>
+              <a:t>20/09/2014</a:t>
             </a:fld>
             <a:endParaRPr lang="pt-BR"/>
           </a:p>
@@ -1765,7 +2213,7 @@
           <a:p>
             <a:fld id="{8146EC03-549C-4D83-8998-FE3D9852891E}" type="slidenum">
               <a:rPr lang="pt-BR" smtClean="0"/>
-              <a:t>‹nº›</a:t>
+              <a:t>‹#›</a:t>
             </a:fld>
             <a:endParaRPr lang="pt-BR"/>
           </a:p>
@@ -1818,7 +2266,7 @@
           <a:p>
             <a:fld id="{AFC54BD2-7E8F-4754-9550-4A64B018EDB2}" type="datetimeFigureOut">
               <a:rPr lang="pt-BR" smtClean="0"/>
-              <a:t>19/09/2014</a:t>
+              <a:t>20/09/2014</a:t>
             </a:fld>
             <a:endParaRPr lang="pt-BR"/>
           </a:p>
@@ -1860,7 +2308,7 @@
           <a:p>
             <a:fld id="{8146EC03-549C-4D83-8998-FE3D9852891E}" type="slidenum">
               <a:rPr lang="pt-BR" smtClean="0"/>
-              <a:t>‹nº›</a:t>
+              <a:t>‹#›</a:t>
             </a:fld>
             <a:endParaRPr lang="pt-BR"/>
           </a:p>
@@ -2095,7 +2543,7 @@
           <a:p>
             <a:fld id="{AFC54BD2-7E8F-4754-9550-4A64B018EDB2}" type="datetimeFigureOut">
               <a:rPr lang="pt-BR" smtClean="0"/>
-              <a:t>19/09/2014</a:t>
+              <a:t>20/09/2014</a:t>
             </a:fld>
             <a:endParaRPr lang="pt-BR"/>
           </a:p>
@@ -2137,7 +2585,7 @@
           <a:p>
             <a:fld id="{8146EC03-549C-4D83-8998-FE3D9852891E}" type="slidenum">
               <a:rPr lang="pt-BR" smtClean="0"/>
-              <a:t>‹nº›</a:t>
+              <a:t>‹#›</a:t>
             </a:fld>
             <a:endParaRPr lang="pt-BR"/>
           </a:p>
@@ -2348,7 +2796,7 @@
           <a:p>
             <a:fld id="{AFC54BD2-7E8F-4754-9550-4A64B018EDB2}" type="datetimeFigureOut">
               <a:rPr lang="pt-BR" smtClean="0"/>
-              <a:t>19/09/2014</a:t>
+              <a:t>20/09/2014</a:t>
             </a:fld>
             <a:endParaRPr lang="pt-BR"/>
           </a:p>
@@ -2390,7 +2838,7 @@
           <a:p>
             <a:fld id="{8146EC03-549C-4D83-8998-FE3D9852891E}" type="slidenum">
               <a:rPr lang="pt-BR" smtClean="0"/>
-              <a:t>‹nº›</a:t>
+              <a:t>‹#›</a:t>
             </a:fld>
             <a:endParaRPr lang="pt-BR"/>
           </a:p>
@@ -2561,7 +3009,7 @@
           <a:p>
             <a:fld id="{AFC54BD2-7E8F-4754-9550-4A64B018EDB2}" type="datetimeFigureOut">
               <a:rPr lang="pt-BR" smtClean="0"/>
-              <a:t>19/09/2014</a:t>
+              <a:t>20/09/2014</a:t>
             </a:fld>
             <a:endParaRPr lang="pt-BR"/>
           </a:p>
@@ -2639,7 +3087,7 @@
           <a:p>
             <a:fld id="{8146EC03-549C-4D83-8998-FE3D9852891E}" type="slidenum">
               <a:rPr lang="pt-BR" smtClean="0"/>
-              <a:t>‹nº›</a:t>
+              <a:t>‹#›</a:t>
             </a:fld>
             <a:endParaRPr lang="pt-BR"/>
           </a:p>
@@ -2979,31 +3427,45 @@
         <p:spPr/>
         <p:txBody>
           <a:bodyPr anchor="ctr">
+            <a:normAutofit fontScale="90000"/>
+          </a:bodyPr>
+          <a:lstStyle/>
+          <a:p>
+            <a:r>
+              <a:rPr lang="pt-BR" b="1" dirty="0" smtClean="0"/>
+              <a:t>Desenvolvimento de uma aplicação multiplataforma utilizando Qt</a:t>
+            </a:r>
+            <a:endParaRPr lang="pt-BR" b="1" dirty="0"/>
+          </a:p>
+        </p:txBody>
+      </p:sp>
+      <p:sp>
+        <p:nvSpPr>
+          <p:cNvPr id="3" name="Subtítulo 2"/>
+          <p:cNvSpPr>
+            <a:spLocks noGrp="1"/>
+          </p:cNvSpPr>
+          <p:nvPr>
+            <p:ph type="subTitle" idx="1"/>
+          </p:nvPr>
+        </p:nvSpPr>
+        <p:spPr/>
+        <p:txBody>
+          <a:bodyPr anchor="b">
             <a:normAutofit/>
           </a:bodyPr>
           <a:lstStyle/>
           <a:p>
-            <a:endParaRPr lang="pt-BR" dirty="0"/>
-          </a:p>
-        </p:txBody>
-      </p:sp>
-      <p:sp>
-        <p:nvSpPr>
-          <p:cNvPr id="3" name="Subtítulo 2"/>
-          <p:cNvSpPr>
-            <a:spLocks noGrp="1"/>
-          </p:cNvSpPr>
-          <p:nvPr>
-            <p:ph type="subTitle" idx="1"/>
-          </p:nvPr>
-        </p:nvSpPr>
-        <p:spPr/>
-        <p:txBody>
-          <a:bodyPr>
-            <a:normAutofit/>
-          </a:bodyPr>
-          <a:lstStyle/>
-          <a:p>
+            <a:r>
+              <a:rPr lang="pt-BR" dirty="0" smtClean="0"/>
+              <a:t>Matheus Suarez Silva – 031125825</a:t>
+            </a:r>
+          </a:p>
+          <a:p>
+            <a:r>
+              <a:rPr lang="pt-BR" dirty="0" smtClean="0"/>
+              <a:t>Ricardo Cardoso Petrére - 031125940</a:t>
+            </a:r>
             <a:endParaRPr lang="pt-BR" dirty="0"/>
           </a:p>
         </p:txBody>
@@ -3040,6 +3502,522 @@
       </p:grpSpPr>
       <p:sp>
         <p:nvSpPr>
+          <p:cNvPr id="2" name="Title 1"/>
+          <p:cNvSpPr>
+            <a:spLocks noGrp="1"/>
+          </p:cNvSpPr>
+          <p:nvPr>
+            <p:ph type="title"/>
+          </p:nvPr>
+        </p:nvSpPr>
+        <p:spPr/>
+        <p:txBody>
+          <a:bodyPr/>
+          <a:lstStyle/>
+          <a:p>
+            <a:r>
+              <a:rPr lang="pt-BR" b="1" dirty="0" smtClean="0"/>
+              <a:t>Sumário da apresentação</a:t>
+            </a:r>
+            <a:endParaRPr lang="pt-BR" b="1" dirty="0"/>
+          </a:p>
+        </p:txBody>
+      </p:sp>
+      <p:sp>
+        <p:nvSpPr>
+          <p:cNvPr id="3" name="Content Placeholder 2"/>
+          <p:cNvSpPr>
+            <a:spLocks noGrp="1"/>
+          </p:cNvSpPr>
+          <p:nvPr>
+            <p:ph idx="1"/>
+          </p:nvPr>
+        </p:nvSpPr>
+        <p:spPr/>
+        <p:txBody>
+          <a:bodyPr/>
+          <a:lstStyle/>
+          <a:p>
+            <a:pPr marL="514350" indent="-514350" algn="just">
+              <a:buFont typeface="+mj-lt"/>
+              <a:buAutoNum type="arabicPeriod"/>
+            </a:pPr>
+            <a:r>
+              <a:rPr lang="pt-BR" dirty="0" smtClean="0"/>
+              <a:t>Hipótese </a:t>
+            </a:r>
+            <a:r>
+              <a:rPr lang="pt-BR" dirty="0"/>
+              <a:t>de pesquisa</a:t>
+            </a:r>
+          </a:p>
+          <a:p>
+            <a:pPr marL="514350" indent="-514350" algn="just">
+              <a:buFont typeface="+mj-lt"/>
+              <a:buAutoNum type="arabicPeriod"/>
+            </a:pPr>
+            <a:r>
+              <a:rPr lang="pt-BR" dirty="0"/>
+              <a:t>Objetivo Geral</a:t>
+            </a:r>
+          </a:p>
+          <a:p>
+            <a:pPr marL="514350" indent="-514350" algn="just">
+              <a:buFont typeface="+mj-lt"/>
+              <a:buAutoNum type="arabicPeriod"/>
+            </a:pPr>
+            <a:r>
+              <a:rPr lang="pt-BR" dirty="0"/>
+              <a:t>Objetivos Específicos</a:t>
+            </a:r>
+          </a:p>
+          <a:p>
+            <a:pPr marL="514350" indent="-514350" algn="just">
+              <a:buFont typeface="+mj-lt"/>
+              <a:buAutoNum type="arabicPeriod"/>
+            </a:pPr>
+            <a:r>
+              <a:rPr lang="pt-BR" dirty="0"/>
+              <a:t>Metodologia</a:t>
+            </a:r>
+          </a:p>
+          <a:p>
+            <a:pPr marL="514350" indent="-514350" algn="just">
+              <a:buFont typeface="+mj-lt"/>
+              <a:buAutoNum type="arabicPeriod"/>
+            </a:pPr>
+            <a:r>
+              <a:rPr lang="pt-BR" dirty="0"/>
+              <a:t>Referencial </a:t>
+            </a:r>
+            <a:r>
+              <a:rPr lang="pt-BR" dirty="0" smtClean="0"/>
+              <a:t>Teórico</a:t>
+            </a:r>
+            <a:endParaRPr lang="pt-BR" dirty="0"/>
+          </a:p>
+        </p:txBody>
+      </p:sp>
+    </p:spTree>
+    <p:extLst>
+      <p:ext uri="{BB962C8B-B14F-4D97-AF65-F5344CB8AC3E}">
+        <p14:creationId xmlns:p14="http://schemas.microsoft.com/office/powerpoint/2010/main" val="3629155228"/>
+      </p:ext>
+    </p:extLst>
+  </p:cSld>
+  <p:clrMapOvr>
+    <a:masterClrMapping/>
+  </p:clrMapOvr>
+</p:sld>
+</file>
+
+<file path=ppt/slides/slide3.xml><?xml version="1.0" encoding="utf-8"?>
+<p:sld xmlns:a="http://schemas.openxmlformats.org/drawingml/2006/main" xmlns:r="http://schemas.openxmlformats.org/officeDocument/2006/relationships" xmlns:p="http://schemas.openxmlformats.org/presentationml/2006/main">
+  <p:cSld>
+    <p:spTree>
+      <p:nvGrpSpPr>
+        <p:cNvPr id="1" name=""/>
+        <p:cNvGrpSpPr/>
+        <p:nvPr/>
+      </p:nvGrpSpPr>
+      <p:grpSpPr>
+        <a:xfrm>
+          <a:off x="0" y="0"/>
+          <a:ext cx="0" cy="0"/>
+          <a:chOff x="0" y="0"/>
+          <a:chExt cx="0" cy="0"/>
+        </a:xfrm>
+      </p:grpSpPr>
+      <p:sp>
+        <p:nvSpPr>
+          <p:cNvPr id="2" name="Title 1"/>
+          <p:cNvSpPr>
+            <a:spLocks noGrp="1"/>
+          </p:cNvSpPr>
+          <p:nvPr>
+            <p:ph type="title"/>
+          </p:nvPr>
+        </p:nvSpPr>
+        <p:spPr/>
+        <p:txBody>
+          <a:bodyPr/>
+          <a:lstStyle/>
+          <a:p>
+            <a:r>
+              <a:rPr lang="pt-BR" dirty="0" smtClean="0"/>
+              <a:t>1. Hipótese de Pesquisa</a:t>
+            </a:r>
+            <a:endParaRPr lang="pt-BR" dirty="0"/>
+          </a:p>
+        </p:txBody>
+      </p:sp>
+      <p:sp>
+        <p:nvSpPr>
+          <p:cNvPr id="3" name="Content Placeholder 2"/>
+          <p:cNvSpPr>
+            <a:spLocks noGrp="1"/>
+          </p:cNvSpPr>
+          <p:nvPr>
+            <p:ph idx="1"/>
+          </p:nvPr>
+        </p:nvSpPr>
+        <p:spPr/>
+        <p:txBody>
+          <a:bodyPr/>
+          <a:lstStyle/>
+          <a:p>
+            <a:pPr marL="0" indent="0">
+              <a:buNone/>
+            </a:pPr>
+            <a:endParaRPr lang="pt-BR" dirty="0" smtClean="0"/>
+          </a:p>
+        </p:txBody>
+      </p:sp>
+    </p:spTree>
+    <p:extLst>
+      <p:ext uri="{BB962C8B-B14F-4D97-AF65-F5344CB8AC3E}">
+        <p14:creationId xmlns:p14="http://schemas.microsoft.com/office/powerpoint/2010/main" val="444633231"/>
+      </p:ext>
+    </p:extLst>
+  </p:cSld>
+  <p:clrMapOvr>
+    <a:masterClrMapping/>
+  </p:clrMapOvr>
+</p:sld>
+</file>
+
+<file path=ppt/slides/slide4.xml><?xml version="1.0" encoding="utf-8"?>
+<p:sld xmlns:a="http://schemas.openxmlformats.org/drawingml/2006/main" xmlns:r="http://schemas.openxmlformats.org/officeDocument/2006/relationships" xmlns:p="http://schemas.openxmlformats.org/presentationml/2006/main">
+  <p:cSld>
+    <p:spTree>
+      <p:nvGrpSpPr>
+        <p:cNvPr id="1" name=""/>
+        <p:cNvGrpSpPr/>
+        <p:nvPr/>
+      </p:nvGrpSpPr>
+      <p:grpSpPr>
+        <a:xfrm>
+          <a:off x="0" y="0"/>
+          <a:ext cx="0" cy="0"/>
+          <a:chOff x="0" y="0"/>
+          <a:chExt cx="0" cy="0"/>
+        </a:xfrm>
+      </p:grpSpPr>
+      <p:sp>
+        <p:nvSpPr>
+          <p:cNvPr id="2" name="Title 1"/>
+          <p:cNvSpPr>
+            <a:spLocks noGrp="1"/>
+          </p:cNvSpPr>
+          <p:nvPr>
+            <p:ph type="title"/>
+          </p:nvPr>
+        </p:nvSpPr>
+        <p:spPr/>
+        <p:txBody>
+          <a:bodyPr/>
+          <a:lstStyle/>
+          <a:p>
+            <a:r>
+              <a:rPr lang="pt-BR" dirty="0" smtClean="0"/>
+              <a:t>2. Objetivo Geral</a:t>
+            </a:r>
+            <a:endParaRPr lang="pt-BR" dirty="0"/>
+          </a:p>
+        </p:txBody>
+      </p:sp>
+      <p:sp>
+        <p:nvSpPr>
+          <p:cNvPr id="3" name="Content Placeholder 2"/>
+          <p:cNvSpPr>
+            <a:spLocks noGrp="1"/>
+          </p:cNvSpPr>
+          <p:nvPr>
+            <p:ph idx="1"/>
+          </p:nvPr>
+        </p:nvSpPr>
+        <p:spPr/>
+        <p:txBody>
+          <a:bodyPr/>
+          <a:lstStyle/>
+          <a:p>
+            <a:pPr marL="0" indent="0">
+              <a:buNone/>
+            </a:pPr>
+            <a:endParaRPr lang="pt-BR" dirty="0"/>
+          </a:p>
+        </p:txBody>
+      </p:sp>
+    </p:spTree>
+    <p:extLst>
+      <p:ext uri="{BB962C8B-B14F-4D97-AF65-F5344CB8AC3E}">
+        <p14:creationId xmlns:p14="http://schemas.microsoft.com/office/powerpoint/2010/main" val="491564175"/>
+      </p:ext>
+    </p:extLst>
+  </p:cSld>
+  <p:clrMapOvr>
+    <a:masterClrMapping/>
+  </p:clrMapOvr>
+</p:sld>
+</file>
+
+<file path=ppt/slides/slide5.xml><?xml version="1.0" encoding="utf-8"?>
+<p:sld xmlns:a="http://schemas.openxmlformats.org/drawingml/2006/main" xmlns:r="http://schemas.openxmlformats.org/officeDocument/2006/relationships" xmlns:p="http://schemas.openxmlformats.org/presentationml/2006/main">
+  <p:cSld>
+    <p:spTree>
+      <p:nvGrpSpPr>
+        <p:cNvPr id="1" name=""/>
+        <p:cNvGrpSpPr/>
+        <p:nvPr/>
+      </p:nvGrpSpPr>
+      <p:grpSpPr>
+        <a:xfrm>
+          <a:off x="0" y="0"/>
+          <a:ext cx="0" cy="0"/>
+          <a:chOff x="0" y="0"/>
+          <a:chExt cx="0" cy="0"/>
+        </a:xfrm>
+      </p:grpSpPr>
+      <p:sp>
+        <p:nvSpPr>
+          <p:cNvPr id="2" name="Title 1"/>
+          <p:cNvSpPr>
+            <a:spLocks noGrp="1"/>
+          </p:cNvSpPr>
+          <p:nvPr>
+            <p:ph type="title"/>
+          </p:nvPr>
+        </p:nvSpPr>
+        <p:spPr/>
+        <p:txBody>
+          <a:bodyPr/>
+          <a:lstStyle/>
+          <a:p>
+            <a:r>
+              <a:rPr lang="pt-BR" dirty="0" smtClean="0"/>
+              <a:t>3. Objetivos Específicos</a:t>
+            </a:r>
+            <a:endParaRPr lang="pt-BR" dirty="0"/>
+          </a:p>
+        </p:txBody>
+      </p:sp>
+      <p:sp>
+        <p:nvSpPr>
+          <p:cNvPr id="3" name="Content Placeholder 2"/>
+          <p:cNvSpPr>
+            <a:spLocks noGrp="1"/>
+          </p:cNvSpPr>
+          <p:nvPr>
+            <p:ph idx="1"/>
+          </p:nvPr>
+        </p:nvSpPr>
+        <p:spPr/>
+        <p:txBody>
+          <a:bodyPr/>
+          <a:lstStyle/>
+          <a:p>
+            <a:endParaRPr lang="pt-BR"/>
+          </a:p>
+        </p:txBody>
+      </p:sp>
+    </p:spTree>
+    <p:extLst>
+      <p:ext uri="{BB962C8B-B14F-4D97-AF65-F5344CB8AC3E}">
+        <p14:creationId xmlns:p14="http://schemas.microsoft.com/office/powerpoint/2010/main" val="3767900880"/>
+      </p:ext>
+    </p:extLst>
+  </p:cSld>
+  <p:clrMapOvr>
+    <a:masterClrMapping/>
+  </p:clrMapOvr>
+</p:sld>
+</file>
+
+<file path=ppt/slides/slide6.xml><?xml version="1.0" encoding="utf-8"?>
+<p:sld xmlns:a="http://schemas.openxmlformats.org/drawingml/2006/main" xmlns:r="http://schemas.openxmlformats.org/officeDocument/2006/relationships" xmlns:p="http://schemas.openxmlformats.org/presentationml/2006/main">
+  <p:cSld>
+    <p:spTree>
+      <p:nvGrpSpPr>
+        <p:cNvPr id="1" name=""/>
+        <p:cNvGrpSpPr/>
+        <p:nvPr/>
+      </p:nvGrpSpPr>
+      <p:grpSpPr>
+        <a:xfrm>
+          <a:off x="0" y="0"/>
+          <a:ext cx="0" cy="0"/>
+          <a:chOff x="0" y="0"/>
+          <a:chExt cx="0" cy="0"/>
+        </a:xfrm>
+      </p:grpSpPr>
+      <p:sp>
+        <p:nvSpPr>
+          <p:cNvPr id="2" name="Title 1"/>
+          <p:cNvSpPr>
+            <a:spLocks noGrp="1"/>
+          </p:cNvSpPr>
+          <p:nvPr>
+            <p:ph type="title"/>
+          </p:nvPr>
+        </p:nvSpPr>
+        <p:spPr/>
+        <p:txBody>
+          <a:bodyPr/>
+          <a:lstStyle/>
+          <a:p>
+            <a:r>
+              <a:rPr lang="pt-BR" dirty="0" smtClean="0"/>
+              <a:t>4. Metodologia</a:t>
+            </a:r>
+            <a:endParaRPr lang="pt-BR" dirty="0"/>
+          </a:p>
+        </p:txBody>
+      </p:sp>
+      <p:sp>
+        <p:nvSpPr>
+          <p:cNvPr id="3" name="Content Placeholder 2"/>
+          <p:cNvSpPr>
+            <a:spLocks noGrp="1"/>
+          </p:cNvSpPr>
+          <p:nvPr>
+            <p:ph idx="1"/>
+          </p:nvPr>
+        </p:nvSpPr>
+        <p:spPr/>
+        <p:txBody>
+          <a:bodyPr/>
+          <a:lstStyle/>
+          <a:p>
+            <a:endParaRPr lang="pt-BR"/>
+          </a:p>
+        </p:txBody>
+      </p:sp>
+    </p:spTree>
+    <p:extLst>
+      <p:ext uri="{BB962C8B-B14F-4D97-AF65-F5344CB8AC3E}">
+        <p14:creationId xmlns:p14="http://schemas.microsoft.com/office/powerpoint/2010/main" val="1913377127"/>
+      </p:ext>
+    </p:extLst>
+  </p:cSld>
+  <p:clrMapOvr>
+    <a:masterClrMapping/>
+  </p:clrMapOvr>
+</p:sld>
+</file>
+
+<file path=ppt/slides/slide7.xml><?xml version="1.0" encoding="utf-8"?>
+<p:sld xmlns:a="http://schemas.openxmlformats.org/drawingml/2006/main" xmlns:r="http://schemas.openxmlformats.org/officeDocument/2006/relationships" xmlns:p="http://schemas.openxmlformats.org/presentationml/2006/main">
+  <p:cSld>
+    <p:spTree>
+      <p:nvGrpSpPr>
+        <p:cNvPr id="1" name=""/>
+        <p:cNvGrpSpPr/>
+        <p:nvPr/>
+      </p:nvGrpSpPr>
+      <p:grpSpPr>
+        <a:xfrm>
+          <a:off x="0" y="0"/>
+          <a:ext cx="0" cy="0"/>
+          <a:chOff x="0" y="0"/>
+          <a:chExt cx="0" cy="0"/>
+        </a:xfrm>
+      </p:grpSpPr>
+      <p:sp>
+        <p:nvSpPr>
+          <p:cNvPr id="2" name="Title 1"/>
+          <p:cNvSpPr>
+            <a:spLocks noGrp="1"/>
+          </p:cNvSpPr>
+          <p:nvPr>
+            <p:ph type="title"/>
+          </p:nvPr>
+        </p:nvSpPr>
+        <p:spPr/>
+        <p:txBody>
+          <a:bodyPr/>
+          <a:lstStyle/>
+          <a:p>
+            <a:r>
+              <a:rPr lang="pt-BR" dirty="0" smtClean="0"/>
+              <a:t>5. Referencial Teórico</a:t>
+            </a:r>
+            <a:endParaRPr lang="pt-BR" dirty="0"/>
+          </a:p>
+        </p:txBody>
+      </p:sp>
+      <p:sp>
+        <p:nvSpPr>
+          <p:cNvPr id="3" name="Content Placeholder 2"/>
+          <p:cNvSpPr>
+            <a:spLocks noGrp="1"/>
+          </p:cNvSpPr>
+          <p:nvPr>
+            <p:ph idx="1"/>
+          </p:nvPr>
+        </p:nvSpPr>
+        <p:spPr/>
+        <p:txBody>
+          <a:bodyPr/>
+          <a:lstStyle/>
+          <a:p>
+            <a:r>
+              <a:rPr lang="pt-BR" dirty="0" smtClean="0"/>
+              <a:t>Desenvolvimento Multiplataforma</a:t>
+            </a:r>
+          </a:p>
+          <a:p>
+            <a:r>
+              <a:rPr lang="pt-BR" dirty="0" smtClean="0"/>
+              <a:t>Qt</a:t>
+            </a:r>
+          </a:p>
+          <a:p>
+            <a:r>
+              <a:rPr lang="pt-BR" dirty="0" smtClean="0"/>
+              <a:t>Aplicação Cliente-Servidor</a:t>
+            </a:r>
+          </a:p>
+          <a:p>
+            <a:r>
+              <a:rPr lang="pt-BR" dirty="0" smtClean="0"/>
+              <a:t>Troca de Mensagens</a:t>
+            </a:r>
+            <a:endParaRPr lang="pt-BR" dirty="0"/>
+          </a:p>
+        </p:txBody>
+      </p:sp>
+    </p:spTree>
+    <p:extLst>
+      <p:ext uri="{BB962C8B-B14F-4D97-AF65-F5344CB8AC3E}">
+        <p14:creationId xmlns:p14="http://schemas.microsoft.com/office/powerpoint/2010/main" val="3892283153"/>
+      </p:ext>
+    </p:extLst>
+  </p:cSld>
+  <p:clrMapOvr>
+    <a:masterClrMapping/>
+  </p:clrMapOvr>
+</p:sld>
+</file>
+
+<file path=ppt/slides/slide8.xml><?xml version="1.0" encoding="utf-8"?>
+<p:sld xmlns:a="http://schemas.openxmlformats.org/drawingml/2006/main" xmlns:r="http://schemas.openxmlformats.org/officeDocument/2006/relationships" xmlns:p="http://schemas.openxmlformats.org/presentationml/2006/main">
+  <p:cSld>
+    <p:spTree>
+      <p:nvGrpSpPr>
+        <p:cNvPr id="1" name=""/>
+        <p:cNvGrpSpPr/>
+        <p:nvPr/>
+      </p:nvGrpSpPr>
+      <p:grpSpPr>
+        <a:xfrm>
+          <a:off x="0" y="0"/>
+          <a:ext cx="0" cy="0"/>
+          <a:chOff x="0" y="0"/>
+          <a:chExt cx="0" cy="0"/>
+        </a:xfrm>
+      </p:grpSpPr>
+      <p:sp>
+        <p:nvSpPr>
           <p:cNvPr id="2" name="Título 1"/>
           <p:cNvSpPr>
             <a:spLocks noGrp="1"/>
@@ -3125,7 +4103,7 @@
 </p:sld>
 </file>
 
-<file path=ppt/slides/slide3.xml><?xml version="1.0" encoding="utf-8"?>
+<file path=ppt/slides/slide9.xml><?xml version="1.0" encoding="utf-8"?>
 <p:sld xmlns:a="http://schemas.openxmlformats.org/drawingml/2006/main" xmlns:r="http://schemas.openxmlformats.org/officeDocument/2006/relationships" xmlns:p="http://schemas.openxmlformats.org/presentationml/2006/main">
   <p:cSld>
     <p:spTree>
@@ -3472,4 +4450,265 @@
     </a:ext>
   </a:extLst>
 </a:theme>
+</file>
+
+<file path=ppt/theme/theme2.xml><?xml version="1.0" encoding="utf-8"?>
+<a:theme xmlns:a="http://schemas.openxmlformats.org/drawingml/2006/main" name="Office Theme">
+  <a:themeElements>
+    <a:clrScheme name="Office">
+      <a:dk1>
+        <a:sysClr val="windowText" lastClr="000000"/>
+      </a:dk1>
+      <a:lt1>
+        <a:sysClr val="window" lastClr="FFFFFF"/>
+      </a:lt1>
+      <a:dk2>
+        <a:srgbClr val="44546A"/>
+      </a:dk2>
+      <a:lt2>
+        <a:srgbClr val="E7E6E6"/>
+      </a:lt2>
+      <a:accent1>
+        <a:srgbClr val="5B9BD5"/>
+      </a:accent1>
+      <a:accent2>
+        <a:srgbClr val="ED7D31"/>
+      </a:accent2>
+      <a:accent3>
+        <a:srgbClr val="A5A5A5"/>
+      </a:accent3>
+      <a:accent4>
+        <a:srgbClr val="FFC000"/>
+      </a:accent4>
+      <a:accent5>
+        <a:srgbClr val="4472C4"/>
+      </a:accent5>
+      <a:accent6>
+        <a:srgbClr val="70AD47"/>
+      </a:accent6>
+      <a:hlink>
+        <a:srgbClr val="0563C1"/>
+      </a:hlink>
+      <a:folHlink>
+        <a:srgbClr val="954F72"/>
+      </a:folHlink>
+    </a:clrScheme>
+    <a:fontScheme name="Office">
+      <a:majorFont>
+        <a:latin typeface="Calibri Light" panose="020F0302020204030204"/>
+        <a:ea typeface=""/>
+        <a:cs typeface=""/>
+        <a:font script="Jpan" typeface="ＭＳ Ｐゴシック"/>
+        <a:font script="Hang" typeface="맑은 고딕"/>
+        <a:font script="Hans" typeface="宋体"/>
+        <a:font script="Hant" typeface="新細明體"/>
+        <a:font script="Arab" typeface="Times New Roman"/>
+        <a:font script="Hebr" typeface="Times New Roman"/>
+        <a:font script="Thai" typeface="Angsana New"/>
+        <a:font script="Ethi" typeface="Nyala"/>
+        <a:font script="Beng" typeface="Vrinda"/>
+        <a:font script="Gujr" typeface="Shruti"/>
+        <a:font script="Khmr" typeface="MoolBoran"/>
+        <a:font script="Knda" typeface="Tunga"/>
+        <a:font script="Guru" typeface="Raavi"/>
+        <a:font script="Cans" typeface="Euphemia"/>
+        <a:font script="Cher" typeface="Plantagenet Cherokee"/>
+        <a:font script="Yiii" typeface="Microsoft Yi Baiti"/>
+        <a:font script="Tibt" typeface="Microsoft Himalaya"/>
+        <a:font script="Thaa" typeface="MV Boli"/>
+        <a:font script="Deva" typeface="Mangal"/>
+        <a:font script="Telu" typeface="Gautami"/>
+        <a:font script="Taml" typeface="Latha"/>
+        <a:font script="Syrc" typeface="Estrangelo Edessa"/>
+        <a:font script="Orya" typeface="Kalinga"/>
+        <a:font script="Mlym" typeface="Kartika"/>
+        <a:font script="Laoo" typeface="DokChampa"/>
+        <a:font script="Sinh" typeface="Iskoola Pota"/>
+        <a:font script="Mong" typeface="Mongolian Baiti"/>
+        <a:font script="Viet" typeface="Times New Roman"/>
+        <a:font script="Uigh" typeface="Microsoft Uighur"/>
+        <a:font script="Geor" typeface="Sylfaen"/>
+      </a:majorFont>
+      <a:minorFont>
+        <a:latin typeface="Calibri" panose="020F0502020204030204"/>
+        <a:ea typeface=""/>
+        <a:cs typeface=""/>
+        <a:font script="Jpan" typeface="ＭＳ Ｐゴシック"/>
+        <a:font script="Hang" typeface="맑은 고딕"/>
+        <a:font script="Hans" typeface="宋体"/>
+        <a:font script="Hant" typeface="新細明體"/>
+        <a:font script="Arab" typeface="Arial"/>
+        <a:font script="Hebr" typeface="Arial"/>
+        <a:font script="Thai" typeface="Cordia New"/>
+        <a:font script="Ethi" typeface="Nyala"/>
+        <a:font script="Beng" typeface="Vrinda"/>
+        <a:font script="Gujr" typeface="Shruti"/>
+        <a:font script="Khmr" typeface="DaunPenh"/>
+        <a:font script="Knda" typeface="Tunga"/>
+        <a:font script="Guru" typeface="Raavi"/>
+        <a:font script="Cans" typeface="Euphemia"/>
+        <a:font script="Cher" typeface="Plantagenet Cherokee"/>
+        <a:font script="Yiii" typeface="Microsoft Yi Baiti"/>
+        <a:font script="Tibt" typeface="Microsoft Himalaya"/>
+        <a:font script="Thaa" typeface="MV Boli"/>
+        <a:font script="Deva" typeface="Mangal"/>
+        <a:font script="Telu" typeface="Gautami"/>
+        <a:font script="Taml" typeface="Latha"/>
+        <a:font script="Syrc" typeface="Estrangelo Edessa"/>
+        <a:font script="Orya" typeface="Kalinga"/>
+        <a:font script="Mlym" typeface="Kartika"/>
+        <a:font script="Laoo" typeface="DokChampa"/>
+        <a:font script="Sinh" typeface="Iskoola Pota"/>
+        <a:font script="Mong" typeface="Mongolian Baiti"/>
+        <a:font script="Viet" typeface="Arial"/>
+        <a:font script="Uigh" typeface="Microsoft Uighur"/>
+        <a:font script="Geor" typeface="Sylfaen"/>
+      </a:minorFont>
+    </a:fontScheme>
+    <a:fmtScheme name="Office">
+      <a:fillStyleLst>
+        <a:solidFill>
+          <a:schemeClr val="phClr"/>
+        </a:solidFill>
+        <a:gradFill rotWithShape="1">
+          <a:gsLst>
+            <a:gs pos="0">
+              <a:schemeClr val="phClr">
+                <a:lumMod val="110000"/>
+                <a:satMod val="105000"/>
+                <a:tint val="67000"/>
+              </a:schemeClr>
+            </a:gs>
+            <a:gs pos="50000">
+              <a:schemeClr val="phClr">
+                <a:lumMod val="105000"/>
+                <a:satMod val="103000"/>
+                <a:tint val="73000"/>
+              </a:schemeClr>
+            </a:gs>
+            <a:gs pos="100000">
+              <a:schemeClr val="phClr">
+                <a:lumMod val="105000"/>
+                <a:satMod val="109000"/>
+                <a:tint val="81000"/>
+              </a:schemeClr>
+            </a:gs>
+          </a:gsLst>
+          <a:lin ang="5400000" scaled="0"/>
+        </a:gradFill>
+        <a:gradFill rotWithShape="1">
+          <a:gsLst>
+            <a:gs pos="0">
+              <a:schemeClr val="phClr">
+                <a:satMod val="103000"/>
+                <a:lumMod val="102000"/>
+                <a:tint val="94000"/>
+              </a:schemeClr>
+            </a:gs>
+            <a:gs pos="50000">
+              <a:schemeClr val="phClr">
+                <a:satMod val="110000"/>
+                <a:lumMod val="100000"/>
+                <a:shade val="100000"/>
+              </a:schemeClr>
+            </a:gs>
+            <a:gs pos="100000">
+              <a:schemeClr val="phClr">
+                <a:lumMod val="99000"/>
+                <a:satMod val="120000"/>
+                <a:shade val="78000"/>
+              </a:schemeClr>
+            </a:gs>
+          </a:gsLst>
+          <a:lin ang="5400000" scaled="0"/>
+        </a:gradFill>
+      </a:fillStyleLst>
+      <a:lnStyleLst>
+        <a:ln w="6350" cap="flat" cmpd="sng" algn="ctr">
+          <a:solidFill>
+            <a:schemeClr val="phClr"/>
+          </a:solidFill>
+          <a:prstDash val="solid"/>
+          <a:miter lim="800000"/>
+        </a:ln>
+        <a:ln w="12700" cap="flat" cmpd="sng" algn="ctr">
+          <a:solidFill>
+            <a:schemeClr val="phClr"/>
+          </a:solidFill>
+          <a:prstDash val="solid"/>
+          <a:miter lim="800000"/>
+        </a:ln>
+        <a:ln w="19050" cap="flat" cmpd="sng" algn="ctr">
+          <a:solidFill>
+            <a:schemeClr val="phClr"/>
+          </a:solidFill>
+          <a:prstDash val="solid"/>
+          <a:miter lim="800000"/>
+        </a:ln>
+      </a:lnStyleLst>
+      <a:effectStyleLst>
+        <a:effectStyle>
+          <a:effectLst/>
+        </a:effectStyle>
+        <a:effectStyle>
+          <a:effectLst/>
+        </a:effectStyle>
+        <a:effectStyle>
+          <a:effectLst>
+            <a:outerShdw blurRad="57150" dist="19050" dir="5400000" algn="ctr" rotWithShape="0">
+              <a:srgbClr val="000000">
+                <a:alpha val="63000"/>
+              </a:srgbClr>
+            </a:outerShdw>
+          </a:effectLst>
+        </a:effectStyle>
+      </a:effectStyleLst>
+      <a:bgFillStyleLst>
+        <a:solidFill>
+          <a:schemeClr val="phClr"/>
+        </a:solidFill>
+        <a:solidFill>
+          <a:schemeClr val="phClr">
+            <a:tint val="95000"/>
+            <a:satMod val="170000"/>
+          </a:schemeClr>
+        </a:solidFill>
+        <a:gradFill rotWithShape="1">
+          <a:gsLst>
+            <a:gs pos="0">
+              <a:schemeClr val="phClr">
+                <a:tint val="93000"/>
+                <a:satMod val="150000"/>
+                <a:shade val="98000"/>
+                <a:lumMod val="102000"/>
+              </a:schemeClr>
+            </a:gs>
+            <a:gs pos="50000">
+              <a:schemeClr val="phClr">
+                <a:tint val="98000"/>
+                <a:satMod val="130000"/>
+                <a:shade val="90000"/>
+                <a:lumMod val="103000"/>
+              </a:schemeClr>
+            </a:gs>
+            <a:gs pos="100000">
+              <a:schemeClr val="phClr">
+                <a:shade val="63000"/>
+                <a:satMod val="120000"/>
+              </a:schemeClr>
+            </a:gs>
+          </a:gsLst>
+          <a:lin ang="5400000" scaled="0"/>
+        </a:gradFill>
+      </a:bgFillStyleLst>
+    </a:fmtScheme>
+  </a:themeElements>
+  <a:objectDefaults/>
+  <a:extraClrSchemeLst/>
+  <a:extLst>
+    <a:ext uri="{05A4C25C-085E-4340-85A3-A5531E510DB2}">
+      <thm15:themeFamily xmlns:thm15="http://schemas.microsoft.com/office/thememl/2012/main" name="Office Theme" id="{62F939B6-93AF-4DB8-9C6B-D6C7DFDC589F}" vid="{4A3C46E8-61CC-4603-A589-7422A47A8E4A}"/>
+    </a:ext>
+  </a:extLst>
+</a:theme>
 </file>
--- a/documentos/Apresentação_22_09.pptx
+++ b/documentos/Apresentação_22_09.pptx
@@ -5,18 +5,22 @@
     <p:sldMasterId id="2147483648" r:id="rId1"/>
   </p:sldMasterIdLst>
   <p:notesMasterIdLst>
-    <p:notesMasterId r:id="rId11"/>
+    <p:notesMasterId r:id="rId15"/>
   </p:notesMasterIdLst>
   <p:sldIdLst>
-    <p:sldId id="256" r:id="rId2"/>
-    <p:sldId id="259" r:id="rId3"/>
-    <p:sldId id="260" r:id="rId4"/>
-    <p:sldId id="261" r:id="rId5"/>
-    <p:sldId id="263" r:id="rId6"/>
-    <p:sldId id="264" r:id="rId7"/>
-    <p:sldId id="262" r:id="rId8"/>
-    <p:sldId id="258" r:id="rId9"/>
-    <p:sldId id="257" r:id="rId10"/>
+    <p:sldId id="258" r:id="rId2"/>
+    <p:sldId id="257" r:id="rId3"/>
+    <p:sldId id="256" r:id="rId4"/>
+    <p:sldId id="259" r:id="rId5"/>
+    <p:sldId id="260" r:id="rId6"/>
+    <p:sldId id="266" r:id="rId7"/>
+    <p:sldId id="267" r:id="rId8"/>
+    <p:sldId id="268" r:id="rId9"/>
+    <p:sldId id="265" r:id="rId10"/>
+    <p:sldId id="261" r:id="rId11"/>
+    <p:sldId id="263" r:id="rId12"/>
+    <p:sldId id="264" r:id="rId13"/>
+    <p:sldId id="262" r:id="rId14"/>
   </p:sldIdLst>
   <p:sldSz cx="12192000" cy="6858000"/>
   <p:notesSz cx="6858000" cy="9144000"/>
@@ -205,7 +209,7 @@
           <a:p>
             <a:fld id="{7D2DA31C-915D-4208-AFC5-5D994C8760F8}" type="datetimeFigureOut">
               <a:rPr lang="pt-BR" smtClean="0"/>
-              <a:t>20/09/2014</a:t>
+              <a:t>21/09/2014</a:t>
             </a:fld>
             <a:endParaRPr lang="pt-BR"/>
           </a:p>
@@ -538,7 +542,7 @@
           <a:p>
             <a:fld id="{C7EB9D16-F0EF-437C-935F-EF1DDCAC400C}" type="slidenum">
               <a:rPr lang="pt-BR" smtClean="0"/>
-              <a:t>4</a:t>
+              <a:t>10</a:t>
             </a:fld>
             <a:endParaRPr lang="pt-BR"/>
           </a:p>
@@ -688,7 +692,7 @@
           <a:p>
             <a:fld id="{AFC54BD2-7E8F-4754-9550-4A64B018EDB2}" type="datetimeFigureOut">
               <a:rPr lang="pt-BR" smtClean="0"/>
-              <a:t>20/09/2014</a:t>
+              <a:t>21/09/2014</a:t>
             </a:fld>
             <a:endParaRPr lang="pt-BR"/>
           </a:p>
@@ -858,7 +862,7 @@
           <a:p>
             <a:fld id="{AFC54BD2-7E8F-4754-9550-4A64B018EDB2}" type="datetimeFigureOut">
               <a:rPr lang="pt-BR" smtClean="0"/>
-              <a:t>20/09/2014</a:t>
+              <a:t>21/09/2014</a:t>
             </a:fld>
             <a:endParaRPr lang="pt-BR"/>
           </a:p>
@@ -1038,7 +1042,7 @@
           <a:p>
             <a:fld id="{AFC54BD2-7E8F-4754-9550-4A64B018EDB2}" type="datetimeFigureOut">
               <a:rPr lang="pt-BR" smtClean="0"/>
-              <a:t>20/09/2014</a:t>
+              <a:t>21/09/2014</a:t>
             </a:fld>
             <a:endParaRPr lang="pt-BR"/>
           </a:p>
@@ -1208,7 +1212,7 @@
           <a:p>
             <a:fld id="{AFC54BD2-7E8F-4754-9550-4A64B018EDB2}" type="datetimeFigureOut">
               <a:rPr lang="pt-BR" smtClean="0"/>
-              <a:t>20/09/2014</a:t>
+              <a:t>21/09/2014</a:t>
             </a:fld>
             <a:endParaRPr lang="pt-BR"/>
           </a:p>
@@ -1454,7 +1458,7 @@
           <a:p>
             <a:fld id="{AFC54BD2-7E8F-4754-9550-4A64B018EDB2}" type="datetimeFigureOut">
               <a:rPr lang="pt-BR" smtClean="0"/>
-              <a:t>20/09/2014</a:t>
+              <a:t>21/09/2014</a:t>
             </a:fld>
             <a:endParaRPr lang="pt-BR"/>
           </a:p>
@@ -1686,7 +1690,7 @@
           <a:p>
             <a:fld id="{AFC54BD2-7E8F-4754-9550-4A64B018EDB2}" type="datetimeFigureOut">
               <a:rPr lang="pt-BR" smtClean="0"/>
-              <a:t>20/09/2014</a:t>
+              <a:t>21/09/2014</a:t>
             </a:fld>
             <a:endParaRPr lang="pt-BR"/>
           </a:p>
@@ -2053,7 +2057,7 @@
           <a:p>
             <a:fld id="{AFC54BD2-7E8F-4754-9550-4A64B018EDB2}" type="datetimeFigureOut">
               <a:rPr lang="pt-BR" smtClean="0"/>
-              <a:t>20/09/2014</a:t>
+              <a:t>21/09/2014</a:t>
             </a:fld>
             <a:endParaRPr lang="pt-BR"/>
           </a:p>
@@ -2171,7 +2175,7 @@
           <a:p>
             <a:fld id="{AFC54BD2-7E8F-4754-9550-4A64B018EDB2}" type="datetimeFigureOut">
               <a:rPr lang="pt-BR" smtClean="0"/>
-              <a:t>20/09/2014</a:t>
+              <a:t>21/09/2014</a:t>
             </a:fld>
             <a:endParaRPr lang="pt-BR"/>
           </a:p>
@@ -2266,7 +2270,7 @@
           <a:p>
             <a:fld id="{AFC54BD2-7E8F-4754-9550-4A64B018EDB2}" type="datetimeFigureOut">
               <a:rPr lang="pt-BR" smtClean="0"/>
-              <a:t>20/09/2014</a:t>
+              <a:t>21/09/2014</a:t>
             </a:fld>
             <a:endParaRPr lang="pt-BR"/>
           </a:p>
@@ -2543,7 +2547,7 @@
           <a:p>
             <a:fld id="{AFC54BD2-7E8F-4754-9550-4A64B018EDB2}" type="datetimeFigureOut">
               <a:rPr lang="pt-BR" smtClean="0"/>
-              <a:t>20/09/2014</a:t>
+              <a:t>21/09/2014</a:t>
             </a:fld>
             <a:endParaRPr lang="pt-BR"/>
           </a:p>
@@ -2796,7 +2800,7 @@
           <a:p>
             <a:fld id="{AFC54BD2-7E8F-4754-9550-4A64B018EDB2}" type="datetimeFigureOut">
               <a:rPr lang="pt-BR" smtClean="0"/>
-              <a:t>20/09/2014</a:t>
+              <a:t>21/09/2014</a:t>
             </a:fld>
             <a:endParaRPr lang="pt-BR"/>
           </a:p>
@@ -3009,7 +3013,7 @@
           <a:p>
             <a:fld id="{AFC54BD2-7E8F-4754-9550-4A64B018EDB2}" type="datetimeFigureOut">
               <a:rPr lang="pt-BR" smtClean="0"/>
-              <a:t>20/09/2014</a:t>
+              <a:t>21/09/2014</a:t>
             </a:fld>
             <a:endParaRPr lang="pt-BR"/>
           </a:p>
@@ -3421,59 +3425,450 @@
             <a:spLocks noGrp="1"/>
           </p:cNvSpPr>
           <p:nvPr>
-            <p:ph type="ctrTitle"/>
-          </p:nvPr>
-        </p:nvSpPr>
-        <p:spPr/>
-        <p:txBody>
-          <a:bodyPr anchor="ctr">
-            <a:normAutofit fontScale="90000"/>
-          </a:bodyPr>
-          <a:lstStyle/>
-          <a:p>
-            <a:r>
-              <a:rPr lang="pt-BR" b="1" dirty="0" smtClean="0"/>
-              <a:t>Desenvolvimento de uma aplicação multiplataforma utilizando Qt</a:t>
-            </a:r>
-            <a:endParaRPr lang="pt-BR" b="1" dirty="0"/>
-          </a:p>
-        </p:txBody>
-      </p:sp>
-      <p:sp>
-        <p:nvSpPr>
-          <p:cNvPr id="3" name="Subtítulo 2"/>
-          <p:cNvSpPr>
-            <a:spLocks noGrp="1"/>
-          </p:cNvSpPr>
-          <p:nvPr>
-            <p:ph type="subTitle" idx="1"/>
-          </p:nvPr>
-        </p:nvSpPr>
-        <p:spPr/>
-        <p:txBody>
-          <a:bodyPr anchor="b">
-            <a:normAutofit/>
-          </a:bodyPr>
+            <p:ph type="title"/>
+          </p:nvPr>
+        </p:nvSpPr>
+        <p:spPr/>
+        <p:txBody>
+          <a:bodyPr/>
           <a:lstStyle/>
           <a:p>
             <a:r>
               <a:rPr lang="pt-BR" dirty="0" smtClean="0"/>
-              <a:t>Matheus Suarez Silva – 031125825</a:t>
-            </a:r>
-          </a:p>
-          <a:p>
+              <a:t>Coisas para colocar:</a:t>
+            </a:r>
+            <a:endParaRPr lang="pt-BR" dirty="0"/>
+          </a:p>
+        </p:txBody>
+      </p:sp>
+      <p:sp>
+        <p:nvSpPr>
+          <p:cNvPr id="3" name="Espaço Reservado para Conteúdo 2"/>
+          <p:cNvSpPr>
+            <a:spLocks noGrp="1"/>
+          </p:cNvSpPr>
+          <p:nvPr>
+            <p:ph idx="1"/>
+          </p:nvPr>
+        </p:nvSpPr>
+        <p:spPr/>
+        <p:txBody>
+          <a:bodyPr/>
+          <a:lstStyle/>
+          <a:p>
+            <a:pPr marL="342900" indent="-342900" algn="just"/>
             <a:r>
               <a:rPr lang="pt-BR" dirty="0" smtClean="0"/>
-              <a:t>Ricardo Cardoso Petrére - 031125940</a:t>
-            </a:r>
-            <a:endParaRPr lang="pt-BR" dirty="0"/>
+              <a:t>Problema de pesquisa</a:t>
+            </a:r>
+          </a:p>
+          <a:p>
+            <a:pPr marL="342900" indent="-342900" algn="just"/>
+            <a:r>
+              <a:rPr lang="pt-BR" dirty="0" smtClean="0"/>
+              <a:t>Objetivo Geral</a:t>
+            </a:r>
+          </a:p>
+          <a:p>
+            <a:pPr marL="342900" indent="-342900" algn="just"/>
+            <a:r>
+              <a:rPr lang="pt-BR" dirty="0" smtClean="0"/>
+              <a:t>Objetivos Específicos</a:t>
+            </a:r>
+          </a:p>
+          <a:p>
+            <a:pPr marL="342900" indent="-342900" algn="just"/>
+            <a:r>
+              <a:rPr lang="pt-BR" dirty="0" smtClean="0"/>
+              <a:t>Metodologia</a:t>
+            </a:r>
+          </a:p>
+          <a:p>
+            <a:pPr marL="342900" indent="-342900" algn="just"/>
+            <a:r>
+              <a:rPr lang="pt-BR" dirty="0" smtClean="0"/>
+              <a:t>Referencial Teórico</a:t>
+            </a:r>
           </a:p>
         </p:txBody>
       </p:sp>
     </p:spTree>
     <p:extLst>
       <p:ext uri="{BB962C8B-B14F-4D97-AF65-F5344CB8AC3E}">
-        <p14:creationId xmlns:p14="http://schemas.microsoft.com/office/powerpoint/2010/main" val="48539662"/>
+        <p14:creationId xmlns:p14="http://schemas.microsoft.com/office/powerpoint/2010/main" val="438669609"/>
+      </p:ext>
+    </p:extLst>
+  </p:cSld>
+  <p:clrMapOvr>
+    <a:masterClrMapping/>
+  </p:clrMapOvr>
+</p:sld>
+</file>
+
+<file path=ppt/slides/slide10.xml><?xml version="1.0" encoding="utf-8"?>
+<p:sld xmlns:a="http://schemas.openxmlformats.org/drawingml/2006/main" xmlns:r="http://schemas.openxmlformats.org/officeDocument/2006/relationships" xmlns:p="http://schemas.openxmlformats.org/presentationml/2006/main">
+  <p:cSld>
+    <p:spTree>
+      <p:nvGrpSpPr>
+        <p:cNvPr id="1" name=""/>
+        <p:cNvGrpSpPr/>
+        <p:nvPr/>
+      </p:nvGrpSpPr>
+      <p:grpSpPr>
+        <a:xfrm>
+          <a:off x="0" y="0"/>
+          <a:ext cx="0" cy="0"/>
+          <a:chOff x="0" y="0"/>
+          <a:chExt cx="0" cy="0"/>
+        </a:xfrm>
+      </p:grpSpPr>
+      <p:sp>
+        <p:nvSpPr>
+          <p:cNvPr id="2" name="Title 1"/>
+          <p:cNvSpPr>
+            <a:spLocks noGrp="1"/>
+          </p:cNvSpPr>
+          <p:nvPr>
+            <p:ph type="title"/>
+          </p:nvPr>
+        </p:nvSpPr>
+        <p:spPr/>
+        <p:txBody>
+          <a:bodyPr/>
+          <a:lstStyle/>
+          <a:p>
+            <a:r>
+              <a:rPr lang="pt-BR" dirty="0" smtClean="0"/>
+              <a:t>2. Objetivo Geral</a:t>
+            </a:r>
+            <a:endParaRPr lang="pt-BR" dirty="0"/>
+          </a:p>
+        </p:txBody>
+      </p:sp>
+      <p:sp>
+        <p:nvSpPr>
+          <p:cNvPr id="3" name="Content Placeholder 2"/>
+          <p:cNvSpPr>
+            <a:spLocks noGrp="1"/>
+          </p:cNvSpPr>
+          <p:nvPr>
+            <p:ph idx="1"/>
+          </p:nvPr>
+        </p:nvSpPr>
+        <p:spPr/>
+        <p:txBody>
+          <a:bodyPr/>
+          <a:lstStyle/>
+          <a:p>
+            <a:pPr marL="0" indent="0">
+              <a:buNone/>
+            </a:pPr>
+            <a:r>
+              <a:rPr lang="pt-BR" dirty="0" smtClean="0"/>
+              <a:t>Estudo </a:t>
+            </a:r>
+            <a:r>
+              <a:rPr lang="pt-BR" dirty="0"/>
+              <a:t>da tecnologia para desenvolvimento multiplataforma Qt e, através </a:t>
+            </a:r>
+            <a:r>
+              <a:rPr lang="pt-BR" dirty="0" smtClean="0"/>
+              <a:t>disso, </a:t>
+            </a:r>
+            <a:r>
+              <a:rPr lang="pt-BR" dirty="0"/>
+              <a:t>verificar sua viabilidade, ou não, no desenvolvimento de aplicações.</a:t>
+            </a:r>
+            <a:endParaRPr lang="pt-BR" dirty="0"/>
+          </a:p>
+        </p:txBody>
+      </p:sp>
+    </p:spTree>
+    <p:extLst>
+      <p:ext uri="{BB962C8B-B14F-4D97-AF65-F5344CB8AC3E}">
+        <p14:creationId xmlns:p14="http://schemas.microsoft.com/office/powerpoint/2010/main" val="491564175"/>
+      </p:ext>
+    </p:extLst>
+  </p:cSld>
+  <p:clrMapOvr>
+    <a:masterClrMapping/>
+  </p:clrMapOvr>
+</p:sld>
+</file>
+
+<file path=ppt/slides/slide11.xml><?xml version="1.0" encoding="utf-8"?>
+<p:sld xmlns:a="http://schemas.openxmlformats.org/drawingml/2006/main" xmlns:r="http://schemas.openxmlformats.org/officeDocument/2006/relationships" xmlns:p="http://schemas.openxmlformats.org/presentationml/2006/main">
+  <p:cSld>
+    <p:spTree>
+      <p:nvGrpSpPr>
+        <p:cNvPr id="1" name=""/>
+        <p:cNvGrpSpPr/>
+        <p:nvPr/>
+      </p:nvGrpSpPr>
+      <p:grpSpPr>
+        <a:xfrm>
+          <a:off x="0" y="0"/>
+          <a:ext cx="0" cy="0"/>
+          <a:chOff x="0" y="0"/>
+          <a:chExt cx="0" cy="0"/>
+        </a:xfrm>
+      </p:grpSpPr>
+      <p:sp>
+        <p:nvSpPr>
+          <p:cNvPr id="2" name="Title 1"/>
+          <p:cNvSpPr>
+            <a:spLocks noGrp="1"/>
+          </p:cNvSpPr>
+          <p:nvPr>
+            <p:ph type="title"/>
+          </p:nvPr>
+        </p:nvSpPr>
+        <p:spPr/>
+        <p:txBody>
+          <a:bodyPr/>
+          <a:lstStyle/>
+          <a:p>
+            <a:r>
+              <a:rPr lang="pt-BR" dirty="0" smtClean="0"/>
+              <a:t>3. Objetivos Específicos</a:t>
+            </a:r>
+            <a:endParaRPr lang="pt-BR" dirty="0"/>
+          </a:p>
+        </p:txBody>
+      </p:sp>
+      <p:sp>
+        <p:nvSpPr>
+          <p:cNvPr id="3" name="Content Placeholder 2"/>
+          <p:cNvSpPr>
+            <a:spLocks noGrp="1"/>
+          </p:cNvSpPr>
+          <p:nvPr>
+            <p:ph idx="1"/>
+          </p:nvPr>
+        </p:nvSpPr>
+        <p:spPr/>
+        <p:txBody>
+          <a:bodyPr/>
+          <a:lstStyle/>
+          <a:p>
+            <a:r>
+              <a:rPr lang="pt-BR" dirty="0"/>
+              <a:t>Revisão bibliográfica sobre as tecnologias abordadas nesse trabalho de conclusão de curso, incluindo desenvolvimento e compilação de aplicações para sistemas operacionais distintos</a:t>
+            </a:r>
+            <a:r>
+              <a:rPr lang="pt-BR" dirty="0" smtClean="0"/>
+              <a:t>;</a:t>
+            </a:r>
+          </a:p>
+          <a:p>
+            <a:r>
+              <a:rPr lang="pt-BR" dirty="0"/>
+              <a:t>Desenvolvimento de um protótipo para avaliar a proposta de que não é necessária refartoração do código para que funcione em diferentes plataformas.</a:t>
+            </a:r>
+            <a:endParaRPr lang="pt-BR" dirty="0"/>
+          </a:p>
+        </p:txBody>
+      </p:sp>
+    </p:spTree>
+    <p:extLst>
+      <p:ext uri="{BB962C8B-B14F-4D97-AF65-F5344CB8AC3E}">
+        <p14:creationId xmlns:p14="http://schemas.microsoft.com/office/powerpoint/2010/main" val="3767900880"/>
+      </p:ext>
+    </p:extLst>
+  </p:cSld>
+  <p:clrMapOvr>
+    <a:masterClrMapping/>
+  </p:clrMapOvr>
+</p:sld>
+</file>
+
+<file path=ppt/slides/slide12.xml><?xml version="1.0" encoding="utf-8"?>
+<p:sld xmlns:a="http://schemas.openxmlformats.org/drawingml/2006/main" xmlns:r="http://schemas.openxmlformats.org/officeDocument/2006/relationships" xmlns:p="http://schemas.openxmlformats.org/presentationml/2006/main">
+  <p:cSld>
+    <p:spTree>
+      <p:nvGrpSpPr>
+        <p:cNvPr id="1" name=""/>
+        <p:cNvGrpSpPr/>
+        <p:nvPr/>
+      </p:nvGrpSpPr>
+      <p:grpSpPr>
+        <a:xfrm>
+          <a:off x="0" y="0"/>
+          <a:ext cx="0" cy="0"/>
+          <a:chOff x="0" y="0"/>
+          <a:chExt cx="0" cy="0"/>
+        </a:xfrm>
+      </p:grpSpPr>
+      <p:sp>
+        <p:nvSpPr>
+          <p:cNvPr id="2" name="Title 1"/>
+          <p:cNvSpPr>
+            <a:spLocks noGrp="1"/>
+          </p:cNvSpPr>
+          <p:nvPr>
+            <p:ph type="title"/>
+          </p:nvPr>
+        </p:nvSpPr>
+        <p:spPr/>
+        <p:txBody>
+          <a:bodyPr/>
+          <a:lstStyle/>
+          <a:p>
+            <a:r>
+              <a:rPr lang="pt-BR" dirty="0" smtClean="0"/>
+              <a:t>4. Metodologia</a:t>
+            </a:r>
+            <a:endParaRPr lang="pt-BR" dirty="0"/>
+          </a:p>
+        </p:txBody>
+      </p:sp>
+      <p:sp>
+        <p:nvSpPr>
+          <p:cNvPr id="3" name="Content Placeholder 2"/>
+          <p:cNvSpPr>
+            <a:spLocks noGrp="1"/>
+          </p:cNvSpPr>
+          <p:nvPr>
+            <p:ph idx="1"/>
+          </p:nvPr>
+        </p:nvSpPr>
+        <p:spPr/>
+        <p:txBody>
+          <a:bodyPr/>
+          <a:lstStyle/>
+          <a:p>
+            <a:pPr marL="0" indent="0">
+              <a:buNone/>
+            </a:pPr>
+            <a:r>
+              <a:rPr lang="pt-BR" dirty="0" smtClean="0"/>
+              <a:t>Metodologia Utilizada:</a:t>
+            </a:r>
+          </a:p>
+          <a:p>
+            <a:pPr marL="0" indent="0">
+              <a:buNone/>
+            </a:pPr>
+            <a:endParaRPr lang="pt-BR" dirty="0"/>
+          </a:p>
+          <a:p>
+            <a:r>
+              <a:rPr lang="pt-BR" dirty="0" smtClean="0"/>
+              <a:t>Levantamento bibliográfico</a:t>
+            </a:r>
+          </a:p>
+          <a:p>
+            <a:r>
+              <a:rPr lang="pt-BR" dirty="0" smtClean="0"/>
+              <a:t>Estudo de Caso</a:t>
+            </a:r>
+          </a:p>
+          <a:p>
+            <a:pPr marL="0" indent="0">
+              <a:buNone/>
+            </a:pPr>
+            <a:endParaRPr lang="pt-BR" dirty="0"/>
+          </a:p>
+        </p:txBody>
+      </p:sp>
+    </p:spTree>
+    <p:extLst>
+      <p:ext uri="{BB962C8B-B14F-4D97-AF65-F5344CB8AC3E}">
+        <p14:creationId xmlns:p14="http://schemas.microsoft.com/office/powerpoint/2010/main" val="1913377127"/>
+      </p:ext>
+    </p:extLst>
+  </p:cSld>
+  <p:clrMapOvr>
+    <a:masterClrMapping/>
+  </p:clrMapOvr>
+</p:sld>
+</file>
+
+<file path=ppt/slides/slide13.xml><?xml version="1.0" encoding="utf-8"?>
+<p:sld xmlns:a="http://schemas.openxmlformats.org/drawingml/2006/main" xmlns:r="http://schemas.openxmlformats.org/officeDocument/2006/relationships" xmlns:p="http://schemas.openxmlformats.org/presentationml/2006/main">
+  <p:cSld>
+    <p:spTree>
+      <p:nvGrpSpPr>
+        <p:cNvPr id="1" name=""/>
+        <p:cNvGrpSpPr/>
+        <p:nvPr/>
+      </p:nvGrpSpPr>
+      <p:grpSpPr>
+        <a:xfrm>
+          <a:off x="0" y="0"/>
+          <a:ext cx="0" cy="0"/>
+          <a:chOff x="0" y="0"/>
+          <a:chExt cx="0" cy="0"/>
+        </a:xfrm>
+      </p:grpSpPr>
+      <p:sp>
+        <p:nvSpPr>
+          <p:cNvPr id="2" name="Title 1"/>
+          <p:cNvSpPr>
+            <a:spLocks noGrp="1"/>
+          </p:cNvSpPr>
+          <p:nvPr>
+            <p:ph type="title"/>
+          </p:nvPr>
+        </p:nvSpPr>
+        <p:spPr/>
+        <p:txBody>
+          <a:bodyPr/>
+          <a:lstStyle/>
+          <a:p>
+            <a:r>
+              <a:rPr lang="pt-BR" dirty="0" smtClean="0"/>
+              <a:t>5. Referencial Teórico</a:t>
+            </a:r>
+            <a:endParaRPr lang="pt-BR" dirty="0"/>
+          </a:p>
+        </p:txBody>
+      </p:sp>
+      <p:sp>
+        <p:nvSpPr>
+          <p:cNvPr id="3" name="Content Placeholder 2"/>
+          <p:cNvSpPr>
+            <a:spLocks noGrp="1"/>
+          </p:cNvSpPr>
+          <p:nvPr>
+            <p:ph idx="1"/>
+          </p:nvPr>
+        </p:nvSpPr>
+        <p:spPr/>
+        <p:txBody>
+          <a:bodyPr/>
+          <a:lstStyle/>
+          <a:p>
+            <a:r>
+              <a:rPr lang="pt-BR" dirty="0" smtClean="0"/>
+              <a:t>Desenvolvimento Multiplataforma</a:t>
+            </a:r>
+          </a:p>
+          <a:p>
+            <a:r>
+              <a:rPr lang="pt-BR" dirty="0" smtClean="0"/>
+              <a:t>Qt</a:t>
+            </a:r>
+          </a:p>
+          <a:p>
+            <a:r>
+              <a:rPr lang="pt-BR" dirty="0" smtClean="0"/>
+              <a:t>Aplicação Cliente-Servidor</a:t>
+            </a:r>
+          </a:p>
+          <a:p>
+            <a:r>
+              <a:rPr lang="pt-BR" dirty="0" smtClean="0"/>
+              <a:t>Troca de Mensagens</a:t>
+            </a:r>
+            <a:endParaRPr lang="pt-BR" dirty="0"/>
+          </a:p>
+        </p:txBody>
+      </p:sp>
+    </p:spTree>
+    <p:extLst>
+      <p:ext uri="{BB962C8B-B14F-4D97-AF65-F5344CB8AC3E}">
+        <p14:creationId xmlns:p14="http://schemas.microsoft.com/office/powerpoint/2010/main" val="3892283153"/>
       </p:ext>
     </p:extLst>
   </p:cSld>
@@ -3502,7 +3897,7 @@
       </p:grpSpPr>
       <p:sp>
         <p:nvSpPr>
-          <p:cNvPr id="2" name="Title 1"/>
+          <p:cNvPr id="2" name="Título 1"/>
           <p:cNvSpPr>
             <a:spLocks noGrp="1"/>
           </p:cNvSpPr>
@@ -3516,16 +3911,16 @@
           <a:lstStyle/>
           <a:p>
             <a:r>
-              <a:rPr lang="pt-BR" b="1" dirty="0" smtClean="0"/>
-              <a:t>Sumário da apresentação</a:t>
-            </a:r>
-            <a:endParaRPr lang="pt-BR" b="1" dirty="0"/>
-          </a:p>
-        </p:txBody>
-      </p:sp>
-      <p:sp>
-        <p:nvSpPr>
-          <p:cNvPr id="3" name="Content Placeholder 2"/>
+              <a:rPr lang="pt-BR" dirty="0" smtClean="0"/>
+              <a:t>Perguntas a se fazer</a:t>
+            </a:r>
+            <a:endParaRPr lang="pt-BR" dirty="0"/>
+          </a:p>
+        </p:txBody>
+      </p:sp>
+      <p:sp>
+        <p:nvSpPr>
+          <p:cNvPr id="3" name="Espaço Reservado para Conteúdo 2"/>
           <p:cNvSpPr>
             <a:spLocks noGrp="1"/>
           </p:cNvSpPr>
@@ -3538,61 +3933,21 @@
           <a:bodyPr/>
           <a:lstStyle/>
           <a:p>
-            <a:pPr marL="514350" indent="-514350" algn="just">
-              <a:buFont typeface="+mj-lt"/>
-              <a:buAutoNum type="arabicPeriod"/>
-            </a:pPr>
             <a:r>
               <a:rPr lang="pt-BR" dirty="0" smtClean="0"/>
-              <a:t>Hipótese </a:t>
-            </a:r>
-            <a:r>
-              <a:rPr lang="pt-BR" dirty="0"/>
-              <a:t>de pesquisa</a:t>
-            </a:r>
-          </a:p>
-          <a:p>
-            <a:pPr marL="514350" indent="-514350" algn="just">
-              <a:buFont typeface="+mj-lt"/>
-              <a:buAutoNum type="arabicPeriod"/>
-            </a:pPr>
-            <a:r>
-              <a:rPr lang="pt-BR" dirty="0"/>
-              <a:t>Objetivo Geral</a:t>
-            </a:r>
-          </a:p>
-          <a:p>
-            <a:pPr marL="514350" indent="-514350" algn="just">
-              <a:buFont typeface="+mj-lt"/>
-              <a:buAutoNum type="arabicPeriod"/>
-            </a:pPr>
-            <a:r>
-              <a:rPr lang="pt-BR" dirty="0"/>
-              <a:t>Objetivos Específicos</a:t>
-            </a:r>
-          </a:p>
-          <a:p>
-            <a:pPr marL="514350" indent="-514350" algn="just">
-              <a:buFont typeface="+mj-lt"/>
-              <a:buAutoNum type="arabicPeriod"/>
-            </a:pPr>
-            <a:r>
-              <a:rPr lang="pt-BR" dirty="0"/>
-              <a:t>Metodologia</a:t>
-            </a:r>
-          </a:p>
-          <a:p>
-            <a:pPr marL="514350" indent="-514350" algn="just">
-              <a:buFont typeface="+mj-lt"/>
-              <a:buAutoNum type="arabicPeriod"/>
-            </a:pPr>
-            <a:r>
-              <a:rPr lang="pt-BR" dirty="0"/>
-              <a:t>Referencial </a:t>
-            </a:r>
+              <a:t>O que o trabalho pretende alcançar?</a:t>
+            </a:r>
+          </a:p>
+          <a:p>
             <a:r>
               <a:rPr lang="pt-BR" dirty="0" smtClean="0"/>
-              <a:t>Teórico</a:t>
+              <a:t>Como atingir este resultado?</a:t>
+            </a:r>
+          </a:p>
+          <a:p>
+            <a:r>
+              <a:rPr lang="pt-BR" dirty="0" smtClean="0"/>
+              <a:t>O que foi feito até agora?</a:t>
             </a:r>
             <a:endParaRPr lang="pt-BR" dirty="0"/>
           </a:p>
@@ -3601,7 +3956,7 @@
     </p:spTree>
     <p:extLst>
       <p:ext uri="{BB962C8B-B14F-4D97-AF65-F5344CB8AC3E}">
-        <p14:creationId xmlns:p14="http://schemas.microsoft.com/office/powerpoint/2010/main" val="3629155228"/>
+        <p14:creationId xmlns:p14="http://schemas.microsoft.com/office/powerpoint/2010/main" val="3907443395"/>
       </p:ext>
     </p:extLst>
   </p:cSld>
@@ -3630,53 +3985,64 @@
       </p:grpSpPr>
       <p:sp>
         <p:nvSpPr>
-          <p:cNvPr id="2" name="Title 1"/>
-          <p:cNvSpPr>
-            <a:spLocks noGrp="1"/>
-          </p:cNvSpPr>
-          <p:nvPr>
-            <p:ph type="title"/>
-          </p:nvPr>
-        </p:nvSpPr>
-        <p:spPr/>
-        <p:txBody>
-          <a:bodyPr/>
+          <p:cNvPr id="2" name="Título 1"/>
+          <p:cNvSpPr>
+            <a:spLocks noGrp="1"/>
+          </p:cNvSpPr>
+          <p:nvPr>
+            <p:ph type="ctrTitle"/>
+          </p:nvPr>
+        </p:nvSpPr>
+        <p:spPr/>
+        <p:txBody>
+          <a:bodyPr anchor="ctr">
+            <a:normAutofit fontScale="90000"/>
+          </a:bodyPr>
+          <a:lstStyle/>
+          <a:p>
+            <a:r>
+              <a:rPr lang="pt-BR" b="1" dirty="0" smtClean="0"/>
+              <a:t>Desenvolvimento de uma aplicação multiplataforma utilizando Qt</a:t>
+            </a:r>
+            <a:endParaRPr lang="pt-BR" b="1" dirty="0"/>
+          </a:p>
+        </p:txBody>
+      </p:sp>
+      <p:sp>
+        <p:nvSpPr>
+          <p:cNvPr id="3" name="Subtítulo 2"/>
+          <p:cNvSpPr>
+            <a:spLocks noGrp="1"/>
+          </p:cNvSpPr>
+          <p:nvPr>
+            <p:ph type="subTitle" idx="1"/>
+          </p:nvPr>
+        </p:nvSpPr>
+        <p:spPr/>
+        <p:txBody>
+          <a:bodyPr anchor="b">
+            <a:normAutofit/>
+          </a:bodyPr>
           <a:lstStyle/>
           <a:p>
             <a:r>
               <a:rPr lang="pt-BR" dirty="0" smtClean="0"/>
-              <a:t>1. Hipótese de Pesquisa</a:t>
+              <a:t>Matheus Suarez Silva – 031125825</a:t>
+            </a:r>
+          </a:p>
+          <a:p>
+            <a:r>
+              <a:rPr lang="pt-BR" dirty="0" smtClean="0"/>
+              <a:t>Ricardo Cardoso Petrére - 031125940</a:t>
             </a:r>
             <a:endParaRPr lang="pt-BR" dirty="0"/>
-          </a:p>
-        </p:txBody>
-      </p:sp>
-      <p:sp>
-        <p:nvSpPr>
-          <p:cNvPr id="3" name="Content Placeholder 2"/>
-          <p:cNvSpPr>
-            <a:spLocks noGrp="1"/>
-          </p:cNvSpPr>
-          <p:nvPr>
-            <p:ph idx="1"/>
-          </p:nvPr>
-        </p:nvSpPr>
-        <p:spPr/>
-        <p:txBody>
-          <a:bodyPr/>
-          <a:lstStyle/>
-          <a:p>
-            <a:pPr marL="0" indent="0">
-              <a:buNone/>
-            </a:pPr>
-            <a:endParaRPr lang="pt-BR" dirty="0" smtClean="0"/>
           </a:p>
         </p:txBody>
       </p:sp>
     </p:spTree>
     <p:extLst>
       <p:ext uri="{BB962C8B-B14F-4D97-AF65-F5344CB8AC3E}">
-        <p14:creationId xmlns:p14="http://schemas.microsoft.com/office/powerpoint/2010/main" val="444633231"/>
+        <p14:creationId xmlns:p14="http://schemas.microsoft.com/office/powerpoint/2010/main" val="48539662"/>
       </p:ext>
     </p:extLst>
   </p:cSld>
@@ -3719,31 +4085,84 @@
           <a:lstStyle/>
           <a:p>
             <a:r>
+              <a:rPr lang="pt-BR" b="1" dirty="0" smtClean="0"/>
+              <a:t>Sumário da apresentação</a:t>
+            </a:r>
+            <a:endParaRPr lang="pt-BR" b="1" dirty="0"/>
+          </a:p>
+        </p:txBody>
+      </p:sp>
+      <p:sp>
+        <p:nvSpPr>
+          <p:cNvPr id="3" name="Content Placeholder 2"/>
+          <p:cNvSpPr>
+            <a:spLocks noGrp="1"/>
+          </p:cNvSpPr>
+          <p:nvPr>
+            <p:ph idx="1"/>
+          </p:nvPr>
+        </p:nvSpPr>
+        <p:spPr/>
+        <p:txBody>
+          <a:bodyPr/>
+          <a:lstStyle/>
+          <a:p>
+            <a:pPr marL="514350" indent="-514350" algn="just">
+              <a:buFont typeface="+mj-lt"/>
+              <a:buAutoNum type="arabicPeriod"/>
+            </a:pPr>
+            <a:r>
               <a:rPr lang="pt-BR" dirty="0" smtClean="0"/>
-              <a:t>2. Objetivo Geral</a:t>
-            </a:r>
-            <a:endParaRPr lang="pt-BR" dirty="0"/>
-          </a:p>
-        </p:txBody>
-      </p:sp>
-      <p:sp>
-        <p:nvSpPr>
-          <p:cNvPr id="3" name="Content Placeholder 2"/>
-          <p:cNvSpPr>
-            <a:spLocks noGrp="1"/>
-          </p:cNvSpPr>
-          <p:nvPr>
-            <p:ph idx="1"/>
-          </p:nvPr>
-        </p:nvSpPr>
-        <p:spPr/>
-        <p:txBody>
-          <a:bodyPr/>
-          <a:lstStyle/>
-          <a:p>
-            <a:pPr marL="0" indent="0">
-              <a:buNone/>
+              <a:t>Hipótese </a:t>
+            </a:r>
+            <a:r>
+              <a:rPr lang="pt-BR" dirty="0"/>
+              <a:t>de pesquisa</a:t>
+            </a:r>
+          </a:p>
+          <a:p>
+            <a:pPr marL="514350" indent="-514350" algn="just">
+              <a:buFont typeface="+mj-lt"/>
+              <a:buAutoNum type="arabicPeriod"/>
             </a:pPr>
+            <a:r>
+              <a:rPr lang="pt-BR" dirty="0"/>
+              <a:t>Objetivo Geral</a:t>
+            </a:r>
+          </a:p>
+          <a:p>
+            <a:pPr marL="514350" indent="-514350" algn="just">
+              <a:buFont typeface="+mj-lt"/>
+              <a:buAutoNum type="arabicPeriod"/>
+            </a:pPr>
+            <a:r>
+              <a:rPr lang="pt-BR" dirty="0"/>
+              <a:t>Objetivos Específicos</a:t>
+            </a:r>
+          </a:p>
+          <a:p>
+            <a:pPr marL="514350" indent="-514350" algn="just">
+              <a:buFont typeface="+mj-lt"/>
+              <a:buAutoNum type="arabicPeriod"/>
+            </a:pPr>
+            <a:r>
+              <a:rPr lang="pt-BR" dirty="0"/>
+              <a:t>Metodologia</a:t>
+            </a:r>
+          </a:p>
+          <a:p>
+            <a:pPr marL="514350" indent="-514350" algn="just">
+              <a:buFont typeface="+mj-lt"/>
+              <a:buAutoNum type="arabicPeriod"/>
+            </a:pPr>
+            <a:r>
+              <a:rPr lang="pt-BR" dirty="0"/>
+              <a:t>Referencial </a:t>
+            </a:r>
+            <a:r>
+              <a:rPr lang="pt-BR" dirty="0" smtClean="0"/>
+              <a:t>Teórico</a:t>
+            </a:r>
             <a:endParaRPr lang="pt-BR" dirty="0"/>
           </a:p>
         </p:txBody>
@@ -3751,7 +4170,7 @@
     </p:spTree>
     <p:extLst>
       <p:ext uri="{BB962C8B-B14F-4D97-AF65-F5344CB8AC3E}">
-        <p14:creationId xmlns:p14="http://schemas.microsoft.com/office/powerpoint/2010/main" val="491564175"/>
+        <p14:creationId xmlns:p14="http://schemas.microsoft.com/office/powerpoint/2010/main" val="3629155228"/>
       </p:ext>
     </p:extLst>
   </p:cSld>
@@ -3795,7 +4214,7 @@
           <a:p>
             <a:r>
               <a:rPr lang="pt-BR" dirty="0" smtClean="0"/>
-              <a:t>3. Objetivos Específicos</a:t>
+              <a:t>1. Hipótese de Pesquisa</a:t>
             </a:r>
             <a:endParaRPr lang="pt-BR" dirty="0"/>
           </a:p>
@@ -3816,14 +4235,49 @@
           <a:bodyPr/>
           <a:lstStyle/>
           <a:p>
-            <a:endParaRPr lang="pt-BR"/>
+            <a:pPr marL="0" indent="0">
+              <a:buNone/>
+            </a:pPr>
+            <a:r>
+              <a:rPr lang="pt-BR" dirty="0" smtClean="0"/>
+              <a:t>Desenvolver uma aplicação multiplataforma significa:</a:t>
+            </a:r>
+          </a:p>
+          <a:p>
+            <a:pPr marL="0" indent="0">
+              <a:buNone/>
+            </a:pPr>
+            <a:endParaRPr lang="pt-BR" dirty="0" smtClean="0"/>
+          </a:p>
+          <a:p>
+            <a:r>
+              <a:rPr lang="pt-BR" dirty="0"/>
+              <a:t>M</a:t>
+            </a:r>
+            <a:r>
+              <a:rPr lang="pt-BR" dirty="0" smtClean="0"/>
+              <a:t>enos código-fonte (um código-fonte para todas os sistemas)</a:t>
+            </a:r>
+          </a:p>
+          <a:p>
+            <a:r>
+              <a:rPr lang="pt-BR" dirty="0" smtClean="0"/>
+              <a:t>Correções mais fáceis (apenas uma versão de programa para corrigir)</a:t>
+            </a:r>
+          </a:p>
+          <a:p>
+            <a:r>
+              <a:rPr lang="pt-BR" dirty="0" smtClean="0"/>
+              <a:t>Mais liberdade e flexibilidade de desenvolvimento (não se prender à um ou outro sistema)</a:t>
+            </a:r>
+            <a:endParaRPr lang="pt-BR" dirty="0" smtClean="0"/>
           </a:p>
         </p:txBody>
       </p:sp>
     </p:spTree>
     <p:extLst>
       <p:ext uri="{BB962C8B-B14F-4D97-AF65-F5344CB8AC3E}">
-        <p14:creationId xmlns:p14="http://schemas.microsoft.com/office/powerpoint/2010/main" val="3767900880"/>
+        <p14:creationId xmlns:p14="http://schemas.microsoft.com/office/powerpoint/2010/main" val="444633231"/>
       </p:ext>
     </p:extLst>
   </p:cSld>
@@ -3867,7 +4321,7 @@
           <a:p>
             <a:r>
               <a:rPr lang="pt-BR" dirty="0" smtClean="0"/>
-              <a:t>4. Metodologia</a:t>
+              <a:t>1. Hipótese de Pesquisa</a:t>
             </a:r>
             <a:endParaRPr lang="pt-BR" dirty="0"/>
           </a:p>
@@ -3888,14 +4342,50 @@
           <a:bodyPr/>
           <a:lstStyle/>
           <a:p>
-            <a:endParaRPr lang="pt-BR"/>
+            <a:pPr marL="0" indent="0">
+              <a:buNone/>
+            </a:pPr>
+            <a:r>
+              <a:rPr lang="pt-BR" dirty="0" smtClean="0"/>
+              <a:t>Ao </a:t>
+            </a:r>
+            <a:r>
+              <a:rPr lang="pt-BR" dirty="0"/>
+              <a:t>que tudo indica, o desenvolvimento de aplicações multiplataforma, apesar de realizar grande economia em código-fonte, apresenta algumas deficiências que aparentam ser próprias desse modelo de </a:t>
+            </a:r>
+            <a:r>
+              <a:rPr lang="pt-BR" dirty="0" smtClean="0"/>
+              <a:t>aplicação</a:t>
+            </a:r>
+          </a:p>
+          <a:p>
+            <a:pPr marL="0" indent="0">
+              <a:buNone/>
+            </a:pPr>
+            <a:endParaRPr lang="pt-BR" dirty="0"/>
+          </a:p>
+          <a:p>
+            <a:pPr marL="0" indent="0">
+              <a:buNone/>
+            </a:pPr>
+            <a:endParaRPr lang="pt-BR" dirty="0" smtClean="0"/>
+          </a:p>
+          <a:p>
+            <a:pPr marL="0" indent="0" algn="ctr">
+              <a:buNone/>
+            </a:pPr>
+            <a:r>
+              <a:rPr lang="pt-BR" sz="4400" dirty="0" smtClean="0"/>
+              <a:t>Quais são?</a:t>
+            </a:r>
+            <a:endParaRPr lang="pt-BR" sz="4400" dirty="0"/>
           </a:p>
         </p:txBody>
       </p:sp>
     </p:spTree>
     <p:extLst>
       <p:ext uri="{BB962C8B-B14F-4D97-AF65-F5344CB8AC3E}">
-        <p14:creationId xmlns:p14="http://schemas.microsoft.com/office/powerpoint/2010/main" val="1913377127"/>
+        <p14:creationId xmlns:p14="http://schemas.microsoft.com/office/powerpoint/2010/main" val="3521576323"/>
       </p:ext>
     </p:extLst>
   </p:cSld>
@@ -3939,7 +4429,7 @@
           <a:p>
             <a:r>
               <a:rPr lang="pt-BR" dirty="0" smtClean="0"/>
-              <a:t>5. Referencial Teórico</a:t>
+              <a:t>1. Hipótese de Pesquisa</a:t>
             </a:r>
             <a:endParaRPr lang="pt-BR" dirty="0"/>
           </a:p>
@@ -3962,25 +4452,67 @@
           <a:p>
             <a:r>
               <a:rPr lang="pt-BR" dirty="0" smtClean="0"/>
-              <a:t>Desenvolvimento Multiplataforma</a:t>
-            </a:r>
-          </a:p>
-          <a:p>
+              <a:t>Limite </a:t>
+            </a:r>
+            <a:r>
+              <a:rPr lang="pt-BR" dirty="0"/>
+              <a:t>nas bibliotecas a ser </a:t>
+            </a:r>
             <a:r>
               <a:rPr lang="pt-BR" dirty="0" smtClean="0"/>
-              <a:t>Qt</a:t>
+              <a:t>utilizadas</a:t>
             </a:r>
           </a:p>
           <a:p>
             <a:r>
               <a:rPr lang="pt-BR" dirty="0" smtClean="0"/>
-              <a:t>Aplicação Cliente-Servidor</a:t>
-            </a:r>
-          </a:p>
-          <a:p>
+              <a:t>Mais </a:t>
+            </a:r>
+            <a:r>
+              <a:rPr lang="pt-BR" dirty="0"/>
+              <a:t>lentas do que suas </a:t>
+            </a:r>
             <a:r>
               <a:rPr lang="pt-BR" dirty="0" smtClean="0"/>
-              <a:t>Troca de Mensagens</a:t>
+              <a:t>versões “normais”</a:t>
+            </a:r>
+          </a:p>
+          <a:p>
+            <a:r>
+              <a:rPr lang="pt-BR" dirty="0" smtClean="0"/>
+              <a:t>Oferta </a:t>
+            </a:r>
+            <a:r>
+              <a:rPr lang="pt-BR" dirty="0"/>
+              <a:t>de profissionais </a:t>
+            </a:r>
+            <a:r>
+              <a:rPr lang="pt-BR" dirty="0" smtClean="0"/>
+              <a:t>especializados </a:t>
+            </a:r>
+            <a:r>
+              <a:rPr lang="pt-BR" dirty="0"/>
+              <a:t>é </a:t>
+            </a:r>
+            <a:r>
+              <a:rPr lang="pt-BR" dirty="0" smtClean="0"/>
+              <a:t>menor</a:t>
+            </a:r>
+          </a:p>
+          <a:p>
+            <a:r>
+              <a:rPr lang="pt-BR" dirty="0" smtClean="0"/>
+              <a:t>Possíveis mudanças no código-fonte, dependendo da plataforma</a:t>
+            </a:r>
+          </a:p>
+          <a:p>
+            <a:r>
+              <a:rPr lang="pt-BR" dirty="0" smtClean="0"/>
+              <a:t>Algumas </a:t>
+            </a:r>
+            <a:r>
+              <a:rPr lang="pt-BR" dirty="0"/>
+              <a:t>vezes o suporte é escasso para alguns problemas</a:t>
             </a:r>
             <a:endParaRPr lang="pt-BR" dirty="0"/>
           </a:p>
@@ -3989,7 +4521,7 @@
     </p:spTree>
     <p:extLst>
       <p:ext uri="{BB962C8B-B14F-4D97-AF65-F5344CB8AC3E}">
-        <p14:creationId xmlns:p14="http://schemas.microsoft.com/office/powerpoint/2010/main" val="3892283153"/>
+        <p14:creationId xmlns:p14="http://schemas.microsoft.com/office/powerpoint/2010/main" val="1968924426"/>
       </p:ext>
     </p:extLst>
   </p:cSld>
@@ -4018,7 +4550,7 @@
       </p:grpSpPr>
       <p:sp>
         <p:nvSpPr>
-          <p:cNvPr id="2" name="Título 1"/>
+          <p:cNvPr id="2" name="Title 1"/>
           <p:cNvSpPr>
             <a:spLocks noGrp="1"/>
           </p:cNvSpPr>
@@ -4033,7 +4565,7 @@
           <a:p>
             <a:r>
               <a:rPr lang="pt-BR" dirty="0" smtClean="0"/>
-              <a:t>Coisas para colocar:</a:t>
+              <a:t>1. Hipótese de Pesquisa</a:t>
             </a:r>
             <a:endParaRPr lang="pt-BR" dirty="0"/>
           </a:p>
@@ -4041,7 +4573,7 @@
       </p:sp>
       <p:sp>
         <p:nvSpPr>
-          <p:cNvPr id="3" name="Espaço Reservado para Conteúdo 2"/>
+          <p:cNvPr id="3" name="Content Placeholder 2"/>
           <p:cNvSpPr>
             <a:spLocks noGrp="1"/>
           </p:cNvSpPr>
@@ -4051,49 +4583,26 @@
         </p:nvSpPr>
         <p:spPr/>
         <p:txBody>
-          <a:bodyPr/>
-          <a:lstStyle/>
-          <a:p>
-            <a:pPr marL="342900" indent="-342900" algn="just"/>
-            <a:r>
-              <a:rPr lang="pt-BR" dirty="0" smtClean="0"/>
-              <a:t>Problema de pesquisa</a:t>
-            </a:r>
-          </a:p>
-          <a:p>
-            <a:pPr marL="342900" indent="-342900" algn="just"/>
-            <a:r>
-              <a:rPr lang="pt-BR" dirty="0" smtClean="0"/>
-              <a:t>Objetivo Geral</a:t>
-            </a:r>
-          </a:p>
-          <a:p>
-            <a:pPr marL="342900" indent="-342900" algn="just"/>
-            <a:r>
-              <a:rPr lang="pt-BR" dirty="0" smtClean="0"/>
-              <a:t>Objetivos Específicos</a:t>
-            </a:r>
-          </a:p>
-          <a:p>
-            <a:pPr marL="342900" indent="-342900" algn="just"/>
-            <a:r>
-              <a:rPr lang="pt-BR" dirty="0" smtClean="0"/>
-              <a:t>Metodologia</a:t>
-            </a:r>
-          </a:p>
-          <a:p>
-            <a:pPr marL="342900" indent="-342900" algn="just"/>
-            <a:r>
-              <a:rPr lang="pt-BR" dirty="0" smtClean="0"/>
-              <a:t>Referencial Teórico</a:t>
-            </a:r>
+          <a:bodyPr anchor="ctr">
+            <a:normAutofit/>
+          </a:bodyPr>
+          <a:lstStyle/>
+          <a:p>
+            <a:pPr marL="0" indent="0" algn="ctr">
+              <a:buNone/>
+            </a:pPr>
+            <a:r>
+              <a:rPr lang="pt-BR" sz="4400" dirty="0" smtClean="0"/>
+              <a:t>Será?</a:t>
+            </a:r>
+            <a:endParaRPr lang="pt-BR" sz="4400" dirty="0"/>
           </a:p>
         </p:txBody>
       </p:sp>
     </p:spTree>
     <p:extLst>
       <p:ext uri="{BB962C8B-B14F-4D97-AF65-F5344CB8AC3E}">
-        <p14:creationId xmlns:p14="http://schemas.microsoft.com/office/powerpoint/2010/main" val="438669609"/>
+        <p14:creationId xmlns:p14="http://schemas.microsoft.com/office/powerpoint/2010/main" val="2184942027"/>
       </p:ext>
     </p:extLst>
   </p:cSld>
@@ -4122,7 +4631,7 @@
       </p:grpSpPr>
       <p:sp>
         <p:nvSpPr>
-          <p:cNvPr id="2" name="Título 1"/>
+          <p:cNvPr id="2" name="Title 1"/>
           <p:cNvSpPr>
             <a:spLocks noGrp="1"/>
           </p:cNvSpPr>
@@ -4136,43 +4645,70 @@
           <a:lstStyle/>
           <a:p>
             <a:r>
+              <a:rPr lang="pt-BR" dirty="0"/>
+              <a:t>1. Hipótese de Pesquisa</a:t>
+            </a:r>
+          </a:p>
+        </p:txBody>
+      </p:sp>
+      <p:sp>
+        <p:nvSpPr>
+          <p:cNvPr id="3" name="Content Placeholder 2"/>
+          <p:cNvSpPr>
+            <a:spLocks noGrp="1"/>
+          </p:cNvSpPr>
+          <p:nvPr>
+            <p:ph idx="1"/>
+          </p:nvPr>
+        </p:nvSpPr>
+        <p:spPr/>
+        <p:txBody>
+          <a:bodyPr/>
+          <a:lstStyle/>
+          <a:p>
+            <a:pPr marL="0" lvl="0" indent="0">
+              <a:buNone/>
+            </a:pPr>
+            <a:r>
               <a:rPr lang="pt-BR" dirty="0" smtClean="0"/>
-              <a:t>Perguntas a se fazer</a:t>
-            </a:r>
-            <a:endParaRPr lang="pt-BR" dirty="0"/>
-          </a:p>
-        </p:txBody>
-      </p:sp>
-      <p:sp>
-        <p:nvSpPr>
-          <p:cNvPr id="3" name="Espaço Reservado para Conteúdo 2"/>
-          <p:cNvSpPr>
-            <a:spLocks noGrp="1"/>
-          </p:cNvSpPr>
-          <p:nvPr>
-            <p:ph idx="1"/>
-          </p:nvPr>
-        </p:nvSpPr>
-        <p:spPr/>
-        <p:txBody>
-          <a:bodyPr/>
-          <a:lstStyle/>
-          <a:p>
+              <a:t>O que será analisado:</a:t>
+            </a:r>
+          </a:p>
+          <a:p>
+            <a:pPr marL="0" lvl="0" indent="0">
+              <a:buNone/>
+            </a:pPr>
+            <a:endParaRPr lang="pt-BR" dirty="0" smtClean="0"/>
+          </a:p>
+          <a:p>
+            <a:pPr lvl="0"/>
             <a:r>
               <a:rPr lang="pt-BR" dirty="0" smtClean="0"/>
-              <a:t>O que o trabalho pretende alcançar?</a:t>
-            </a:r>
-          </a:p>
-          <a:p>
-            <a:r>
-              <a:rPr lang="pt-BR" dirty="0" smtClean="0"/>
-              <a:t>Como atingir este resultado?</a:t>
-            </a:r>
-          </a:p>
-          <a:p>
-            <a:r>
-              <a:rPr lang="pt-BR" dirty="0" smtClean="0"/>
-              <a:t>O que foi feito até agora?</a:t>
+              <a:t>Grau </a:t>
+            </a:r>
+            <a:r>
+              <a:rPr lang="pt-BR" dirty="0"/>
+              <a:t>de dificuldade para o desenvolvimento em tal ferramenta</a:t>
+            </a:r>
+          </a:p>
+          <a:p>
+            <a:pPr lvl="0"/>
+            <a:r>
+              <a:rPr lang="pt-BR" dirty="0"/>
+              <a:t>A necessidade ou não de ajustes no código-fonte para que seja possível compilar para específica plataforma</a:t>
+            </a:r>
+          </a:p>
+          <a:p>
+            <a:pPr lvl="0"/>
+            <a:r>
+              <a:rPr lang="pt-BR" dirty="0"/>
+              <a:t>O grau de interoperabilidade entre aplicações iguais, mas compiladas em diferentes plataformas.</a:t>
+            </a:r>
+          </a:p>
+          <a:p>
+            <a:r>
+              <a:rPr lang="pt-BR" dirty="0"/>
+              <a:t>Possíveis problemas com a arquitetura cliente-servidor entre computadores de mesa e aparelhos celulares</a:t>
             </a:r>
             <a:endParaRPr lang="pt-BR" dirty="0"/>
           </a:p>
@@ -4181,7 +4717,7 @@
     </p:spTree>
     <p:extLst>
       <p:ext uri="{BB962C8B-B14F-4D97-AF65-F5344CB8AC3E}">
-        <p14:creationId xmlns:p14="http://schemas.microsoft.com/office/powerpoint/2010/main" val="3907443395"/>
+        <p14:creationId xmlns:p14="http://schemas.microsoft.com/office/powerpoint/2010/main" val="2087258006"/>
       </p:ext>
     </p:extLst>
   </p:cSld>

--- a/documentos/Apresentação_22_09.pptx
+++ b/documentos/Apresentação_22_09.pptx
@@ -24,7 +24,6 @@
     <p:sldId id="269" r:id="rId19"/>
     <p:sldId id="270" r:id="rId20"/>
     <p:sldId id="271" r:id="rId21"/>
-    <p:sldId id="272" r:id="rId22"/>
   </p:sldIdLst>
   <p:sldSz cy="6858000" cx="12192000"/>
   <p:notesSz cy="9144000" cx="6858000"/>
@@ -762,7 +761,7 @@
         </p:spPr>
         <p:txBody>
           <a:bodyPr bIns="91425" rIns="91425" lIns="91425" tIns="91425" anchor="t" anchorCtr="0">
-            <a:spAutoFit/>
+            <a:noAutofit/>
           </a:bodyPr>
           <a:lstStyle/>
           <a:p>
@@ -867,7 +866,7 @@
         </p:spPr>
         <p:txBody>
           <a:bodyPr bIns="91425" rIns="91425" lIns="91425" tIns="91425" anchor="t" anchorCtr="0">
-            <a:spAutoFit/>
+            <a:noAutofit/>
           </a:bodyPr>
           <a:lstStyle/>
           <a:p>
@@ -972,7 +971,7 @@
         </p:spPr>
         <p:txBody>
           <a:bodyPr bIns="91425" rIns="91425" lIns="91425" tIns="91425" anchor="t" anchorCtr="0">
-            <a:spAutoFit/>
+            <a:noAutofit/>
           </a:bodyPr>
           <a:lstStyle/>
           <a:p>
@@ -1077,7 +1076,7 @@
         </p:spPr>
         <p:txBody>
           <a:bodyPr bIns="91425" rIns="91425" lIns="91425" tIns="91425" anchor="t" anchorCtr="0">
-            <a:spAutoFit/>
+            <a:noAutofit/>
           </a:bodyPr>
           <a:lstStyle/>
           <a:p>
@@ -1182,7 +1181,7 @@
         </p:spPr>
         <p:txBody>
           <a:bodyPr bIns="91425" rIns="91425" lIns="91425" tIns="91425" anchor="t" anchorCtr="0">
-            <a:spAutoFit/>
+            <a:noAutofit/>
           </a:bodyPr>
           <a:lstStyle/>
           <a:p>
@@ -1287,7 +1286,7 @@
         </p:spPr>
         <p:txBody>
           <a:bodyPr bIns="91425" rIns="91425" lIns="91425" tIns="91425" anchor="t" anchorCtr="0">
-            <a:spAutoFit/>
+            <a:noAutofit/>
           </a:bodyPr>
           <a:lstStyle/>
           <a:p>
@@ -1436,7 +1435,7 @@
         </p:spPr>
         <p:txBody>
           <a:bodyPr bIns="91425" rIns="91425" lIns="91425" tIns="91425" anchor="t" anchorCtr="0">
-            <a:spAutoFit/>
+            <a:noAutofit/>
           </a:bodyPr>
           <a:lstStyle/>
           <a:p>
@@ -1466,7 +1465,7 @@
   <p:cSld>
     <p:spTree>
       <p:nvGrpSpPr>
-        <p:cNvPr id="181" name="Shape 181"/>
+        <p:cNvPr id="180" name="Shape 180"/>
         <p:cNvGrpSpPr/>
         <p:nvPr/>
       </p:nvGrpSpPr>
@@ -1480,7 +1479,7 @@
       </p:grpSpPr>
       <p:sp>
         <p:nvSpPr>
-          <p:cNvPr id="182" name="Shape 182"/>
+          <p:cNvPr id="181" name="Shape 181"/>
           <p:cNvSpPr/>
           <p:nvPr>
             <p:ph idx="2" type="sldImg"/>
@@ -1524,7 +1523,7 @@
       </p:sp>
       <p:sp>
         <p:nvSpPr>
-          <p:cNvPr id="183" name="Shape 183"/>
+          <p:cNvPr id="182" name="Shape 182"/>
           <p:cNvSpPr txBox="1"/>
           <p:nvPr>
             <p:ph idx="1" type="body"/>
@@ -1541,112 +1540,7 @@
         </p:spPr>
         <p:txBody>
           <a:bodyPr bIns="91425" rIns="91425" lIns="91425" tIns="91425" anchor="t" anchorCtr="0">
-            <a:spAutoFit/>
-          </a:bodyPr>
-          <a:lstStyle/>
-          <a:p>
-            <a:pPr>
-              <a:spcBef>
-                <a:spcPts val="0"/>
-              </a:spcBef>
-              <a:buNone/>
-            </a:pPr>
-            <a:r>
-              <a:t/>
-            </a:r>
-            <a:endParaRPr/>
-          </a:p>
-        </p:txBody>
-      </p:sp>
-    </p:spTree>
-  </p:cSld>
-  <p:clrMapOvr>
-    <a:masterClrMapping/>
-  </p:clrMapOvr>
-</p:notes>
-</file>
-
-<file path=ppt/notesSlides/notesSlide17.xml><?xml version="1.0" encoding="utf-8"?>
-<p:notes xmlns:a="http://schemas.openxmlformats.org/drawingml/2006/main" xmlns:r="http://schemas.openxmlformats.org/officeDocument/2006/relationships" xmlns:mc="http://schemas.openxmlformats.org/markup-compatibility/2006" xmlns:mv="urn:schemas-microsoft-com:mac:vml" xmlns:p="http://schemas.openxmlformats.org/presentationml/2006/main" xmlns:c="http://schemas.openxmlformats.org/drawingml/2006/chart" xmlns:dgm="http://schemas.openxmlformats.org/drawingml/2006/diagram" xmlns:o="urn:schemas-microsoft-com:office:office" xmlns:v="urn:schemas-microsoft-com:vml" xmlns:pvml="urn:schemas-microsoft-com:office:powerpoint" xmlns:com="http://schemas.openxmlformats.org/drawingml/2006/compatibility" xmlns:p14="http://schemas.microsoft.com/office/powerpoint/2010/main" showMasterSp="0" showMasterPhAnim="0">
-  <p:cSld>
-    <p:spTree>
-      <p:nvGrpSpPr>
-        <p:cNvPr id="187" name="Shape 187"/>
-        <p:cNvGrpSpPr/>
-        <p:nvPr/>
-      </p:nvGrpSpPr>
-      <p:grpSpPr>
-        <a:xfrm>
-          <a:off y="0" x="0"/>
-          <a:ext cy="0" cx="0"/>
-          <a:chOff y="0" x="0"/>
-          <a:chExt cy="0" cx="0"/>
-        </a:xfrm>
-      </p:grpSpPr>
-      <p:sp>
-        <p:nvSpPr>
-          <p:cNvPr id="188" name="Shape 188"/>
-          <p:cNvSpPr/>
-          <p:nvPr>
-            <p:ph idx="2" type="sldImg"/>
-          </p:nvPr>
-        </p:nvSpPr>
-        <p:spPr>
-          <a:xfrm>
-            <a:off y="1143000" x="685800"/>
-            <a:ext cy="3086099" cx="5486399"/>
-          </a:xfrm>
-          <a:custGeom>
-            <a:pathLst>
-              <a:path w="120000" extrusionOk="0" h="120000">
-                <a:moveTo>
-                  <a:pt y="0" x="0"/>
-                </a:moveTo>
-                <a:lnTo>
-                  <a:pt y="0" x="120000"/>
-                </a:lnTo>
-                <a:lnTo>
-                  <a:pt y="120000" x="120000"/>
-                </a:lnTo>
-                <a:lnTo>
-                  <a:pt y="120000" x="0"/>
-                </a:lnTo>
-                <a:close/>
-              </a:path>
-            </a:pathLst>
-          </a:custGeom>
-          <a:noFill/>
-          <a:ln w="9525" cap="flat">
-            <a:solidFill>
-              <a:srgbClr val="000000"/>
-            </a:solidFill>
-            <a:prstDash val="solid"/>
-            <a:round/>
-            <a:headEnd w="med" len="med" type="none"/>
-            <a:tailEnd w="med" len="med" type="none"/>
-          </a:ln>
-        </p:spPr>
-      </p:sp>
-      <p:sp>
-        <p:nvSpPr>
-          <p:cNvPr id="189" name="Shape 189"/>
-          <p:cNvSpPr txBox="1"/>
-          <p:nvPr>
-            <p:ph idx="1" type="body"/>
-          </p:nvPr>
-        </p:nvSpPr>
-        <p:spPr>
-          <a:xfrm>
-            <a:off y="4400550" x="685800"/>
-            <a:ext cy="3600599" cx="5486399"/>
-          </a:xfrm>
-          <a:prstGeom prst="rect">
-            <a:avLst/>
-          </a:prstGeom>
-        </p:spPr>
-        <p:txBody>
-          <a:bodyPr bIns="91425" rIns="91425" lIns="91425" tIns="91425" anchor="t" anchorCtr="0">
-            <a:spAutoFit/>
+            <a:noAutofit/>
           </a:bodyPr>
           <a:lstStyle/>
           <a:p>
@@ -1707,7 +1601,7 @@
         </p:spPr>
         <p:txBody>
           <a:bodyPr bIns="91425" rIns="91425" lIns="91425" tIns="91425" anchor="t" anchorCtr="0">
-            <a:spAutoFit/>
+            <a:noAutofit/>
           </a:bodyPr>
           <a:lstStyle/>
           <a:p>
@@ -1812,7 +1706,7 @@
         </p:spPr>
         <p:txBody>
           <a:bodyPr bIns="91425" rIns="91425" lIns="91425" tIns="91425" anchor="t" anchorCtr="0">
-            <a:spAutoFit/>
+            <a:noAutofit/>
           </a:bodyPr>
           <a:lstStyle/>
           <a:p>
@@ -1917,7 +1811,7 @@
         </p:spPr>
         <p:txBody>
           <a:bodyPr bIns="91425" rIns="91425" lIns="91425" tIns="91425" anchor="t" anchorCtr="0">
-            <a:spAutoFit/>
+            <a:noAutofit/>
           </a:bodyPr>
           <a:lstStyle/>
           <a:p>
@@ -2066,7 +1960,7 @@
         </p:spPr>
         <p:txBody>
           <a:bodyPr bIns="91425" rIns="91425" lIns="91425" tIns="91425" anchor="t" anchorCtr="0">
-            <a:spAutoFit/>
+            <a:noAutofit/>
           </a:bodyPr>
           <a:lstStyle/>
           <a:p>
@@ -2171,7 +2065,7 @@
         </p:spPr>
         <p:txBody>
           <a:bodyPr bIns="91425" rIns="91425" lIns="91425" tIns="91425" anchor="t" anchorCtr="0">
-            <a:spAutoFit/>
+            <a:noAutofit/>
           </a:bodyPr>
           <a:lstStyle/>
           <a:p>
@@ -2232,7 +2126,7 @@
         </p:spPr>
         <p:txBody>
           <a:bodyPr bIns="91425" rIns="91425" lIns="91425" tIns="91425" anchor="t" anchorCtr="0">
-            <a:spAutoFit/>
+            <a:noAutofit/>
           </a:bodyPr>
           <a:lstStyle/>
           <a:p>
@@ -2385,7 +2279,7 @@
         </p:spPr>
         <p:txBody>
           <a:bodyPr bIns="45700" rIns="91425" lIns="91425" tIns="45700" anchor="t" anchorCtr="0">
-            <a:spAutoFit/>
+            <a:noAutofit/>
           </a:bodyPr>
           <a:lstStyle/>
           <a:p>
@@ -2433,7 +2327,7 @@
         </p:spPr>
         <p:txBody>
           <a:bodyPr bIns="45700" rIns="91425" lIns="91425" tIns="45700" anchor="b" anchorCtr="0">
-            <a:spAutoFit/>
+            <a:noAutofit/>
           </a:bodyPr>
           <a:lstStyle/>
           <a:p>
@@ -2495,7 +2389,7 @@
         </p:spPr>
         <p:txBody>
           <a:bodyPr bIns="91425" rIns="91425" lIns="91425" tIns="91425" anchor="t" anchorCtr="0">
-            <a:spAutoFit/>
+            <a:noAutofit/>
           </a:bodyPr>
           <a:lstStyle/>
           <a:p>
@@ -9338,7 +9232,7 @@
         </p:spPr>
         <p:txBody>
           <a:bodyPr bIns="45700" rIns="91425" lIns="91425" tIns="45700" anchor="ctr" anchorCtr="0">
-            <a:spAutoFit/>
+            <a:noAutofit/>
           </a:bodyPr>
           <a:lstStyle/>
           <a:p>
@@ -9394,7 +9288,7 @@
         </p:spPr>
         <p:txBody>
           <a:bodyPr bIns="45700" rIns="91425" lIns="91425" tIns="45700" anchor="t" anchorCtr="0">
-            <a:spAutoFit/>
+            <a:noAutofit/>
           </a:bodyPr>
           <a:lstStyle/>
           <a:p>
@@ -9590,7 +9484,7 @@
         </p:spPr>
         <p:txBody>
           <a:bodyPr bIns="45700" rIns="91425" lIns="91425" tIns="45700" anchor="ctr" anchorCtr="0">
-            <a:spAutoFit/>
+            <a:noAutofit/>
           </a:bodyPr>
           <a:lstStyle/>
           <a:p>
@@ -9658,7 +9552,7 @@
         </p:spPr>
         <p:txBody>
           <a:bodyPr bIns="45700" rIns="91425" lIns="91425" tIns="45700" anchor="t" anchorCtr="0">
-            <a:spAutoFit/>
+            <a:noAutofit/>
           </a:bodyPr>
           <a:lstStyle/>
           <a:p>
@@ -9852,7 +9746,7 @@
         </p:spPr>
         <p:txBody>
           <a:bodyPr bIns="45700" rIns="91425" lIns="91425" tIns="45700" anchor="ctr" anchorCtr="0">
-            <a:spAutoFit/>
+            <a:noAutofit/>
           </a:bodyPr>
           <a:lstStyle/>
           <a:p>
@@ -9920,7 +9814,7 @@
         </p:spPr>
         <p:txBody>
           <a:bodyPr bIns="45700" rIns="91425" lIns="91425" tIns="45700" anchor="t" anchorCtr="0">
-            <a:spAutoFit/>
+            <a:noAutofit/>
           </a:bodyPr>
           <a:lstStyle/>
           <a:p>
@@ -9977,34 +9871,6 @@
                 <a:sym typeface="Calibri"/>
               </a:rPr>
               <a:t>Qt</a:t>
-            </a:r>
-          </a:p>
-          <a:p>
-            <a:pPr algn="l" rtl="0" lvl="0" marR="0" indent="-228600" marL="228600">
-              <a:lnSpc>
-                <a:spcPct val="90000"/>
-              </a:lnSpc>
-              <a:spcBef>
-                <a:spcPts val="1000"/>
-              </a:spcBef>
-              <a:buClr>
-                <a:schemeClr val="dk1"/>
-              </a:buClr>
-              <a:buSzPct val="100000"/>
-              <a:buFont typeface="Calibri"/>
-              <a:buChar char="•"/>
-            </a:pPr>
-            <a:r>
-              <a:rPr strike="noStrike" u="none" b="0" cap="none" baseline="0" sz="2800" lang="pt-BR" i="0">
-                <a:solidFill>
-                  <a:schemeClr val="dk1"/>
-                </a:solidFill>
-                <a:latin typeface="Calibri"/>
-                <a:ea typeface="Calibri"/>
-                <a:cs typeface="Calibri"/>
-                <a:sym typeface="Calibri"/>
-              </a:rPr>
-              <a:t>Troca de Mensagens</a:t>
             </a:r>
           </a:p>
         </p:txBody>
@@ -10060,7 +9926,7 @@
         </p:spPr>
         <p:txBody>
           <a:bodyPr bIns="45700" rIns="91425" lIns="91425" tIns="45700" anchor="ctr" anchorCtr="0">
-            <a:spAutoFit/>
+            <a:noAutofit/>
           </a:bodyPr>
           <a:lstStyle/>
           <a:p>
@@ -10128,7 +9994,7 @@
         </p:spPr>
         <p:txBody>
           <a:bodyPr bIns="45700" rIns="91425" lIns="91425" tIns="45700" anchor="t" anchorCtr="0">
-            <a:spAutoFit/>
+            <a:noAutofit/>
           </a:bodyPr>
           <a:lstStyle/>
           <a:p>
@@ -10403,7 +10269,7 @@
         </p:spPr>
         <p:txBody>
           <a:bodyPr bIns="45700" rIns="91425" lIns="91425" tIns="45700" anchor="ctr" anchorCtr="0">
-            <a:spAutoFit/>
+            <a:noAutofit/>
           </a:bodyPr>
           <a:lstStyle/>
           <a:p>
@@ -10471,7 +10337,7 @@
         </p:spPr>
         <p:txBody>
           <a:bodyPr bIns="45700" rIns="91425" lIns="91425" tIns="45700" anchor="t" anchorCtr="0">
-            <a:spAutoFit/>
+            <a:noAutofit/>
           </a:bodyPr>
           <a:lstStyle/>
           <a:p>
@@ -10753,7 +10619,7 @@
         </p:spPr>
         <p:txBody>
           <a:bodyPr bIns="45700" rIns="91425" lIns="91425" tIns="45700" anchor="ctr" anchorCtr="0">
-            <a:spAutoFit/>
+            <a:noAutofit/>
           </a:bodyPr>
           <a:lstStyle/>
           <a:p>
@@ -10821,7 +10687,7 @@
         </p:spPr>
         <p:txBody>
           <a:bodyPr bIns="45700" rIns="91425" lIns="91425" tIns="45700" anchor="t" anchorCtr="0">
-            <a:spAutoFit/>
+            <a:noAutofit/>
           </a:bodyPr>
           <a:lstStyle/>
           <a:p>
@@ -11096,7 +10962,7 @@
         </p:spPr>
         <p:txBody>
           <a:bodyPr bIns="91425" rIns="91425" lIns="91425" tIns="91425" anchor="ctr" anchorCtr="0">
-            <a:spAutoFit/>
+            <a:noAutofit/>
           </a:bodyPr>
           <a:lstStyle/>
           <a:p>
@@ -11149,7 +11015,7 @@
         </p:spPr>
         <p:txBody>
           <a:bodyPr bIns="91425" rIns="91425" lIns="91425" tIns="91425" anchor="t" anchorCtr="0">
-            <a:spAutoFit/>
+            <a:noAutofit/>
           </a:bodyPr>
           <a:lstStyle/>
           <a:p>
@@ -11318,7 +11184,7 @@
         </p:spPr>
         <p:txBody>
           <a:bodyPr bIns="91425" rIns="91425" lIns="91425" tIns="91425" anchor="t" anchorCtr="0">
-            <a:spAutoFit/>
+            <a:noAutofit/>
           </a:bodyPr>
           <a:lstStyle/>
           <a:p>
@@ -11541,11 +11407,11 @@
         </p:spPr>
         <p:txBody>
           <a:bodyPr bIns="91425" rIns="91425" lIns="91425" tIns="91425" anchor="ctr" anchorCtr="0">
-            <a:spAutoFit/>
+            <a:noAutofit/>
           </a:bodyPr>
           <a:lstStyle/>
           <a:p>
-            <a:pPr lvl="0">
+            <a:pPr>
               <a:spcBef>
                 <a:spcPts val="0"/>
               </a:spcBef>
@@ -11558,7 +11424,7 @@
                 <a:cs typeface="Calibri"/>
                 <a:sym typeface="Calibri"/>
               </a:rPr>
-              <a:t>6. Referencial Teórico</a:t>
+              <a:t>(Estado atual do projeto?)</a:t>
             </a:r>
           </a:p>
         </p:txBody>
@@ -11582,162 +11448,7 @@
         </p:spPr>
         <p:txBody>
           <a:bodyPr bIns="91425" rIns="91425" lIns="91425" tIns="91425" anchor="t" anchorCtr="0">
-            <a:spAutoFit/>
-          </a:bodyPr>
-          <a:lstStyle/>
-          <a:p>
-            <a:pPr rtl="0">
-              <a:spcBef>
-                <a:spcPts val="0"/>
-              </a:spcBef>
-              <a:buNone/>
-            </a:pPr>
-            <a:r>
-              <a:rPr sz="2800" lang="pt-BR">
-                <a:latin typeface="Calibri"/>
-                <a:ea typeface="Calibri"/>
-                <a:cs typeface="Calibri"/>
-                <a:sym typeface="Calibri"/>
-              </a:rPr>
-              <a:t>Troca de mensagens:</a:t>
-            </a:r>
-          </a:p>
-          <a:p>
-            <a:pPr>
-              <a:spcBef>
-                <a:spcPts val="0"/>
-              </a:spcBef>
-              <a:buNone/>
-            </a:pPr>
-            <a:r>
-              <a:t/>
-            </a:r>
-            <a:endParaRPr sz="2800">
-              <a:latin typeface="Calibri"/>
-              <a:ea typeface="Calibri"/>
-              <a:cs typeface="Calibri"/>
-              <a:sym typeface="Calibri"/>
-            </a:endParaRPr>
-          </a:p>
-        </p:txBody>
-      </p:sp>
-      <p:pic>
-        <p:nvPicPr>
-          <p:cNvPr id="180" name="Shape 180"/>
-          <p:cNvPicPr preferRelativeResize="0"/>
-          <p:nvPr/>
-        </p:nvPicPr>
-        <p:blipFill>
-          <a:blip r:embed="rId3">
-            <a:alphaModFix/>
-          </a:blip>
-          <a:stretch>
-            <a:fillRect/>
-          </a:stretch>
-        </p:blipFill>
-        <p:spPr>
-          <a:xfrm>
-            <a:off y="1825625" x="8453000"/>
-            <a:ext cy="4351200" cx="2900800"/>
-          </a:xfrm>
-          <a:prstGeom prst="rect">
-            <a:avLst/>
-          </a:prstGeom>
-          <a:noFill/>
-          <a:ln>
-            <a:noFill/>
-          </a:ln>
-        </p:spPr>
-      </p:pic>
-    </p:spTree>
-  </p:cSld>
-  <p:clrMapOvr>
-    <a:masterClrMapping/>
-  </p:clrMapOvr>
-  <p:transition spd="slow">
-    <p:cut/>
-  </p:transition>
-</p:sld>
-</file>
-
-<file path=ppt/slides/slide17.xml><?xml version="1.0" encoding="utf-8"?>
-<p:sld xmlns:a="http://schemas.openxmlformats.org/drawingml/2006/main" xmlns:r="http://schemas.openxmlformats.org/officeDocument/2006/relationships" xmlns:mc="http://schemas.openxmlformats.org/markup-compatibility/2006" xmlns:mv="urn:schemas-microsoft-com:mac:vml" xmlns:p="http://schemas.openxmlformats.org/presentationml/2006/main" xmlns:c="http://schemas.openxmlformats.org/drawingml/2006/chart" xmlns:dgm="http://schemas.openxmlformats.org/drawingml/2006/diagram" xmlns:o="urn:schemas-microsoft-com:office:office" xmlns:v="urn:schemas-microsoft-com:vml" xmlns:pvml="urn:schemas-microsoft-com:office:powerpoint" xmlns:com="http://schemas.openxmlformats.org/drawingml/2006/compatibility" xmlns:p14="http://schemas.microsoft.com/office/powerpoint/2010/main">
-  <p:cSld>
-    <p:spTree>
-      <p:nvGrpSpPr>
-        <p:cNvPr id="184" name="Shape 184"/>
-        <p:cNvGrpSpPr/>
-        <p:nvPr/>
-      </p:nvGrpSpPr>
-      <p:grpSpPr>
-        <a:xfrm>
-          <a:off y="0" x="0"/>
-          <a:ext cy="0" cx="0"/>
-          <a:chOff y="0" x="0"/>
-          <a:chExt cy="0" cx="0"/>
-        </a:xfrm>
-      </p:grpSpPr>
-      <p:sp>
-        <p:nvSpPr>
-          <p:cNvPr id="185" name="Shape 185"/>
-          <p:cNvSpPr txBox="1"/>
-          <p:nvPr>
-            <p:ph type="title"/>
-          </p:nvPr>
-        </p:nvSpPr>
-        <p:spPr>
-          <a:xfrm>
-            <a:off y="365125" x="838200"/>
-            <a:ext cy="1325700" cx="10515599"/>
-          </a:xfrm>
-          <a:prstGeom prst="rect">
-            <a:avLst/>
-          </a:prstGeom>
-        </p:spPr>
-        <p:txBody>
-          <a:bodyPr bIns="91425" rIns="91425" lIns="91425" tIns="91425" anchor="ctr" anchorCtr="0">
-            <a:spAutoFit/>
-          </a:bodyPr>
-          <a:lstStyle/>
-          <a:p>
-            <a:pPr>
-              <a:spcBef>
-                <a:spcPts val="0"/>
-              </a:spcBef>
-              <a:buNone/>
-            </a:pPr>
-            <a:r>
-              <a:rPr sz="4400" lang="pt-BR">
-                <a:latin typeface="Calibri"/>
-                <a:ea typeface="Calibri"/>
-                <a:cs typeface="Calibri"/>
-                <a:sym typeface="Calibri"/>
-              </a:rPr>
-              <a:t>(Estado atual do projeto?)</a:t>
-            </a:r>
-          </a:p>
-        </p:txBody>
-      </p:sp>
-      <p:sp>
-        <p:nvSpPr>
-          <p:cNvPr id="186" name="Shape 186"/>
-          <p:cNvSpPr txBox="1"/>
-          <p:nvPr>
-            <p:ph idx="1" type="body"/>
-          </p:nvPr>
-        </p:nvSpPr>
-        <p:spPr>
-          <a:xfrm>
-            <a:off y="1825625" x="838200"/>
-            <a:ext cy="4351199" cx="10515599"/>
-          </a:xfrm>
-          <a:prstGeom prst="rect">
-            <a:avLst/>
-          </a:prstGeom>
-        </p:spPr>
-        <p:txBody>
-          <a:bodyPr bIns="91425" rIns="91425" lIns="91425" tIns="91425" anchor="t" anchorCtr="0">
-            <a:spAutoFit/>
+            <a:noAutofit/>
           </a:bodyPr>
           <a:lstStyle/>
           <a:p>
@@ -11810,7 +11521,7 @@
         </p:spPr>
         <p:txBody>
           <a:bodyPr bIns="45700" rIns="91425" lIns="91425" tIns="45700" anchor="ctr" anchorCtr="0">
-            <a:spAutoFit/>
+            <a:noAutofit/>
           </a:bodyPr>
           <a:lstStyle/>
           <a:p>
@@ -11866,7 +11577,7 @@
         </p:spPr>
         <p:txBody>
           <a:bodyPr bIns="45700" rIns="91425" lIns="91425" tIns="45700" anchor="t" anchorCtr="0">
-            <a:spAutoFit/>
+            <a:noAutofit/>
           </a:bodyPr>
           <a:lstStyle/>
           <a:p>
@@ -12006,7 +11717,7 @@
         </p:spPr>
         <p:txBody>
           <a:bodyPr bIns="45700" rIns="91425" lIns="91425" tIns="45700" anchor="ctr" anchorCtr="0">
-            <a:spAutoFit/>
+            <a:noAutofit/>
           </a:bodyPr>
           <a:lstStyle/>
           <a:p>
@@ -12062,7 +11773,7 @@
         </p:spPr>
         <p:txBody>
           <a:bodyPr bIns="45700" rIns="91425" lIns="91425" tIns="45700" anchor="b" anchorCtr="0">
-            <a:spAutoFit/>
+            <a:noAutofit/>
           </a:bodyPr>
           <a:lstStyle/>
           <a:p>
@@ -12174,7 +11885,7 @@
         </p:spPr>
         <p:txBody>
           <a:bodyPr bIns="45700" rIns="91425" lIns="91425" tIns="45700" anchor="ctr" anchorCtr="0">
-            <a:spAutoFit/>
+            <a:noAutofit/>
           </a:bodyPr>
           <a:lstStyle/>
           <a:p>
@@ -12230,7 +11941,7 @@
         </p:spPr>
         <p:txBody>
           <a:bodyPr bIns="45700" rIns="91425" lIns="91425" tIns="45700" anchor="t" anchorCtr="0">
-            <a:spAutoFit/>
+            <a:noAutofit/>
           </a:bodyPr>
           <a:lstStyle/>
           <a:p>
@@ -12450,7 +12161,7 @@
         </p:spPr>
         <p:txBody>
           <a:bodyPr bIns="91425" rIns="91425" lIns="91425" tIns="91425" anchor="ctr" anchorCtr="0">
-            <a:spAutoFit/>
+            <a:noAutofit/>
           </a:bodyPr>
           <a:lstStyle/>
           <a:p>
@@ -12505,7 +12216,7 @@
         </p:spPr>
         <p:txBody>
           <a:bodyPr bIns="91425" rIns="91425" lIns="91425" tIns="91425" anchor="t" anchorCtr="0">
-            <a:spAutoFit/>
+            <a:noAutofit/>
           </a:bodyPr>
           <a:lstStyle/>
           <a:p>
@@ -12535,9 +12246,6 @@
             </a:r>
             <a:r>
               <a:rPr sz="2800" lang="pt-BR">
-                <a:solidFill>
-                  <a:srgbClr val="222222"/>
-                </a:solidFill>
                 <a:latin typeface="Calibri"/>
                 <a:ea typeface="Calibri"/>
                 <a:cs typeface="Calibri"/>
@@ -12547,9 +12255,6 @@
             </a:r>
             <a:r>
               <a:rPr sz="2800" lang="pt-BR" i="1">
-                <a:solidFill>
-                  <a:srgbClr val="222222"/>
-                </a:solidFill>
                 <a:latin typeface="Calibri"/>
                 <a:ea typeface="Calibri"/>
                 <a:cs typeface="Calibri"/>
@@ -12559,9 +12264,6 @@
             </a:r>
             <a:r>
               <a:rPr sz="2800" lang="pt-BR">
-                <a:solidFill>
-                  <a:srgbClr val="222222"/>
-                </a:solidFill>
                 <a:latin typeface="Calibri"/>
                 <a:ea typeface="Calibri"/>
                 <a:cs typeface="Calibri"/>
@@ -12571,9 +12273,6 @@
             </a:r>
             <a:r>
               <a:rPr sz="2800" lang="pt-BR">
-                <a:solidFill>
-                  <a:schemeClr val="dk1"/>
-                </a:solidFill>
                 <a:latin typeface="Calibri"/>
                 <a:ea typeface="Calibri"/>
                 <a:cs typeface="Calibri"/>
@@ -12631,7 +12330,7 @@
         </p:spPr>
         <p:txBody>
           <a:bodyPr bIns="91425" rIns="91425" lIns="91425" tIns="91425" anchor="ctr" anchorCtr="0">
-            <a:spAutoFit/>
+            <a:noAutofit/>
           </a:bodyPr>
           <a:lstStyle/>
           <a:p>
@@ -12675,7 +12374,7 @@
         </p:spPr>
         <p:txBody>
           <a:bodyPr bIns="91425" rIns="91425" lIns="91425" tIns="91425" anchor="t" anchorCtr="0">
-            <a:spAutoFit/>
+            <a:noAutofit/>
           </a:bodyPr>
           <a:lstStyle/>
           <a:p>
@@ -12775,7 +12474,7 @@
         </p:spPr>
         <p:txBody>
           <a:bodyPr bIns="45700" rIns="91425" lIns="91425" tIns="45700" anchor="ctr" anchorCtr="0">
-            <a:spAutoFit/>
+            <a:noAutofit/>
           </a:bodyPr>
           <a:lstStyle/>
           <a:p>
@@ -12843,7 +12542,7 @@
         </p:spPr>
         <p:txBody>
           <a:bodyPr bIns="45700" rIns="91425" lIns="91425" tIns="45700" anchor="t" anchorCtr="0">
-            <a:spAutoFit/>
+            <a:noAutofit/>
           </a:bodyPr>
           <a:lstStyle/>
           <a:p>
@@ -12926,7 +12625,31 @@
                 <a:cs typeface="Calibri"/>
                 <a:sym typeface="Calibri"/>
               </a:rPr>
-              <a:t>Grau de dificuldade para o desenvolvimento </a:t>
+              <a:t>Grau de dificuldade para o desenvolvimento multiplata</a:t>
+            </a:r>
+            <a:r>
+              <a:rPr sz="2800" lang="pt-BR">
+                <a:solidFill>
+                  <a:schemeClr val="dk1"/>
+                </a:solidFill>
+                <a:latin typeface="Calibri"/>
+                <a:ea typeface="Calibri"/>
+                <a:cs typeface="Calibri"/>
+                <a:sym typeface="Calibri"/>
+              </a:rPr>
+              <a:t>forma</a:t>
+            </a:r>
+            <a:r>
+              <a:rPr strike="noStrike" u="none" b="0" cap="none" baseline="0" sz="2800" lang="pt-BR" i="0">
+                <a:solidFill>
+                  <a:schemeClr val="dk1"/>
+                </a:solidFill>
+                <a:latin typeface="Calibri"/>
+                <a:ea typeface="Calibri"/>
+                <a:cs typeface="Calibri"/>
+                <a:sym typeface="Calibri"/>
+              </a:rPr>
+              <a:t> </a:t>
             </a:r>
             <a:r>
               <a:rPr sz="2800" lang="pt-BR">
@@ -13074,7 +12797,7 @@
         </p:spPr>
         <p:txBody>
           <a:bodyPr bIns="45700" rIns="91425" lIns="91425" tIns="45700" anchor="ctr" anchorCtr="0">
-            <a:spAutoFit/>
+            <a:noAutofit/>
           </a:bodyPr>
           <a:lstStyle/>
           <a:p>
@@ -13142,7 +12865,7 @@
         </p:spPr>
         <p:txBody>
           <a:bodyPr bIns="45700" rIns="91425" lIns="91425" tIns="45700" anchor="t" anchorCtr="0">
-            <a:spAutoFit/>
+            <a:noAutofit/>
           </a:bodyPr>
           <a:lstStyle/>
           <a:p>
@@ -13226,7 +12949,7 @@
         </p:spPr>
         <p:txBody>
           <a:bodyPr bIns="45700" rIns="91425" lIns="91425" tIns="45700" anchor="ctr" anchorCtr="0">
-            <a:spAutoFit/>
+            <a:noAutofit/>
           </a:bodyPr>
           <a:lstStyle/>
           <a:p>
@@ -13294,7 +13017,7 @@
         </p:spPr>
         <p:txBody>
           <a:bodyPr bIns="45700" rIns="91425" lIns="91425" tIns="45700" anchor="t" anchorCtr="0">
-            <a:spAutoFit/>
+            <a:noAutofit/>
           </a:bodyPr>
           <a:lstStyle/>
           <a:p>
@@ -13367,283 +13090,6 @@
 </file>
 
 <file path=ppt/theme/theme1.xml><?xml version="1.0" encoding="utf-8"?>
-<a:theme xmlns:a="http://schemas.openxmlformats.org/drawingml/2006/main" xmlns:r="http://schemas.openxmlformats.org/officeDocument/2006/relationships" name="Tema do Office">
-  <a:themeElements>
-    <a:clrScheme name="Escritório">
-      <a:dk1>
-        <a:srgbClr val="000000"/>
-      </a:dk1>
-      <a:lt1>
-        <a:srgbClr val="FFFFFF"/>
-      </a:lt1>
-      <a:dk2>
-        <a:srgbClr val="44546A"/>
-      </a:dk2>
-      <a:lt2>
-        <a:srgbClr val="E7E6E6"/>
-      </a:lt2>
-      <a:accent1>
-        <a:srgbClr val="5B9BD5"/>
-      </a:accent1>
-      <a:accent2>
-        <a:srgbClr val="ED7D31"/>
-      </a:accent2>
-      <a:accent3>
-        <a:srgbClr val="A5A5A5"/>
-      </a:accent3>
-      <a:accent4>
-        <a:srgbClr val="FFC000"/>
-      </a:accent4>
-      <a:accent5>
-        <a:srgbClr val="4472C4"/>
-      </a:accent5>
-      <a:accent6>
-        <a:srgbClr val="70AD47"/>
-      </a:accent6>
-      <a:hlink>
-        <a:srgbClr val="0563C1"/>
-      </a:hlink>
-      <a:folHlink>
-        <a:srgbClr val="954F72"/>
-      </a:folHlink>
-    </a:clrScheme>
-    <a:fontScheme name="Office">
-      <a:majorFont>
-        <a:latin typeface="Arial"/>
-        <a:ea typeface=""/>
-        <a:cs typeface=""/>
-        <a:font typeface="ＭＳ Ｐゴシック" script="Jpan"/>
-        <a:font typeface="맑은 고딕" script="Hang"/>
-        <a:font typeface="宋体" script="Hans"/>
-        <a:font typeface="新細明體" script="Hant"/>
-        <a:font typeface="Times New Roman" script="Arab"/>
-        <a:font typeface="Times New Roman" script="Hebr"/>
-        <a:font typeface="Angsana New" script="Thai"/>
-        <a:font typeface="Nyala" script="Ethi"/>
-        <a:font typeface="Vrinda" script="Beng"/>
-        <a:font typeface="Shruti" script="Gujr"/>
-        <a:font typeface="MoolBoran" script="Khmr"/>
-        <a:font typeface="Tunga" script="Knda"/>
-        <a:font typeface="Raavi" script="Guru"/>
-        <a:font typeface="Euphemia" script="Cans"/>
-        <a:font typeface="Plantagenet Cherokee" script="Cher"/>
-        <a:font typeface="Microsoft Yi Baiti" script="Yiii"/>
-        <a:font typeface="Microsoft Himalaya" script="Tibt"/>
-        <a:font typeface="MV Boli" script="Thaa"/>
-        <a:font typeface="Mangal" script="Deva"/>
-        <a:font typeface="Gautami" script="Telu"/>
-        <a:font typeface="Latha" script="Taml"/>
-        <a:font typeface="Estrangelo Edessa" script="Syrc"/>
-        <a:font typeface="Kalinga" script="Orya"/>
-        <a:font typeface="Kartika" script="Mlym"/>
-        <a:font typeface="DokChampa" script="Laoo"/>
-        <a:font typeface="Iskoola Pota" script="Sinh"/>
-        <a:font typeface="Mongolian Baiti" script="Mong"/>
-        <a:font typeface="Times New Roman" script="Viet"/>
-        <a:font typeface="Microsoft Uighur" script="Uigh"/>
-      </a:majorFont>
-      <a:minorFont>
-        <a:latin typeface="Arial"/>
-        <a:ea typeface=""/>
-        <a:cs typeface=""/>
-        <a:font typeface="ＭＳ Ｐゴシック" script="Jpan"/>
-        <a:font typeface="맑은 고딕" script="Hang"/>
-        <a:font typeface="宋体" script="Hans"/>
-        <a:font typeface="新細明體" script="Hant"/>
-        <a:font typeface="Times New Roman" script="Arab"/>
-        <a:font typeface="Times New Roman" script="Hebr"/>
-        <a:font typeface="Angsana New" script="Thai"/>
-        <a:font typeface="Nyala" script="Ethi"/>
-        <a:font typeface="Vrinda" script="Beng"/>
-        <a:font typeface="Shruti" script="Gujr"/>
-        <a:font typeface="MoolBoran" script="Khmr"/>
-        <a:font typeface="Tunga" script="Knda"/>
-        <a:font typeface="Raavi" script="Guru"/>
-        <a:font typeface="Euphemia" script="Cans"/>
-        <a:font typeface="Plantagenet Cherokee" script="Cher"/>
-        <a:font typeface="Microsoft Yi Baiti" script="Yiii"/>
-        <a:font typeface="Microsoft Himalaya" script="Tibt"/>
-        <a:font typeface="MV Boli" script="Thaa"/>
-        <a:font typeface="Mangal" script="Deva"/>
-        <a:font typeface="Gautami" script="Telu"/>
-        <a:font typeface="Latha" script="Taml"/>
-        <a:font typeface="Estrangelo Edessa" script="Syrc"/>
-        <a:font typeface="Kalinga" script="Orya"/>
-        <a:font typeface="Kartika" script="Mlym"/>
-        <a:font typeface="DokChampa" script="Laoo"/>
-        <a:font typeface="Iskoola Pota" script="Sinh"/>
-        <a:font typeface="Mongolian Baiti" script="Mong"/>
-        <a:font typeface="Times New Roman" script="Viet"/>
-        <a:font typeface="Microsoft Uighur" script="Uigh"/>
-      </a:minorFont>
-    </a:fontScheme>
-    <a:fmtScheme name="Office">
-      <a:fillStyleLst>
-        <a:solidFill>
-          <a:schemeClr val="phClr"/>
-        </a:solidFill>
-        <a:gradFill rotWithShape="1">
-          <a:gsLst>
-            <a:gs pos="0">
-              <a:schemeClr val="phClr">
-                <a:tint val="50000"/>
-                <a:satMod val="300000"/>
-              </a:schemeClr>
-            </a:gs>
-            <a:gs pos="35000">
-              <a:schemeClr val="phClr">
-                <a:tint val="37000"/>
-                <a:satMod val="300000"/>
-              </a:schemeClr>
-            </a:gs>
-            <a:gs pos="100000">
-              <a:schemeClr val="phClr">
-                <a:tint val="15000"/>
-                <a:satMod val="350000"/>
-              </a:schemeClr>
-            </a:gs>
-          </a:gsLst>
-          <a:lin ang="16200000" scaled="1"/>
-        </a:gradFill>
-        <a:gradFill rotWithShape="1">
-          <a:gsLst>
-            <a:gs pos="0">
-              <a:schemeClr val="phClr">
-                <a:tint val="100000"/>
-                <a:shade val="100000"/>
-                <a:satMod val="130000"/>
-              </a:schemeClr>
-            </a:gs>
-            <a:gs pos="100000">
-              <a:schemeClr val="phClr">
-                <a:tint val="50000"/>
-                <a:shade val="100000"/>
-                <a:satMod val="350000"/>
-              </a:schemeClr>
-            </a:gs>
-          </a:gsLst>
-          <a:lin ang="16200000" scaled="0"/>
-        </a:gradFill>
-      </a:fillStyleLst>
-      <a:lnStyleLst>
-        <a:ln w="9525" algn="ctr" cap="flat" cmpd="sng">
-          <a:solidFill>
-            <a:schemeClr val="phClr">
-              <a:shade val="95000"/>
-              <a:satMod val="105000"/>
-            </a:schemeClr>
-          </a:solidFill>
-          <a:prstDash val="solid"/>
-        </a:ln>
-        <a:ln w="25400" algn="ctr" cap="flat" cmpd="sng">
-          <a:solidFill>
-            <a:schemeClr val="phClr"/>
-          </a:solidFill>
-          <a:prstDash val="solid"/>
-        </a:ln>
-        <a:ln w="38100" algn="ctr" cap="flat" cmpd="sng">
-          <a:solidFill>
-            <a:schemeClr val="phClr"/>
-          </a:solidFill>
-          <a:prstDash val="solid"/>
-        </a:ln>
-      </a:lnStyleLst>
-      <a:effectStyleLst>
-        <a:effectStyle>
-          <a:effectLst>
-            <a:outerShdw rotWithShape="0" dir="5400000" blurRad="40000" dist="20000">
-              <a:srgbClr val="000000">
-                <a:alpha val="38000"/>
-              </a:srgbClr>
-            </a:outerShdw>
-          </a:effectLst>
-        </a:effectStyle>
-        <a:effectStyle>
-          <a:effectLst>
-            <a:outerShdw rotWithShape="0" dir="5400000" blurRad="40000" dist="23000">
-              <a:srgbClr val="000000">
-                <a:alpha val="35000"/>
-              </a:srgbClr>
-            </a:outerShdw>
-          </a:effectLst>
-        </a:effectStyle>
-        <a:effectStyle>
-          <a:effectLst>
-            <a:outerShdw rotWithShape="0" dir="5400000" blurRad="40000" dist="23000">
-              <a:srgbClr val="000000">
-                <a:alpha val="35000"/>
-              </a:srgbClr>
-            </a:outerShdw>
-          </a:effectLst>
-          <a:scene3d>
-            <a:camera prst="orthographicFront">
-              <a:rot rev="0" lon="0" lat="0"/>
-            </a:camera>
-            <a:lightRig dir="t" rig="threePt">
-              <a:rot rev="1200000" lon="0" lat="0"/>
-            </a:lightRig>
-          </a:scene3d>
-          <a:sp3d>
-            <a:bevelT w="63500" h="25400"/>
-          </a:sp3d>
-        </a:effectStyle>
-      </a:effectStyleLst>
-      <a:bgFillStyleLst>
-        <a:solidFill>
-          <a:schemeClr val="phClr"/>
-        </a:solidFill>
-        <a:gradFill rotWithShape="1">
-          <a:gsLst>
-            <a:gs pos="0">
-              <a:schemeClr val="phClr">
-                <a:tint val="40000"/>
-                <a:satMod val="350000"/>
-              </a:schemeClr>
-            </a:gs>
-            <a:gs pos="40000">
-              <a:schemeClr val="phClr">
-                <a:tint val="45000"/>
-                <a:shade val="99000"/>
-                <a:satMod val="350000"/>
-              </a:schemeClr>
-            </a:gs>
-            <a:gs pos="100000">
-              <a:schemeClr val="phClr">
-                <a:shade val="20000"/>
-                <a:satMod val="255000"/>
-              </a:schemeClr>
-            </a:gs>
-          </a:gsLst>
-          <a:path path="circle">
-            <a:fillToRect t="-80000" b="180000" r="50000" l="50000"/>
-          </a:path>
-        </a:gradFill>
-        <a:gradFill rotWithShape="1">
-          <a:gsLst>
-            <a:gs pos="0">
-              <a:schemeClr val="phClr">
-                <a:tint val="80000"/>
-                <a:satMod val="300000"/>
-              </a:schemeClr>
-            </a:gs>
-            <a:gs pos="100000">
-              <a:schemeClr val="phClr">
-                <a:shade val="30000"/>
-                <a:satMod val="200000"/>
-              </a:schemeClr>
-            </a:gs>
-          </a:gsLst>
-          <a:path path="circle">
-            <a:fillToRect t="50000" b="50000" r="50000" l="50000"/>
-          </a:path>
-        </a:gradFill>
-      </a:bgFillStyleLst>
-    </a:fmtScheme>
-  </a:themeElements>
-</a:theme>
-</file>
-
-<file path=ppt/theme/theme2.xml><?xml version="1.0" encoding="utf-8"?>
 <a:theme xmlns:a="http://schemas.openxmlformats.org/drawingml/2006/main" xmlns:r="http://schemas.openxmlformats.org/officeDocument/2006/relationships" name="Office Theme">
   <a:themeElements>
     <a:clrScheme name="Office">
@@ -13960,7 +13406,7 @@
 </a:theme>
 </file>
 
-<file path=ppt/theme/theme3.xml><?xml version="1.0" encoding="utf-8"?>
+<file path=ppt/theme/theme2.xml><?xml version="1.0" encoding="utf-8"?>
 <a:theme xmlns:a="http://schemas.openxmlformats.org/drawingml/2006/main" xmlns:r="http://schemas.openxmlformats.org/officeDocument/2006/relationships" name="Custom Theme">
   <a:themeElements>
     <a:clrScheme name="Default">
@@ -14235,4 +13681,281 @@
     </a:fmtScheme>
   </a:themeElements>
 </a:theme>
+</file>
+
+<file path=ppt/theme/theme3.xml><?xml version="1.0" encoding="utf-8"?>
+<a:theme xmlns:a="http://schemas.openxmlformats.org/drawingml/2006/main" xmlns:r="http://schemas.openxmlformats.org/officeDocument/2006/relationships" name="Tema do Office">
+  <a:themeElements>
+    <a:clrScheme name="Escritório">
+      <a:dk1>
+        <a:srgbClr val="000000"/>
+      </a:dk1>
+      <a:lt1>
+        <a:srgbClr val="FFFFFF"/>
+      </a:lt1>
+      <a:dk2>
+        <a:srgbClr val="44546A"/>
+      </a:dk2>
+      <a:lt2>
+        <a:srgbClr val="E7E6E6"/>
+      </a:lt2>
+      <a:accent1>
+        <a:srgbClr val="5B9BD5"/>
+      </a:accent1>
+      <a:accent2>
+        <a:srgbClr val="ED7D31"/>
+      </a:accent2>
+      <a:accent3>
+        <a:srgbClr val="A5A5A5"/>
+      </a:accent3>
+      <a:accent4>
+        <a:srgbClr val="FFC000"/>
+      </a:accent4>
+      <a:accent5>
+        <a:srgbClr val="4472C4"/>
+      </a:accent5>
+      <a:accent6>
+        <a:srgbClr val="70AD47"/>
+      </a:accent6>
+      <a:hlink>
+        <a:srgbClr val="0563C1"/>
+      </a:hlink>
+      <a:folHlink>
+        <a:srgbClr val="954F72"/>
+      </a:folHlink>
+    </a:clrScheme>
+    <a:fontScheme name="Office">
+      <a:majorFont>
+        <a:latin typeface="Arial"/>
+        <a:ea typeface=""/>
+        <a:cs typeface=""/>
+        <a:font typeface="ＭＳ Ｐゴシック" script="Jpan"/>
+        <a:font typeface="맑은 고딕" script="Hang"/>
+        <a:font typeface="宋体" script="Hans"/>
+        <a:font typeface="新細明體" script="Hant"/>
+        <a:font typeface="Times New Roman" script="Arab"/>
+        <a:font typeface="Times New Roman" script="Hebr"/>
+        <a:font typeface="Angsana New" script="Thai"/>
+        <a:font typeface="Nyala" script="Ethi"/>
+        <a:font typeface="Vrinda" script="Beng"/>
+        <a:font typeface="Shruti" script="Gujr"/>
+        <a:font typeface="MoolBoran" script="Khmr"/>
+        <a:font typeface="Tunga" script="Knda"/>
+        <a:font typeface="Raavi" script="Guru"/>
+        <a:font typeface="Euphemia" script="Cans"/>
+        <a:font typeface="Plantagenet Cherokee" script="Cher"/>
+        <a:font typeface="Microsoft Yi Baiti" script="Yiii"/>
+        <a:font typeface="Microsoft Himalaya" script="Tibt"/>
+        <a:font typeface="MV Boli" script="Thaa"/>
+        <a:font typeface="Mangal" script="Deva"/>
+        <a:font typeface="Gautami" script="Telu"/>
+        <a:font typeface="Latha" script="Taml"/>
+        <a:font typeface="Estrangelo Edessa" script="Syrc"/>
+        <a:font typeface="Kalinga" script="Orya"/>
+        <a:font typeface="Kartika" script="Mlym"/>
+        <a:font typeface="DokChampa" script="Laoo"/>
+        <a:font typeface="Iskoola Pota" script="Sinh"/>
+        <a:font typeface="Mongolian Baiti" script="Mong"/>
+        <a:font typeface="Times New Roman" script="Viet"/>
+        <a:font typeface="Microsoft Uighur" script="Uigh"/>
+      </a:majorFont>
+      <a:minorFont>
+        <a:latin typeface="Arial"/>
+        <a:ea typeface=""/>
+        <a:cs typeface=""/>
+        <a:font typeface="ＭＳ Ｐゴシック" script="Jpan"/>
+        <a:font typeface="맑은 고딕" script="Hang"/>
+        <a:font typeface="宋体" script="Hans"/>
+        <a:font typeface="新細明體" script="Hant"/>
+        <a:font typeface="Times New Roman" script="Arab"/>
+        <a:font typeface="Times New Roman" script="Hebr"/>
+        <a:font typeface="Angsana New" script="Thai"/>
+        <a:font typeface="Nyala" script="Ethi"/>
+        <a:font typeface="Vrinda" script="Beng"/>
+        <a:font typeface="Shruti" script="Gujr"/>
+        <a:font typeface="MoolBoran" script="Khmr"/>
+        <a:font typeface="Tunga" script="Knda"/>
+        <a:font typeface="Raavi" script="Guru"/>
+        <a:font typeface="Euphemia" script="Cans"/>
+        <a:font typeface="Plantagenet Cherokee" script="Cher"/>
+        <a:font typeface="Microsoft Yi Baiti" script="Yiii"/>
+        <a:font typeface="Microsoft Himalaya" script="Tibt"/>
+        <a:font typeface="MV Boli" script="Thaa"/>
+        <a:font typeface="Mangal" script="Deva"/>
+        <a:font typeface="Gautami" script="Telu"/>
+        <a:font typeface="Latha" script="Taml"/>
+        <a:font typeface="Estrangelo Edessa" script="Syrc"/>
+        <a:font typeface="Kalinga" script="Orya"/>
+        <a:font typeface="Kartika" script="Mlym"/>
+        <a:font typeface="DokChampa" script="Laoo"/>
+        <a:font typeface="Iskoola Pota" script="Sinh"/>
+        <a:font typeface="Mongolian Baiti" script="Mong"/>
+        <a:font typeface="Times New Roman" script="Viet"/>
+        <a:font typeface="Microsoft Uighur" script="Uigh"/>
+      </a:minorFont>
+    </a:fontScheme>
+    <a:fmtScheme name="Office">
+      <a:fillStyleLst>
+        <a:solidFill>
+          <a:schemeClr val="phClr"/>
+        </a:solidFill>
+        <a:gradFill rotWithShape="1">
+          <a:gsLst>
+            <a:gs pos="0">
+              <a:schemeClr val="phClr">
+                <a:tint val="50000"/>
+                <a:satMod val="300000"/>
+              </a:schemeClr>
+            </a:gs>
+            <a:gs pos="35000">
+              <a:schemeClr val="phClr">
+                <a:tint val="37000"/>
+                <a:satMod val="300000"/>
+              </a:schemeClr>
+            </a:gs>
+            <a:gs pos="100000">
+              <a:schemeClr val="phClr">
+                <a:tint val="15000"/>
+                <a:satMod val="350000"/>
+              </a:schemeClr>
+            </a:gs>
+          </a:gsLst>
+          <a:lin ang="16200000" scaled="1"/>
+        </a:gradFill>
+        <a:gradFill rotWithShape="1">
+          <a:gsLst>
+            <a:gs pos="0">
+              <a:schemeClr val="phClr">
+                <a:tint val="100000"/>
+                <a:shade val="100000"/>
+                <a:satMod val="130000"/>
+              </a:schemeClr>
+            </a:gs>
+            <a:gs pos="100000">
+              <a:schemeClr val="phClr">
+                <a:tint val="50000"/>
+                <a:shade val="100000"/>
+                <a:satMod val="350000"/>
+              </a:schemeClr>
+            </a:gs>
+          </a:gsLst>
+          <a:lin ang="16200000" scaled="0"/>
+        </a:gradFill>
+      </a:fillStyleLst>
+      <a:lnStyleLst>
+        <a:ln w="9525" algn="ctr" cap="flat" cmpd="sng">
+          <a:solidFill>
+            <a:schemeClr val="phClr">
+              <a:shade val="95000"/>
+              <a:satMod val="105000"/>
+            </a:schemeClr>
+          </a:solidFill>
+          <a:prstDash val="solid"/>
+        </a:ln>
+        <a:ln w="25400" algn="ctr" cap="flat" cmpd="sng">
+          <a:solidFill>
+            <a:schemeClr val="phClr"/>
+          </a:solidFill>
+          <a:prstDash val="solid"/>
+        </a:ln>
+        <a:ln w="38100" algn="ctr" cap="flat" cmpd="sng">
+          <a:solidFill>
+            <a:schemeClr val="phClr"/>
+          </a:solidFill>
+          <a:prstDash val="solid"/>
+        </a:ln>
+      </a:lnStyleLst>
+      <a:effectStyleLst>
+        <a:effectStyle>
+          <a:effectLst>
+            <a:outerShdw rotWithShape="0" dir="5400000" blurRad="40000" dist="20000">
+              <a:srgbClr val="000000">
+                <a:alpha val="38000"/>
+              </a:srgbClr>
+            </a:outerShdw>
+          </a:effectLst>
+        </a:effectStyle>
+        <a:effectStyle>
+          <a:effectLst>
+            <a:outerShdw rotWithShape="0" dir="5400000" blurRad="40000" dist="23000">
+              <a:srgbClr val="000000">
+                <a:alpha val="35000"/>
+              </a:srgbClr>
+            </a:outerShdw>
+          </a:effectLst>
+        </a:effectStyle>
+        <a:effectStyle>
+          <a:effectLst>
+            <a:outerShdw rotWithShape="0" dir="5400000" blurRad="40000" dist="23000">
+              <a:srgbClr val="000000">
+                <a:alpha val="35000"/>
+              </a:srgbClr>
+            </a:outerShdw>
+          </a:effectLst>
+          <a:scene3d>
+            <a:camera prst="orthographicFront">
+              <a:rot rev="0" lon="0" lat="0"/>
+            </a:camera>
+            <a:lightRig dir="t" rig="threePt">
+              <a:rot rev="1200000" lon="0" lat="0"/>
+            </a:lightRig>
+          </a:scene3d>
+          <a:sp3d>
+            <a:bevelT w="63500" h="25400"/>
+          </a:sp3d>
+        </a:effectStyle>
+      </a:effectStyleLst>
+      <a:bgFillStyleLst>
+        <a:solidFill>
+          <a:schemeClr val="phClr"/>
+        </a:solidFill>
+        <a:gradFill rotWithShape="1">
+          <a:gsLst>
+            <a:gs pos="0">
+              <a:schemeClr val="phClr">
+                <a:tint val="40000"/>
+                <a:satMod val="350000"/>
+              </a:schemeClr>
+            </a:gs>
+            <a:gs pos="40000">
+              <a:schemeClr val="phClr">
+                <a:tint val="45000"/>
+                <a:shade val="99000"/>
+                <a:satMod val="350000"/>
+              </a:schemeClr>
+            </a:gs>
+            <a:gs pos="100000">
+              <a:schemeClr val="phClr">
+                <a:shade val="20000"/>
+                <a:satMod val="255000"/>
+              </a:schemeClr>
+            </a:gs>
+          </a:gsLst>
+          <a:path path="circle">
+            <a:fillToRect t="-80000" b="180000" r="50000" l="50000"/>
+          </a:path>
+        </a:gradFill>
+        <a:gradFill rotWithShape="1">
+          <a:gsLst>
+            <a:gs pos="0">
+              <a:schemeClr val="phClr">
+                <a:tint val="80000"/>
+                <a:satMod val="300000"/>
+              </a:schemeClr>
+            </a:gs>
+            <a:gs pos="100000">
+              <a:schemeClr val="phClr">
+                <a:shade val="30000"/>
+                <a:satMod val="200000"/>
+              </a:schemeClr>
+            </a:gs>
+          </a:gsLst>
+          <a:path path="circle">
+            <a:fillToRect t="50000" b="50000" r="50000" l="50000"/>
+          </a:path>
+        </a:gradFill>
+      </a:bgFillStyleLst>
+    </a:fmtScheme>
+  </a:themeElements>
+</a:theme>
 </file>
--- a/documentos/Apresentação_22_09.pptx
+++ b/documentos/Apresentação_22_09.pptx
@@ -5,23 +5,24 @@
     <p:sldMasterId id="2147483660" r:id="rId1"/>
   </p:sldMasterIdLst>
   <p:notesMasterIdLst>
-    <p:notesMasterId r:id="rId16"/>
+    <p:notesMasterId r:id="rId17"/>
   </p:notesMasterIdLst>
   <p:sldIdLst>
     <p:sldId id="258" r:id="rId2"/>
     <p:sldId id="259" r:id="rId3"/>
     <p:sldId id="260" r:id="rId4"/>
-    <p:sldId id="261" r:id="rId5"/>
-    <p:sldId id="262" r:id="rId6"/>
-    <p:sldId id="263" r:id="rId7"/>
-    <p:sldId id="264" r:id="rId8"/>
-    <p:sldId id="265" r:id="rId9"/>
-    <p:sldId id="266" r:id="rId10"/>
-    <p:sldId id="267" r:id="rId11"/>
-    <p:sldId id="268" r:id="rId12"/>
-    <p:sldId id="269" r:id="rId13"/>
-    <p:sldId id="270" r:id="rId14"/>
-    <p:sldId id="271" r:id="rId15"/>
+    <p:sldId id="272" r:id="rId5"/>
+    <p:sldId id="261" r:id="rId6"/>
+    <p:sldId id="262" r:id="rId7"/>
+    <p:sldId id="263" r:id="rId8"/>
+    <p:sldId id="264" r:id="rId9"/>
+    <p:sldId id="265" r:id="rId10"/>
+    <p:sldId id="266" r:id="rId11"/>
+    <p:sldId id="267" r:id="rId12"/>
+    <p:sldId id="268" r:id="rId13"/>
+    <p:sldId id="269" r:id="rId14"/>
+    <p:sldId id="270" r:id="rId15"/>
+    <p:sldId id="271" r:id="rId16"/>
   </p:sldIdLst>
   <p:sldSz cx="12192000" cy="6858000"/>
   <p:notesSz cx="6858000" cy="9144000"/>
@@ -236,6 +237,11 @@
       </a:defRPr>
     </a:lvl9pPr>
   </p:defaultTextStyle>
+  <p:extLst>
+    <p:ext uri="{EFAFB233-063F-42B5-8137-9DF3F51BA10A}">
+      <p15:sldGuideLst xmlns:p15="http://schemas.microsoft.com/office/powerpoint/2012/main"/>
+    </p:ext>
+  </p:extLst>
 </p:presentation>
 </file>
 
@@ -969,7 +975,7 @@
   <p:cSld>
     <p:spTree>
       <p:nvGrpSpPr>
-        <p:cNvPr id="1" name="Shape 154"/>
+        <p:cNvPr id="1" name="Shape 147"/>
         <p:cNvGrpSpPr/>
         <p:nvPr/>
       </p:nvGrpSpPr>
@@ -983,7 +989,7 @@
       </p:grpSpPr>
       <p:sp>
         <p:nvSpPr>
-          <p:cNvPr id="155" name="Shape 155"/>
+          <p:cNvPr id="148" name="Shape 148"/>
           <p:cNvSpPr txBox="1">
             <a:spLocks noGrp="1"/>
           </p:cNvSpPr>
@@ -994,7 +1000,7 @@
         <p:spPr>
           <a:xfrm>
             <a:off x="685800" y="4400550"/>
-            <a:ext cx="5486399" cy="3600599"/>
+            <a:ext cx="5486399" cy="3600450"/>
           </a:xfrm>
           <a:prstGeom prst="rect">
             <a:avLst/>
@@ -1018,7 +1024,7 @@
       </p:sp>
       <p:sp>
         <p:nvSpPr>
-          <p:cNvPr id="156" name="Shape 156"/>
+          <p:cNvPr id="149" name="Shape 149"/>
           <p:cNvSpPr>
             <a:spLocks noGrp="1" noRot="1" noChangeAspect="1"/>
           </p:cNvSpPr>
@@ -1070,7 +1076,7 @@
     </p:spTree>
     <p:extLst>
       <p:ext uri="{BB962C8B-B14F-4D97-AF65-F5344CB8AC3E}">
-        <p14:creationId xmlns:p14="http://schemas.microsoft.com/office/powerpoint/2010/main" val="3815095978"/>
+        <p14:creationId xmlns:p14="http://schemas.microsoft.com/office/powerpoint/2010/main" val="2104852361"/>
       </p:ext>
     </p:extLst>
   </p:cSld>
@@ -1085,7 +1091,7 @@
   <p:cSld>
     <p:spTree>
       <p:nvGrpSpPr>
-        <p:cNvPr id="1" name="Shape 160"/>
+        <p:cNvPr id="1" name="Shape 154"/>
         <p:cNvGrpSpPr/>
         <p:nvPr/>
       </p:nvGrpSpPr>
@@ -1099,7 +1105,7 @@
       </p:grpSpPr>
       <p:sp>
         <p:nvSpPr>
-          <p:cNvPr id="161" name="Shape 161"/>
+          <p:cNvPr id="155" name="Shape 155"/>
           <p:cNvSpPr txBox="1">
             <a:spLocks noGrp="1"/>
           </p:cNvSpPr>
@@ -1134,7 +1140,7 @@
       </p:sp>
       <p:sp>
         <p:nvSpPr>
-          <p:cNvPr id="162" name="Shape 162"/>
+          <p:cNvPr id="156" name="Shape 156"/>
           <p:cNvSpPr>
             <a:spLocks noGrp="1" noRot="1" noChangeAspect="1"/>
           </p:cNvSpPr>
@@ -1186,7 +1192,7 @@
     </p:spTree>
     <p:extLst>
       <p:ext uri="{BB962C8B-B14F-4D97-AF65-F5344CB8AC3E}">
-        <p14:creationId xmlns:p14="http://schemas.microsoft.com/office/powerpoint/2010/main" val="3244366733"/>
+        <p14:creationId xmlns:p14="http://schemas.microsoft.com/office/powerpoint/2010/main" val="3815095978"/>
       </p:ext>
     </p:extLst>
   </p:cSld>
@@ -1201,7 +1207,7 @@
   <p:cSld>
     <p:spTree>
       <p:nvGrpSpPr>
-        <p:cNvPr id="1" name="Shape 167"/>
+        <p:cNvPr id="1" name="Shape 160"/>
         <p:cNvGrpSpPr/>
         <p:nvPr/>
       </p:nvGrpSpPr>
@@ -1215,7 +1221,7 @@
       </p:grpSpPr>
       <p:sp>
         <p:nvSpPr>
-          <p:cNvPr id="168" name="Shape 168"/>
+          <p:cNvPr id="161" name="Shape 161"/>
           <p:cNvSpPr txBox="1">
             <a:spLocks noGrp="1"/>
           </p:cNvSpPr>
@@ -1250,7 +1256,7 @@
       </p:sp>
       <p:sp>
         <p:nvSpPr>
-          <p:cNvPr id="169" name="Shape 169"/>
+          <p:cNvPr id="162" name="Shape 162"/>
           <p:cNvSpPr>
             <a:spLocks noGrp="1" noRot="1" noChangeAspect="1"/>
           </p:cNvSpPr>
@@ -1302,7 +1308,7 @@
     </p:spTree>
     <p:extLst>
       <p:ext uri="{BB962C8B-B14F-4D97-AF65-F5344CB8AC3E}">
-        <p14:creationId xmlns:p14="http://schemas.microsoft.com/office/powerpoint/2010/main" val="1801676503"/>
+        <p14:creationId xmlns:p14="http://schemas.microsoft.com/office/powerpoint/2010/main" val="3244366733"/>
       </p:ext>
     </p:extLst>
   </p:cSld>
@@ -1317,7 +1323,7 @@
   <p:cSld>
     <p:spTree>
       <p:nvGrpSpPr>
-        <p:cNvPr id="1" name="Shape 174"/>
+        <p:cNvPr id="1" name="Shape 167"/>
         <p:cNvGrpSpPr/>
         <p:nvPr/>
       </p:nvGrpSpPr>
@@ -1331,7 +1337,42 @@
       </p:grpSpPr>
       <p:sp>
         <p:nvSpPr>
-          <p:cNvPr id="175" name="Shape 175"/>
+          <p:cNvPr id="168" name="Shape 168"/>
+          <p:cNvSpPr txBox="1">
+            <a:spLocks noGrp="1"/>
+          </p:cNvSpPr>
+          <p:nvPr>
+            <p:ph type="body" idx="1"/>
+          </p:nvPr>
+        </p:nvSpPr>
+        <p:spPr>
+          <a:xfrm>
+            <a:off x="685800" y="4400550"/>
+            <a:ext cx="5486399" cy="3600599"/>
+          </a:xfrm>
+          <a:prstGeom prst="rect">
+            <a:avLst/>
+          </a:prstGeom>
+        </p:spPr>
+        <p:txBody>
+          <a:bodyPr lIns="91425" tIns="91425" rIns="91425" bIns="91425" anchor="t" anchorCtr="0">
+            <a:noAutofit/>
+          </a:bodyPr>
+          <a:lstStyle/>
+          <a:p>
+            <a:pPr>
+              <a:spcBef>
+                <a:spcPts val="0"/>
+              </a:spcBef>
+              <a:buNone/>
+            </a:pPr>
+            <a:endParaRPr/>
+          </a:p>
+        </p:txBody>
+      </p:sp>
+      <p:sp>
+        <p:nvSpPr>
+          <p:cNvPr id="169" name="Shape 169"/>
           <p:cNvSpPr>
             <a:spLocks noGrp="1" noRot="1" noChangeAspect="1"/>
           </p:cNvSpPr>
@@ -1380,45 +1421,10 @@
           </a:ln>
         </p:spPr>
       </p:sp>
-      <p:sp>
-        <p:nvSpPr>
-          <p:cNvPr id="176" name="Shape 176"/>
-          <p:cNvSpPr txBox="1">
-            <a:spLocks noGrp="1"/>
-          </p:cNvSpPr>
-          <p:nvPr>
-            <p:ph type="body" idx="1"/>
-          </p:nvPr>
-        </p:nvSpPr>
-        <p:spPr>
-          <a:xfrm>
-            <a:off x="685800" y="4400550"/>
-            <a:ext cx="5486399" cy="3600599"/>
-          </a:xfrm>
-          <a:prstGeom prst="rect">
-            <a:avLst/>
-          </a:prstGeom>
-        </p:spPr>
-        <p:txBody>
-          <a:bodyPr lIns="91425" tIns="91425" rIns="91425" bIns="91425" anchor="t" anchorCtr="0">
-            <a:noAutofit/>
-          </a:bodyPr>
-          <a:lstStyle/>
-          <a:p>
-            <a:pPr>
-              <a:spcBef>
-                <a:spcPts val="0"/>
-              </a:spcBef>
-              <a:buNone/>
-            </a:pPr>
-            <a:endParaRPr/>
-          </a:p>
-        </p:txBody>
-      </p:sp>
     </p:spTree>
     <p:extLst>
       <p:ext uri="{BB962C8B-B14F-4D97-AF65-F5344CB8AC3E}">
-        <p14:creationId xmlns:p14="http://schemas.microsoft.com/office/powerpoint/2010/main" val="3659599295"/>
+        <p14:creationId xmlns:p14="http://schemas.microsoft.com/office/powerpoint/2010/main" val="1801676503"/>
       </p:ext>
     </p:extLst>
   </p:cSld>
@@ -1428,12 +1434,12 @@
 </p:notes>
 </file>
 
-<file path=ppt/notesSlides/notesSlide2.xml><?xml version="1.0" encoding="utf-8"?>
+<file path=ppt/notesSlides/notesSlide14.xml><?xml version="1.0" encoding="utf-8"?>
 <p:notes xmlns:a="http://schemas.openxmlformats.org/drawingml/2006/main" xmlns:r="http://schemas.openxmlformats.org/officeDocument/2006/relationships" xmlns:p="http://schemas.openxmlformats.org/presentationml/2006/main" showMasterSp="0" showMasterPhAnim="0">
   <p:cSld>
     <p:spTree>
       <p:nvGrpSpPr>
-        <p:cNvPr id="1" name="Shape 104"/>
+        <p:cNvPr id="1" name="Shape 174"/>
         <p:cNvGrpSpPr/>
         <p:nvPr/>
       </p:nvGrpSpPr>
@@ -1447,42 +1453,7 @@
       </p:grpSpPr>
       <p:sp>
         <p:nvSpPr>
-          <p:cNvPr id="105" name="Shape 105"/>
-          <p:cNvSpPr txBox="1">
-            <a:spLocks noGrp="1"/>
-          </p:cNvSpPr>
-          <p:nvPr>
-            <p:ph type="body" idx="1"/>
-          </p:nvPr>
-        </p:nvSpPr>
-        <p:spPr>
-          <a:xfrm>
-            <a:off x="685800" y="4400550"/>
-            <a:ext cx="5486399" cy="3600450"/>
-          </a:xfrm>
-          <a:prstGeom prst="rect">
-            <a:avLst/>
-          </a:prstGeom>
-        </p:spPr>
-        <p:txBody>
-          <a:bodyPr lIns="91425" tIns="91425" rIns="91425" bIns="91425" anchor="t" anchorCtr="0">
-            <a:noAutofit/>
-          </a:bodyPr>
-          <a:lstStyle/>
-          <a:p>
-            <a:pPr>
-              <a:spcBef>
-                <a:spcPts val="0"/>
-              </a:spcBef>
-              <a:buNone/>
-            </a:pPr>
-            <a:endParaRPr/>
-          </a:p>
-        </p:txBody>
-      </p:sp>
-      <p:sp>
-        <p:nvSpPr>
-          <p:cNvPr id="106" name="Shape 106"/>
+          <p:cNvPr id="175" name="Shape 175"/>
           <p:cNvSpPr>
             <a:spLocks noGrp="1" noRot="1" noChangeAspect="1"/>
           </p:cNvSpPr>
@@ -1531,10 +1502,45 @@
           </a:ln>
         </p:spPr>
       </p:sp>
+      <p:sp>
+        <p:nvSpPr>
+          <p:cNvPr id="176" name="Shape 176"/>
+          <p:cNvSpPr txBox="1">
+            <a:spLocks noGrp="1"/>
+          </p:cNvSpPr>
+          <p:nvPr>
+            <p:ph type="body" idx="1"/>
+          </p:nvPr>
+        </p:nvSpPr>
+        <p:spPr>
+          <a:xfrm>
+            <a:off x="685800" y="4400550"/>
+            <a:ext cx="5486399" cy="3600599"/>
+          </a:xfrm>
+          <a:prstGeom prst="rect">
+            <a:avLst/>
+          </a:prstGeom>
+        </p:spPr>
+        <p:txBody>
+          <a:bodyPr lIns="91425" tIns="91425" rIns="91425" bIns="91425" anchor="t" anchorCtr="0">
+            <a:noAutofit/>
+          </a:bodyPr>
+          <a:lstStyle/>
+          <a:p>
+            <a:pPr>
+              <a:spcBef>
+                <a:spcPts val="0"/>
+              </a:spcBef>
+              <a:buNone/>
+            </a:pPr>
+            <a:endParaRPr/>
+          </a:p>
+        </p:txBody>
+      </p:sp>
     </p:spTree>
     <p:extLst>
       <p:ext uri="{BB962C8B-B14F-4D97-AF65-F5344CB8AC3E}">
-        <p14:creationId xmlns:p14="http://schemas.microsoft.com/office/powerpoint/2010/main" val="434919842"/>
+        <p14:creationId xmlns:p14="http://schemas.microsoft.com/office/powerpoint/2010/main" val="3659599295"/>
       </p:ext>
     </p:extLst>
   </p:cSld>
@@ -1544,12 +1550,12 @@
 </p:notes>
 </file>
 
-<file path=ppt/notesSlides/notesSlide3.xml><?xml version="1.0" encoding="utf-8"?>
+<file path=ppt/notesSlides/notesSlide2.xml><?xml version="1.0" encoding="utf-8"?>
 <p:notes xmlns:a="http://schemas.openxmlformats.org/drawingml/2006/main" xmlns:r="http://schemas.openxmlformats.org/officeDocument/2006/relationships" xmlns:p="http://schemas.openxmlformats.org/presentationml/2006/main" showMasterSp="0" showMasterPhAnim="0">
   <p:cSld>
     <p:spTree>
       <p:nvGrpSpPr>
-        <p:cNvPr id="1" name="Shape 110"/>
+        <p:cNvPr id="1" name="Shape 104"/>
         <p:cNvGrpSpPr/>
         <p:nvPr/>
       </p:nvGrpSpPr>
@@ -1563,7 +1569,42 @@
       </p:grpSpPr>
       <p:sp>
         <p:nvSpPr>
-          <p:cNvPr id="111" name="Shape 111"/>
+          <p:cNvPr id="105" name="Shape 105"/>
+          <p:cNvSpPr txBox="1">
+            <a:spLocks noGrp="1"/>
+          </p:cNvSpPr>
+          <p:nvPr>
+            <p:ph type="body" idx="1"/>
+          </p:nvPr>
+        </p:nvSpPr>
+        <p:spPr>
+          <a:xfrm>
+            <a:off x="685800" y="4400550"/>
+            <a:ext cx="5486399" cy="3600450"/>
+          </a:xfrm>
+          <a:prstGeom prst="rect">
+            <a:avLst/>
+          </a:prstGeom>
+        </p:spPr>
+        <p:txBody>
+          <a:bodyPr lIns="91425" tIns="91425" rIns="91425" bIns="91425" anchor="t" anchorCtr="0">
+            <a:noAutofit/>
+          </a:bodyPr>
+          <a:lstStyle/>
+          <a:p>
+            <a:pPr>
+              <a:spcBef>
+                <a:spcPts val="0"/>
+              </a:spcBef>
+              <a:buNone/>
+            </a:pPr>
+            <a:endParaRPr/>
+          </a:p>
+        </p:txBody>
+      </p:sp>
+      <p:sp>
+        <p:nvSpPr>
+          <p:cNvPr id="106" name="Shape 106"/>
           <p:cNvSpPr>
             <a:spLocks noGrp="1" noRot="1" noChangeAspect="1"/>
           </p:cNvSpPr>
@@ -1612,45 +1653,10 @@
           </a:ln>
         </p:spPr>
       </p:sp>
-      <p:sp>
-        <p:nvSpPr>
-          <p:cNvPr id="112" name="Shape 112"/>
-          <p:cNvSpPr txBox="1">
-            <a:spLocks noGrp="1"/>
-          </p:cNvSpPr>
-          <p:nvPr>
-            <p:ph type="body" idx="1"/>
-          </p:nvPr>
-        </p:nvSpPr>
-        <p:spPr>
-          <a:xfrm>
-            <a:off x="685800" y="4400550"/>
-            <a:ext cx="5486399" cy="3600599"/>
-          </a:xfrm>
-          <a:prstGeom prst="rect">
-            <a:avLst/>
-          </a:prstGeom>
-        </p:spPr>
-        <p:txBody>
-          <a:bodyPr lIns="91425" tIns="91425" rIns="91425" bIns="91425" anchor="t" anchorCtr="0">
-            <a:noAutofit/>
-          </a:bodyPr>
-          <a:lstStyle/>
-          <a:p>
-            <a:pPr>
-              <a:spcBef>
-                <a:spcPts val="0"/>
-              </a:spcBef>
-              <a:buNone/>
-            </a:pPr>
-            <a:endParaRPr/>
-          </a:p>
-        </p:txBody>
-      </p:sp>
     </p:spTree>
     <p:extLst>
       <p:ext uri="{BB962C8B-B14F-4D97-AF65-F5344CB8AC3E}">
-        <p14:creationId xmlns:p14="http://schemas.microsoft.com/office/powerpoint/2010/main" val="1411741130"/>
+        <p14:creationId xmlns:p14="http://schemas.microsoft.com/office/powerpoint/2010/main" val="434919842"/>
       </p:ext>
     </p:extLst>
   </p:cSld>
@@ -1660,12 +1666,12 @@
 </p:notes>
 </file>
 
-<file path=ppt/notesSlides/notesSlide4.xml><?xml version="1.0" encoding="utf-8"?>
+<file path=ppt/notesSlides/notesSlide3.xml><?xml version="1.0" encoding="utf-8"?>
 <p:notes xmlns:a="http://schemas.openxmlformats.org/drawingml/2006/main" xmlns:r="http://schemas.openxmlformats.org/officeDocument/2006/relationships" xmlns:p="http://schemas.openxmlformats.org/presentationml/2006/main" showMasterSp="0" showMasterPhAnim="0">
   <p:cSld>
     <p:spTree>
       <p:nvGrpSpPr>
-        <p:cNvPr id="1" name="Shape 116"/>
+        <p:cNvPr id="1" name="Shape 110"/>
         <p:cNvGrpSpPr/>
         <p:nvPr/>
       </p:nvGrpSpPr>
@@ -1679,7 +1685,7 @@
       </p:grpSpPr>
       <p:sp>
         <p:nvSpPr>
-          <p:cNvPr id="117" name="Shape 117"/>
+          <p:cNvPr id="111" name="Shape 111"/>
           <p:cNvSpPr>
             <a:spLocks noGrp="1" noRot="1" noChangeAspect="1"/>
           </p:cNvSpPr>
@@ -1730,7 +1736,7 @@
       </p:sp>
       <p:sp>
         <p:nvSpPr>
-          <p:cNvPr id="118" name="Shape 118"/>
+          <p:cNvPr id="112" name="Shape 112"/>
           <p:cNvSpPr txBox="1">
             <a:spLocks noGrp="1"/>
           </p:cNvSpPr>
@@ -1766,7 +1772,7 @@
     </p:spTree>
     <p:extLst>
       <p:ext uri="{BB962C8B-B14F-4D97-AF65-F5344CB8AC3E}">
-        <p14:creationId xmlns:p14="http://schemas.microsoft.com/office/powerpoint/2010/main" val="2188622615"/>
+        <p14:creationId xmlns:p14="http://schemas.microsoft.com/office/powerpoint/2010/main" val="1411741130"/>
       </p:ext>
     </p:extLst>
   </p:cSld>
@@ -1776,12 +1782,12 @@
 </p:notes>
 </file>
 
-<file path=ppt/notesSlides/notesSlide5.xml><?xml version="1.0" encoding="utf-8"?>
+<file path=ppt/notesSlides/notesSlide4.xml><?xml version="1.0" encoding="utf-8"?>
 <p:notes xmlns:a="http://schemas.openxmlformats.org/drawingml/2006/main" xmlns:r="http://schemas.openxmlformats.org/officeDocument/2006/relationships" xmlns:p="http://schemas.openxmlformats.org/presentationml/2006/main" showMasterSp="0" showMasterPhAnim="0">
   <p:cSld>
     <p:spTree>
       <p:nvGrpSpPr>
-        <p:cNvPr id="1" name="Shape 122"/>
+        <p:cNvPr id="1" name="Shape 110"/>
         <p:cNvGrpSpPr/>
         <p:nvPr/>
       </p:nvGrpSpPr>
@@ -1795,42 +1801,7 @@
       </p:grpSpPr>
       <p:sp>
         <p:nvSpPr>
-          <p:cNvPr id="123" name="Shape 123"/>
-          <p:cNvSpPr txBox="1">
-            <a:spLocks noGrp="1"/>
-          </p:cNvSpPr>
-          <p:nvPr>
-            <p:ph type="body" idx="1"/>
-          </p:nvPr>
-        </p:nvSpPr>
-        <p:spPr>
-          <a:xfrm>
-            <a:off x="685800" y="4400550"/>
-            <a:ext cx="5486399" cy="3600450"/>
-          </a:xfrm>
-          <a:prstGeom prst="rect">
-            <a:avLst/>
-          </a:prstGeom>
-        </p:spPr>
-        <p:txBody>
-          <a:bodyPr lIns="91425" tIns="91425" rIns="91425" bIns="91425" anchor="t" anchorCtr="0">
-            <a:noAutofit/>
-          </a:bodyPr>
-          <a:lstStyle/>
-          <a:p>
-            <a:pPr>
-              <a:spcBef>
-                <a:spcPts val="0"/>
-              </a:spcBef>
-              <a:buNone/>
-            </a:pPr>
-            <a:endParaRPr/>
-          </a:p>
-        </p:txBody>
-      </p:sp>
-      <p:sp>
-        <p:nvSpPr>
-          <p:cNvPr id="124" name="Shape 124"/>
+          <p:cNvPr id="111" name="Shape 111"/>
           <p:cNvSpPr>
             <a:spLocks noGrp="1" noRot="1" noChangeAspect="1"/>
           </p:cNvSpPr>
@@ -1879,6 +1850,273 @@
           </a:ln>
         </p:spPr>
       </p:sp>
+      <p:sp>
+        <p:nvSpPr>
+          <p:cNvPr id="112" name="Shape 112"/>
+          <p:cNvSpPr txBox="1">
+            <a:spLocks noGrp="1"/>
+          </p:cNvSpPr>
+          <p:nvPr>
+            <p:ph type="body" idx="1"/>
+          </p:nvPr>
+        </p:nvSpPr>
+        <p:spPr>
+          <a:xfrm>
+            <a:off x="685800" y="4400550"/>
+            <a:ext cx="5486399" cy="3600599"/>
+          </a:xfrm>
+          <a:prstGeom prst="rect">
+            <a:avLst/>
+          </a:prstGeom>
+        </p:spPr>
+        <p:txBody>
+          <a:bodyPr lIns="91425" tIns="91425" rIns="91425" bIns="91425" anchor="t" anchorCtr="0">
+            <a:noAutofit/>
+          </a:bodyPr>
+          <a:lstStyle/>
+          <a:p>
+            <a:pPr>
+              <a:spcBef>
+                <a:spcPts val="0"/>
+              </a:spcBef>
+              <a:buNone/>
+            </a:pPr>
+            <a:endParaRPr/>
+          </a:p>
+        </p:txBody>
+      </p:sp>
+    </p:spTree>
+    <p:extLst>
+      <p:ext uri="{BB962C8B-B14F-4D97-AF65-F5344CB8AC3E}">
+        <p14:creationId xmlns:p14="http://schemas.microsoft.com/office/powerpoint/2010/main" val="3612926534"/>
+      </p:ext>
+    </p:extLst>
+  </p:cSld>
+  <p:clrMapOvr>
+    <a:masterClrMapping/>
+  </p:clrMapOvr>
+</p:notes>
+</file>
+
+<file path=ppt/notesSlides/notesSlide5.xml><?xml version="1.0" encoding="utf-8"?>
+<p:notes xmlns:a="http://schemas.openxmlformats.org/drawingml/2006/main" xmlns:r="http://schemas.openxmlformats.org/officeDocument/2006/relationships" xmlns:p="http://schemas.openxmlformats.org/presentationml/2006/main" showMasterSp="0" showMasterPhAnim="0">
+  <p:cSld>
+    <p:spTree>
+      <p:nvGrpSpPr>
+        <p:cNvPr id="1" name="Shape 116"/>
+        <p:cNvGrpSpPr/>
+        <p:nvPr/>
+      </p:nvGrpSpPr>
+      <p:grpSpPr>
+        <a:xfrm>
+          <a:off x="0" y="0"/>
+          <a:ext cx="0" cy="0"/>
+          <a:chOff x="0" y="0"/>
+          <a:chExt cx="0" cy="0"/>
+        </a:xfrm>
+      </p:grpSpPr>
+      <p:sp>
+        <p:nvSpPr>
+          <p:cNvPr id="117" name="Shape 117"/>
+          <p:cNvSpPr>
+            <a:spLocks noGrp="1" noRot="1" noChangeAspect="1"/>
+          </p:cNvSpPr>
+          <p:nvPr>
+            <p:ph type="sldImg" idx="2"/>
+          </p:nvPr>
+        </p:nvSpPr>
+        <p:spPr>
+          <a:xfrm>
+            <a:off x="685800" y="1143000"/>
+            <a:ext cx="5486400" cy="3086100"/>
+          </a:xfrm>
+          <a:custGeom>
+            <a:avLst/>
+            <a:gdLst/>
+            <a:ahLst/>
+            <a:cxnLst/>
+            <a:rect l="0" t="0" r="0" b="0"/>
+            <a:pathLst>
+              <a:path w="120000" h="120000" extrusionOk="0">
+                <a:moveTo>
+                  <a:pt x="0" y="0"/>
+                </a:moveTo>
+                <a:lnTo>
+                  <a:pt x="120000" y="0"/>
+                </a:lnTo>
+                <a:lnTo>
+                  <a:pt x="120000" y="120000"/>
+                </a:lnTo>
+                <a:lnTo>
+                  <a:pt x="0" y="120000"/>
+                </a:lnTo>
+                <a:close/>
+              </a:path>
+            </a:pathLst>
+          </a:custGeom>
+          <a:noFill/>
+          <a:ln w="9525" cap="flat">
+            <a:solidFill>
+              <a:srgbClr val="000000"/>
+            </a:solidFill>
+            <a:prstDash val="solid"/>
+            <a:round/>
+            <a:headEnd type="none" w="med" len="med"/>
+            <a:tailEnd type="none" w="med" len="med"/>
+          </a:ln>
+        </p:spPr>
+      </p:sp>
+      <p:sp>
+        <p:nvSpPr>
+          <p:cNvPr id="118" name="Shape 118"/>
+          <p:cNvSpPr txBox="1">
+            <a:spLocks noGrp="1"/>
+          </p:cNvSpPr>
+          <p:nvPr>
+            <p:ph type="body" idx="1"/>
+          </p:nvPr>
+        </p:nvSpPr>
+        <p:spPr>
+          <a:xfrm>
+            <a:off x="685800" y="4400550"/>
+            <a:ext cx="5486399" cy="3600599"/>
+          </a:xfrm>
+          <a:prstGeom prst="rect">
+            <a:avLst/>
+          </a:prstGeom>
+        </p:spPr>
+        <p:txBody>
+          <a:bodyPr lIns="91425" tIns="91425" rIns="91425" bIns="91425" anchor="t" anchorCtr="0">
+            <a:noAutofit/>
+          </a:bodyPr>
+          <a:lstStyle/>
+          <a:p>
+            <a:pPr>
+              <a:spcBef>
+                <a:spcPts val="0"/>
+              </a:spcBef>
+              <a:buNone/>
+            </a:pPr>
+            <a:endParaRPr/>
+          </a:p>
+        </p:txBody>
+      </p:sp>
+    </p:spTree>
+    <p:extLst>
+      <p:ext uri="{BB962C8B-B14F-4D97-AF65-F5344CB8AC3E}">
+        <p14:creationId xmlns:p14="http://schemas.microsoft.com/office/powerpoint/2010/main" val="2188622615"/>
+      </p:ext>
+    </p:extLst>
+  </p:cSld>
+  <p:clrMapOvr>
+    <a:masterClrMapping/>
+  </p:clrMapOvr>
+</p:notes>
+</file>
+
+<file path=ppt/notesSlides/notesSlide6.xml><?xml version="1.0" encoding="utf-8"?>
+<p:notes xmlns:a="http://schemas.openxmlformats.org/drawingml/2006/main" xmlns:r="http://schemas.openxmlformats.org/officeDocument/2006/relationships" xmlns:p="http://schemas.openxmlformats.org/presentationml/2006/main" showMasterSp="0" showMasterPhAnim="0">
+  <p:cSld>
+    <p:spTree>
+      <p:nvGrpSpPr>
+        <p:cNvPr id="1" name="Shape 122"/>
+        <p:cNvGrpSpPr/>
+        <p:nvPr/>
+      </p:nvGrpSpPr>
+      <p:grpSpPr>
+        <a:xfrm>
+          <a:off x="0" y="0"/>
+          <a:ext cx="0" cy="0"/>
+          <a:chOff x="0" y="0"/>
+          <a:chExt cx="0" cy="0"/>
+        </a:xfrm>
+      </p:grpSpPr>
+      <p:sp>
+        <p:nvSpPr>
+          <p:cNvPr id="123" name="Shape 123"/>
+          <p:cNvSpPr txBox="1">
+            <a:spLocks noGrp="1"/>
+          </p:cNvSpPr>
+          <p:nvPr>
+            <p:ph type="body" idx="1"/>
+          </p:nvPr>
+        </p:nvSpPr>
+        <p:spPr>
+          <a:xfrm>
+            <a:off x="685800" y="4400550"/>
+            <a:ext cx="5486399" cy="3600450"/>
+          </a:xfrm>
+          <a:prstGeom prst="rect">
+            <a:avLst/>
+          </a:prstGeom>
+        </p:spPr>
+        <p:txBody>
+          <a:bodyPr lIns="91425" tIns="91425" rIns="91425" bIns="91425" anchor="t" anchorCtr="0">
+            <a:noAutofit/>
+          </a:bodyPr>
+          <a:lstStyle/>
+          <a:p>
+            <a:pPr>
+              <a:spcBef>
+                <a:spcPts val="0"/>
+              </a:spcBef>
+              <a:buNone/>
+            </a:pPr>
+            <a:endParaRPr/>
+          </a:p>
+        </p:txBody>
+      </p:sp>
+      <p:sp>
+        <p:nvSpPr>
+          <p:cNvPr id="124" name="Shape 124"/>
+          <p:cNvSpPr>
+            <a:spLocks noGrp="1" noRot="1" noChangeAspect="1"/>
+          </p:cNvSpPr>
+          <p:nvPr>
+            <p:ph type="sldImg" idx="2"/>
+          </p:nvPr>
+        </p:nvSpPr>
+        <p:spPr>
+          <a:xfrm>
+            <a:off x="685800" y="1143000"/>
+            <a:ext cx="5486400" cy="3086100"/>
+          </a:xfrm>
+          <a:custGeom>
+            <a:avLst/>
+            <a:gdLst/>
+            <a:ahLst/>
+            <a:cxnLst/>
+            <a:rect l="0" t="0" r="0" b="0"/>
+            <a:pathLst>
+              <a:path w="120000" h="120000" extrusionOk="0">
+                <a:moveTo>
+                  <a:pt x="0" y="0"/>
+                </a:moveTo>
+                <a:lnTo>
+                  <a:pt x="120000" y="0"/>
+                </a:lnTo>
+                <a:lnTo>
+                  <a:pt x="120000" y="120000"/>
+                </a:lnTo>
+                <a:lnTo>
+                  <a:pt x="0" y="120000"/>
+                </a:lnTo>
+                <a:close/>
+              </a:path>
+            </a:pathLst>
+          </a:custGeom>
+          <a:noFill/>
+          <a:ln w="9525" cap="flat">
+            <a:solidFill>
+              <a:srgbClr val="000000"/>
+            </a:solidFill>
+            <a:prstDash val="solid"/>
+            <a:round/>
+            <a:headEnd type="none" w="med" len="med"/>
+            <a:tailEnd type="none" w="med" len="med"/>
+          </a:ln>
+        </p:spPr>
+      </p:sp>
     </p:spTree>
     <p:extLst>
       <p:ext uri="{BB962C8B-B14F-4D97-AF65-F5344CB8AC3E}">
@@ -1892,7 +2130,7 @@
 </p:notes>
 </file>
 
-<file path=ppt/notesSlides/notesSlide6.xml><?xml version="1.0" encoding="utf-8"?>
+<file path=ppt/notesSlides/notesSlide7.xml><?xml version="1.0" encoding="utf-8"?>
 <p:notes xmlns:a="http://schemas.openxmlformats.org/drawingml/2006/main" xmlns:r="http://schemas.openxmlformats.org/officeDocument/2006/relationships" xmlns:p="http://schemas.openxmlformats.org/presentationml/2006/main" showMasterSp="0" showMasterPhAnim="0">
   <p:cSld>
     <p:spTree>
@@ -2063,7 +2301,7 @@
 </p:notes>
 </file>
 
-<file path=ppt/notesSlides/notesSlide7.xml><?xml version="1.0" encoding="utf-8"?>
+<file path=ppt/notesSlides/notesSlide8.xml><?xml version="1.0" encoding="utf-8"?>
 <p:notes xmlns:a="http://schemas.openxmlformats.org/drawingml/2006/main" xmlns:r="http://schemas.openxmlformats.org/officeDocument/2006/relationships" xmlns:p="http://schemas.openxmlformats.org/presentationml/2006/main" showMasterSp="0" showMasterPhAnim="0">
   <p:cSld>
     <p:spTree>
@@ -2179,7 +2417,7 @@
 </p:notes>
 </file>
 
-<file path=ppt/notesSlides/notesSlide8.xml><?xml version="1.0" encoding="utf-8"?>
+<file path=ppt/notesSlides/notesSlide9.xml><?xml version="1.0" encoding="utf-8"?>
 <p:notes xmlns:a="http://schemas.openxmlformats.org/drawingml/2006/main" xmlns:r="http://schemas.openxmlformats.org/officeDocument/2006/relationships" xmlns:p="http://schemas.openxmlformats.org/presentationml/2006/main" showMasterSp="0" showMasterPhAnim="0">
   <p:cSld>
     <p:spTree>
@@ -2286,122 +2524,6 @@
     <p:extLst>
       <p:ext uri="{BB962C8B-B14F-4D97-AF65-F5344CB8AC3E}">
         <p14:creationId xmlns:p14="http://schemas.microsoft.com/office/powerpoint/2010/main" val="1919328671"/>
-      </p:ext>
-    </p:extLst>
-  </p:cSld>
-  <p:clrMapOvr>
-    <a:masterClrMapping/>
-  </p:clrMapOvr>
-</p:notes>
-</file>
-
-<file path=ppt/notesSlides/notesSlide9.xml><?xml version="1.0" encoding="utf-8"?>
-<p:notes xmlns:a="http://schemas.openxmlformats.org/drawingml/2006/main" xmlns:r="http://schemas.openxmlformats.org/officeDocument/2006/relationships" xmlns:p="http://schemas.openxmlformats.org/presentationml/2006/main" showMasterSp="0" showMasterPhAnim="0">
-  <p:cSld>
-    <p:spTree>
-      <p:nvGrpSpPr>
-        <p:cNvPr id="1" name="Shape 147"/>
-        <p:cNvGrpSpPr/>
-        <p:nvPr/>
-      </p:nvGrpSpPr>
-      <p:grpSpPr>
-        <a:xfrm>
-          <a:off x="0" y="0"/>
-          <a:ext cx="0" cy="0"/>
-          <a:chOff x="0" y="0"/>
-          <a:chExt cx="0" cy="0"/>
-        </a:xfrm>
-      </p:grpSpPr>
-      <p:sp>
-        <p:nvSpPr>
-          <p:cNvPr id="148" name="Shape 148"/>
-          <p:cNvSpPr txBox="1">
-            <a:spLocks noGrp="1"/>
-          </p:cNvSpPr>
-          <p:nvPr>
-            <p:ph type="body" idx="1"/>
-          </p:nvPr>
-        </p:nvSpPr>
-        <p:spPr>
-          <a:xfrm>
-            <a:off x="685800" y="4400550"/>
-            <a:ext cx="5486399" cy="3600450"/>
-          </a:xfrm>
-          <a:prstGeom prst="rect">
-            <a:avLst/>
-          </a:prstGeom>
-        </p:spPr>
-        <p:txBody>
-          <a:bodyPr lIns="91425" tIns="91425" rIns="91425" bIns="91425" anchor="t" anchorCtr="0">
-            <a:noAutofit/>
-          </a:bodyPr>
-          <a:lstStyle/>
-          <a:p>
-            <a:pPr>
-              <a:spcBef>
-                <a:spcPts val="0"/>
-              </a:spcBef>
-              <a:buNone/>
-            </a:pPr>
-            <a:endParaRPr/>
-          </a:p>
-        </p:txBody>
-      </p:sp>
-      <p:sp>
-        <p:nvSpPr>
-          <p:cNvPr id="149" name="Shape 149"/>
-          <p:cNvSpPr>
-            <a:spLocks noGrp="1" noRot="1" noChangeAspect="1"/>
-          </p:cNvSpPr>
-          <p:nvPr>
-            <p:ph type="sldImg" idx="2"/>
-          </p:nvPr>
-        </p:nvSpPr>
-        <p:spPr>
-          <a:xfrm>
-            <a:off x="685800" y="1143000"/>
-            <a:ext cx="5486400" cy="3086100"/>
-          </a:xfrm>
-          <a:custGeom>
-            <a:avLst/>
-            <a:gdLst/>
-            <a:ahLst/>
-            <a:cxnLst/>
-            <a:rect l="0" t="0" r="0" b="0"/>
-            <a:pathLst>
-              <a:path w="120000" h="120000" extrusionOk="0">
-                <a:moveTo>
-                  <a:pt x="0" y="0"/>
-                </a:moveTo>
-                <a:lnTo>
-                  <a:pt x="120000" y="0"/>
-                </a:lnTo>
-                <a:lnTo>
-                  <a:pt x="120000" y="120000"/>
-                </a:lnTo>
-                <a:lnTo>
-                  <a:pt x="0" y="120000"/>
-                </a:lnTo>
-                <a:close/>
-              </a:path>
-            </a:pathLst>
-          </a:custGeom>
-          <a:noFill/>
-          <a:ln w="9525" cap="flat">
-            <a:solidFill>
-              <a:srgbClr val="000000"/>
-            </a:solidFill>
-            <a:prstDash val="solid"/>
-            <a:round/>
-            <a:headEnd type="none" w="med" len="med"/>
-            <a:tailEnd type="none" w="med" len="med"/>
-          </a:ln>
-        </p:spPr>
-      </p:sp>
-    </p:spTree>
-    <p:extLst>
-      <p:ext uri="{BB962C8B-B14F-4D97-AF65-F5344CB8AC3E}">
-        <p14:creationId xmlns:p14="http://schemas.microsoft.com/office/powerpoint/2010/main" val="2104852361"/>
       </p:ext>
     </p:extLst>
   </p:cSld>
@@ -8411,10 +8533,200 @@
   <p:transition spd="slow">
     <p:cut/>
   </p:transition>
+  <p:timing>
+    <p:tnLst>
+      <p:par>
+        <p:cTn id="1" dur="indefinite" restart="never" nodeType="tmRoot"/>
+      </p:par>
+    </p:tnLst>
+  </p:timing>
 </p:sld>
 </file>
 
 <file path=ppt/slides/slide10.xml><?xml version="1.0" encoding="utf-8"?>
+<p:sld xmlns:a="http://schemas.openxmlformats.org/drawingml/2006/main" xmlns:r="http://schemas.openxmlformats.org/officeDocument/2006/relationships" xmlns:p="http://schemas.openxmlformats.org/presentationml/2006/main">
+  <p:cSld>
+    <p:spTree>
+      <p:nvGrpSpPr>
+        <p:cNvPr id="1" name="Shape 144"/>
+        <p:cNvGrpSpPr/>
+        <p:nvPr/>
+      </p:nvGrpSpPr>
+      <p:grpSpPr>
+        <a:xfrm>
+          <a:off x="0" y="0"/>
+          <a:ext cx="0" cy="0"/>
+          <a:chOff x="0" y="0"/>
+          <a:chExt cx="0" cy="0"/>
+        </a:xfrm>
+      </p:grpSpPr>
+      <p:sp>
+        <p:nvSpPr>
+          <p:cNvPr id="145" name="Shape 145"/>
+          <p:cNvSpPr txBox="1">
+            <a:spLocks noGrp="1"/>
+          </p:cNvSpPr>
+          <p:nvPr>
+            <p:ph type="title"/>
+          </p:nvPr>
+        </p:nvSpPr>
+        <p:spPr>
+          <a:prstGeom prst="rect">
+            <a:avLst/>
+          </a:prstGeom>
+          <a:noFill/>
+          <a:ln>
+            <a:noFill/>
+          </a:ln>
+        </p:spPr>
+        <p:txBody>
+          <a:bodyPr lIns="91425" tIns="45700" rIns="91425" bIns="45700" anchor="ctr" anchorCtr="0">
+            <a:noAutofit/>
+          </a:bodyPr>
+          <a:lstStyle/>
+          <a:p>
+            <a:pPr marL="0" marR="0" lvl="0" indent="0" algn="l" rtl="0">
+              <a:lnSpc>
+                <a:spcPct val="90000"/>
+              </a:lnSpc>
+              <a:spcBef>
+                <a:spcPts val="0"/>
+              </a:spcBef>
+              <a:buClr>
+                <a:schemeClr val="dk1"/>
+              </a:buClr>
+              <a:buSzPct val="25000"/>
+              <a:buFont typeface="Calibri"/>
+              <a:buNone/>
+            </a:pPr>
+            <a:r>
+              <a:rPr lang="pt-BR" sz="4400">
+                <a:solidFill>
+                  <a:schemeClr val="dk1"/>
+                </a:solidFill>
+                <a:latin typeface="Calibri"/>
+                <a:ea typeface="Calibri"/>
+                <a:cs typeface="Calibri"/>
+                <a:sym typeface="Calibri"/>
+              </a:rPr>
+              <a:t>6</a:t>
+            </a:r>
+            <a:r>
+              <a:rPr lang="pt-BR" sz="4400" b="0" i="0" u="none" strike="noStrike" cap="none" baseline="0">
+                <a:solidFill>
+                  <a:schemeClr val="dk1"/>
+                </a:solidFill>
+                <a:latin typeface="Calibri"/>
+                <a:ea typeface="Calibri"/>
+                <a:cs typeface="Calibri"/>
+                <a:sym typeface="Calibri"/>
+              </a:rPr>
+              <a:t>. Referencial Teórico</a:t>
+            </a:r>
+          </a:p>
+        </p:txBody>
+      </p:sp>
+      <p:sp>
+        <p:nvSpPr>
+          <p:cNvPr id="146" name="Shape 146"/>
+          <p:cNvSpPr txBox="1">
+            <a:spLocks noGrp="1"/>
+          </p:cNvSpPr>
+          <p:nvPr>
+            <p:ph idx="1"/>
+          </p:nvPr>
+        </p:nvSpPr>
+        <p:spPr>
+          <a:prstGeom prst="rect">
+            <a:avLst/>
+          </a:prstGeom>
+          <a:noFill/>
+          <a:ln>
+            <a:noFill/>
+          </a:ln>
+        </p:spPr>
+        <p:txBody>
+          <a:bodyPr lIns="91425" tIns="45700" rIns="91425" bIns="45700" anchor="t" anchorCtr="0">
+            <a:noAutofit/>
+          </a:bodyPr>
+          <a:lstStyle/>
+          <a:p>
+            <a:pPr marL="228600" marR="0" lvl="0" indent="-228600" algn="l" rtl="0">
+              <a:lnSpc>
+                <a:spcPct val="90000"/>
+              </a:lnSpc>
+              <a:spcBef>
+                <a:spcPts val="0"/>
+              </a:spcBef>
+              <a:buClr>
+                <a:schemeClr val="dk1"/>
+              </a:buClr>
+              <a:buSzPct val="100000"/>
+              <a:buFont typeface="Calibri"/>
+              <a:buChar char="•"/>
+            </a:pPr>
+            <a:r>
+              <a:rPr lang="pt-BR" sz="3600" b="0" i="0" u="none" strike="noStrike" cap="none" baseline="0" dirty="0">
+                <a:latin typeface="Calibri"/>
+                <a:ea typeface="Calibri"/>
+                <a:cs typeface="Calibri"/>
+                <a:sym typeface="Calibri"/>
+              </a:rPr>
+              <a:t>Desenvolvimento Multiplataforma</a:t>
+            </a:r>
+          </a:p>
+          <a:p>
+            <a:pPr marL="228600" marR="0" lvl="0" indent="-228600" algn="l" rtl="0">
+              <a:lnSpc>
+                <a:spcPct val="90000"/>
+              </a:lnSpc>
+              <a:spcBef>
+                <a:spcPts val="1000"/>
+              </a:spcBef>
+              <a:buClr>
+                <a:schemeClr val="dk1"/>
+              </a:buClr>
+              <a:buSzPct val="100000"/>
+              <a:buFont typeface="Calibri"/>
+              <a:buChar char="•"/>
+            </a:pPr>
+            <a:r>
+              <a:rPr lang="pt-BR" sz="3600" b="0" i="0" u="none" strike="noStrike" cap="none" baseline="0" dirty="0" err="1">
+                <a:latin typeface="Calibri"/>
+                <a:ea typeface="Calibri"/>
+                <a:cs typeface="Calibri"/>
+                <a:sym typeface="Calibri"/>
+              </a:rPr>
+              <a:t>Qt</a:t>
+            </a:r>
+            <a:endParaRPr lang="pt-BR" sz="3600" b="0" i="0" u="none" strike="noStrike" cap="none" baseline="0" dirty="0">
+              <a:latin typeface="Calibri"/>
+              <a:ea typeface="Calibri"/>
+              <a:cs typeface="Calibri"/>
+              <a:sym typeface="Calibri"/>
+            </a:endParaRPr>
+          </a:p>
+        </p:txBody>
+      </p:sp>
+    </p:spTree>
+  </p:cSld>
+  <p:clrMapOvr>
+    <a:masterClrMapping/>
+  </p:clrMapOvr>
+  <p:transition spd="slow">
+    <p:cut/>
+  </p:transition>
+  <p:timing>
+    <p:tnLst>
+      <p:par>
+        <p:cTn id="1" dur="indefinite" restart="never" nodeType="tmRoot"/>
+      </p:par>
+    </p:tnLst>
+  </p:timing>
+</p:sld>
+</file>
+
+<file path=ppt/slides/slide11.xml><?xml version="1.0" encoding="utf-8"?>
 <p:sld xmlns:a="http://schemas.openxmlformats.org/drawingml/2006/main" xmlns:r="http://schemas.openxmlformats.org/officeDocument/2006/relationships" xmlns:p="http://schemas.openxmlformats.org/presentationml/2006/main">
   <p:cSld>
     <p:spTree>
@@ -8729,10 +9041,17 @@
   <p:transition spd="slow">
     <p:cut/>
   </p:transition>
+  <p:timing>
+    <p:tnLst>
+      <p:par>
+        <p:cTn id="1" dur="indefinite" restart="never" nodeType="tmRoot"/>
+      </p:par>
+    </p:tnLst>
+  </p:timing>
 </p:sld>
 </file>
 
-<file path=ppt/slides/slide11.xml><?xml version="1.0" encoding="utf-8"?>
+<file path=ppt/slides/slide12.xml><?xml version="1.0" encoding="utf-8"?>
 <p:sld xmlns:a="http://schemas.openxmlformats.org/drawingml/2006/main" xmlns:r="http://schemas.openxmlformats.org/officeDocument/2006/relationships" xmlns:p="http://schemas.openxmlformats.org/presentationml/2006/main">
   <p:cSld>
     <p:spTree>
@@ -9023,7 +9342,43 @@
                 <a:cs typeface="Calibri"/>
                 <a:sym typeface="Calibri"/>
               </a:rPr>
-              <a:t>de plataforma engloba os principais S. O. para </a:t>
+              <a:t>de </a:t>
+            </a:r>
+            <a:r>
+              <a:rPr lang="pt-BR" sz="2800" dirty="0" smtClean="0">
+                <a:latin typeface="Calibri"/>
+                <a:ea typeface="Calibri"/>
+                <a:cs typeface="Calibri"/>
+                <a:sym typeface="Calibri"/>
+              </a:rPr>
+              <a:t>plataformas </a:t>
+            </a:r>
+            <a:r>
+              <a:rPr lang="pt-BR" sz="2800" dirty="0">
+                <a:latin typeface="Calibri"/>
+                <a:ea typeface="Calibri"/>
+                <a:cs typeface="Calibri"/>
+                <a:sym typeface="Calibri"/>
+              </a:rPr>
+              <a:t>engloba os principais </a:t>
+            </a:r>
+            <a:r>
+              <a:rPr lang="pt-BR" sz="2800" dirty="0" smtClean="0">
+                <a:latin typeface="Calibri"/>
+                <a:ea typeface="Calibri"/>
+                <a:cs typeface="Calibri"/>
+                <a:sym typeface="Calibri"/>
+              </a:rPr>
+              <a:t>  S</a:t>
+            </a:r>
+            <a:r>
+              <a:rPr lang="pt-BR" sz="2800" dirty="0">
+                <a:latin typeface="Calibri"/>
+                <a:ea typeface="Calibri"/>
+                <a:cs typeface="Calibri"/>
+                <a:sym typeface="Calibri"/>
+              </a:rPr>
+              <a:t>. O. para </a:t>
             </a:r>
             <a:r>
               <a:rPr lang="pt-BR" sz="2800" i="1" dirty="0">
@@ -9072,10 +9427,17 @@
   <p:transition spd="slow">
     <p:cut/>
   </p:transition>
+  <p:timing>
+    <p:tnLst>
+      <p:par>
+        <p:cTn id="1" dur="indefinite" restart="never" nodeType="tmRoot"/>
+      </p:par>
+    </p:tnLst>
+  </p:timing>
 </p:sld>
 </file>
 
-<file path=ppt/slides/slide12.xml><?xml version="1.0" encoding="utf-8"?>
+<file path=ppt/slides/slide13.xml><?xml version="1.0" encoding="utf-8"?>
 <p:sld xmlns:a="http://schemas.openxmlformats.org/drawingml/2006/main" xmlns:r="http://schemas.openxmlformats.org/officeDocument/2006/relationships" xmlns:p="http://schemas.openxmlformats.org/presentationml/2006/main">
   <p:cSld>
     <p:spTree>
@@ -9170,8 +9532,8 @@
         </p:nvSpPr>
         <p:spPr>
           <a:xfrm>
-            <a:off x="838200" y="1825625"/>
-            <a:ext cx="5131800" cy="4827600"/>
+            <a:off x="838200" y="1908753"/>
+            <a:ext cx="5131800" cy="4336184"/>
           </a:xfrm>
           <a:prstGeom prst="rect">
             <a:avLst/>
@@ -9231,26 +9593,15 @@
               </a:spcAft>
               <a:buNone/>
             </a:pPr>
-            <a:endParaRPr sz="2800" dirty="0">
-              <a:latin typeface="Calibri"/>
-              <a:ea typeface="Calibri"/>
-              <a:cs typeface="Calibri"/>
-              <a:sym typeface="Calibri"/>
-            </a:endParaRPr>
-          </a:p>
-          <a:p>
-            <a:pPr marL="0" marR="0" lvl="0" indent="0" algn="l" rtl="0">
-              <a:lnSpc>
-                <a:spcPct val="90000"/>
-              </a:lnSpc>
-              <a:spcBef>
-                <a:spcPts val="1000"/>
-              </a:spcBef>
-              <a:spcAft>
-                <a:spcPts val="0"/>
-              </a:spcAft>
-              <a:buNone/>
-            </a:pPr>
+            <a:r>
+              <a:rPr lang="pt-BR" sz="2800" dirty="0" smtClean="0">
+                <a:latin typeface="Calibri"/>
+                <a:ea typeface="Calibri"/>
+                <a:cs typeface="Calibri"/>
+                <a:sym typeface="Calibri"/>
+              </a:rPr>
+              <a:t>Criado </a:t>
+            </a:r>
             <a:r>
               <a:rPr lang="pt-BR" sz="2800" dirty="0">
                 <a:latin typeface="Calibri"/>
@@ -9258,7 +9609,7 @@
                 <a:cs typeface="Calibri"/>
                 <a:sym typeface="Calibri"/>
               </a:rPr>
-              <a:t>Criado em 1991, é um </a:t>
+              <a:t>em 1991, é um </a:t>
             </a:r>
             <a:r>
               <a:rPr lang="pt-BR" sz="2800" i="1" dirty="0">
@@ -9367,13 +9718,19 @@
       </p:sp>
       <p:pic>
         <p:nvPicPr>
-          <p:cNvPr id="166" name="Shape 166"/>
-          <p:cNvPicPr preferRelativeResize="0"/>
+          <p:cNvPr id="2" name="Imagem 1"/>
+          <p:cNvPicPr>
+            <a:picLocks noChangeAspect="1"/>
+          </p:cNvPicPr>
           <p:nvPr/>
         </p:nvPicPr>
         <p:blipFill>
           <a:blip r:embed="rId3">
-            <a:alphaModFix/>
+            <a:extLst>
+              <a:ext uri="{28A0092B-C50C-407E-A947-70E740481C1C}">
+                <a14:useLocalDpi xmlns:a14="http://schemas.microsoft.com/office/drawing/2010/main" val="0"/>
+              </a:ext>
+            </a:extLst>
           </a:blip>
           <a:stretch>
             <a:fillRect/>
@@ -9381,16 +9738,12 @@
         </p:blipFill>
         <p:spPr>
           <a:xfrm>
-            <a:off x="6159400" y="2941875"/>
-            <a:ext cx="5194400" cy="2595100"/>
+            <a:off x="7219638" y="1908753"/>
+            <a:ext cx="2831196" cy="3799464"/>
           </a:xfrm>
           <a:prstGeom prst="rect">
             <a:avLst/>
           </a:prstGeom>
-          <a:noFill/>
-          <a:ln>
-            <a:noFill/>
-          </a:ln>
         </p:spPr>
       </p:pic>
     </p:spTree>
@@ -9401,10 +9754,17 @@
   <p:transition spd="slow">
     <p:cut/>
   </p:transition>
+  <p:timing>
+    <p:tnLst>
+      <p:par>
+        <p:cTn id="1" dur="indefinite" restart="never" nodeType="tmRoot"/>
+      </p:par>
+    </p:tnLst>
+  </p:timing>
 </p:sld>
 </file>
 
-<file path=ppt/slides/slide13.xml><?xml version="1.0" encoding="utf-8"?>
+<file path=ppt/slides/slide14.xml><?xml version="1.0" encoding="utf-8"?>
 <p:sld xmlns:a="http://schemas.openxmlformats.org/drawingml/2006/main" xmlns:r="http://schemas.openxmlformats.org/officeDocument/2006/relationships" xmlns:p="http://schemas.openxmlformats.org/presentationml/2006/main">
   <p:cSld>
     <p:spTree>
@@ -9900,10 +10260,17 @@
   <p:transition spd="slow">
     <p:cut/>
   </p:transition>
+  <p:timing>
+    <p:tnLst>
+      <p:par>
+        <p:cTn id="1" dur="indefinite" restart="never" nodeType="tmRoot"/>
+      </p:par>
+    </p:tnLst>
+  </p:timing>
 </p:sld>
 </file>
 
-<file path=ppt/slides/slide14.xml><?xml version="1.0" encoding="utf-8"?>
+<file path=ppt/slides/slide15.xml><?xml version="1.0" encoding="utf-8"?>
 <p:sld xmlns:a="http://schemas.openxmlformats.org/drawingml/2006/main" xmlns:r="http://schemas.openxmlformats.org/officeDocument/2006/relationships" xmlns:p="http://schemas.openxmlformats.org/presentationml/2006/main">
   <p:cSld>
     <p:spTree>
@@ -9947,8 +10314,41 @@
                 </a:solidFill>
                 <a:latin typeface="Calibri" panose="020F0502020204030204" pitchFamily="34" charset="0"/>
               </a:rPr>
-              <a:t>7. Estado atual do projeto</a:t>
-            </a:r>
+              <a:t>7. Estado </a:t>
+            </a:r>
+            <a:r>
+              <a:rPr lang="pt-BR" sz="4400" dirty="0" smtClean="0">
+                <a:solidFill>
+                  <a:schemeClr val="bg1"/>
+                </a:solidFill>
+                <a:latin typeface="Calibri" panose="020F0502020204030204" pitchFamily="34" charset="0"/>
+              </a:rPr>
+              <a:t>Atual </a:t>
+            </a:r>
+            <a:r>
+              <a:rPr lang="pt-BR" sz="4400" dirty="0">
+                <a:solidFill>
+                  <a:schemeClr val="bg1"/>
+                </a:solidFill>
+                <a:latin typeface="Calibri" panose="020F0502020204030204" pitchFamily="34" charset="0"/>
+              </a:rPr>
+              <a:t>do </a:t>
+            </a:r>
+            <a:r>
+              <a:rPr lang="pt-BR" sz="4400" dirty="0" smtClean="0">
+                <a:solidFill>
+                  <a:schemeClr val="bg1"/>
+                </a:solidFill>
+                <a:latin typeface="Calibri" panose="020F0502020204030204" pitchFamily="34" charset="0"/>
+              </a:rPr>
+              <a:t>Projeto</a:t>
+            </a:r>
+            <a:endParaRPr lang="pt-BR" sz="4400" dirty="0">
+              <a:solidFill>
+                <a:schemeClr val="bg1"/>
+              </a:solidFill>
+              <a:latin typeface="Calibri" panose="020F0502020204030204" pitchFamily="34" charset="0"/>
+            </a:endParaRPr>
           </a:p>
         </p:txBody>
       </p:sp>
@@ -9965,7 +10365,7 @@
         <p:spPr/>
         <p:txBody>
           <a:bodyPr>
-            <a:normAutofit/>
+            <a:normAutofit fontScale="92500"/>
           </a:bodyPr>
           <a:lstStyle/>
           <a:p>
@@ -9981,31 +10381,13 @@
               <a:buChar char="•"/>
             </a:pPr>
             <a:r>
-              <a:rPr lang="pt-BR" sz="2800" dirty="0">
-                <a:latin typeface="Calibri"/>
-                <a:ea typeface="Calibri"/>
-                <a:cs typeface="Calibri"/>
-                <a:sym typeface="Calibri"/>
-              </a:rPr>
-              <a:t>Atualmente, o projeto de pesquisa possui o </a:t>
-            </a:r>
-            <a:r>
               <a:rPr lang="pt-BR" sz="2800" dirty="0" smtClean="0">
                 <a:latin typeface="Calibri"/>
                 <a:ea typeface="Calibri"/>
                 <a:cs typeface="Calibri"/>
                 <a:sym typeface="Calibri"/>
               </a:rPr>
-              <a:t>capítulo </a:t>
-            </a:r>
-            <a:r>
-              <a:rPr lang="pt-BR" sz="2800" dirty="0">
-                <a:latin typeface="Calibri"/>
-                <a:ea typeface="Calibri"/>
-                <a:cs typeface="Calibri"/>
-                <a:sym typeface="Calibri"/>
-              </a:rPr>
-              <a:t>1 (Introdução) </a:t>
+              <a:t>Capítulo introdutório completo, poré</a:t>
             </a:r>
             <a:r>
               <a:rPr lang="pt-BR" sz="2800" dirty="0" smtClean="0">
@@ -10014,7 +10396,7 @@
                 <a:cs typeface="Calibri"/>
                 <a:sym typeface="Calibri"/>
               </a:rPr>
-              <a:t>completo.</a:t>
+              <a:t>m sujeito à alterações caso necessário.</a:t>
             </a:r>
           </a:p>
           <a:p>
@@ -10036,25 +10418,7 @@
                 <a:cs typeface="Calibri"/>
                 <a:sym typeface="Calibri"/>
               </a:rPr>
-              <a:t>O </a:t>
-            </a:r>
-            <a:r>
-              <a:rPr lang="pt-BR" sz="2800" dirty="0">
-                <a:latin typeface="Calibri"/>
-                <a:ea typeface="Calibri"/>
-                <a:cs typeface="Calibri"/>
-                <a:sym typeface="Calibri"/>
-              </a:rPr>
-              <a:t>capítulo 2 (Tecnologia Utilizada) está em </a:t>
-            </a:r>
-            <a:r>
-              <a:rPr lang="pt-BR" sz="2800" dirty="0" smtClean="0">
-                <a:latin typeface="Calibri"/>
-                <a:ea typeface="Calibri"/>
-                <a:cs typeface="Calibri"/>
-                <a:sym typeface="Calibri"/>
-              </a:rPr>
-              <a:t>desenvolvimento.</a:t>
+              <a:t>Coleta e análise de material de pesquisa em andamento, assim como o desenvolvimento dos capítulos da monografia relacionados.</a:t>
             </a:r>
           </a:p>
           <a:p>
@@ -10076,16 +10440,16 @@
                 <a:cs typeface="Calibri"/>
                 <a:sym typeface="Calibri"/>
               </a:rPr>
-              <a:t>A </a:t>
-            </a:r>
-            <a:r>
-              <a:rPr lang="pt-BR" sz="2800" dirty="0">
-                <a:latin typeface="Calibri"/>
-                <a:ea typeface="Calibri"/>
-                <a:cs typeface="Calibri"/>
-                <a:sym typeface="Calibri"/>
-              </a:rPr>
-              <a:t>coleta e seleção de referências para a escrita do capítulo 3 </a:t>
+              <a:t>Estudo sobre desenvolvimento na plataforma </a:t>
+            </a:r>
+            <a:r>
+              <a:rPr lang="pt-BR" sz="2800" dirty="0" err="1" smtClean="0">
+                <a:latin typeface="Calibri"/>
+                <a:ea typeface="Calibri"/>
+                <a:cs typeface="Calibri"/>
+                <a:sym typeface="Calibri"/>
+              </a:rPr>
+              <a:t>Qt</a:t>
             </a:r>
             <a:r>
               <a:rPr lang="pt-BR" sz="2800" dirty="0" smtClean="0">
@@ -10094,43 +10458,7 @@
                 <a:cs typeface="Calibri"/>
                 <a:sym typeface="Calibri"/>
               </a:rPr>
-              <a:t>(Alternativas ao </a:t>
-            </a:r>
-            <a:r>
-              <a:rPr lang="pt-BR" sz="2800" dirty="0" err="1" smtClean="0">
-                <a:latin typeface="Calibri"/>
-                <a:ea typeface="Calibri"/>
-                <a:cs typeface="Calibri"/>
-                <a:sym typeface="Calibri"/>
-              </a:rPr>
-              <a:t>Qt</a:t>
-            </a:r>
-            <a:r>
-              <a:rPr lang="pt-BR" sz="2800" dirty="0" smtClean="0">
-                <a:latin typeface="Calibri"/>
-                <a:ea typeface="Calibri"/>
-                <a:cs typeface="Calibri"/>
-                <a:sym typeface="Calibri"/>
-              </a:rPr>
-              <a:t>) está </a:t>
-            </a:r>
-            <a:r>
-              <a:rPr lang="pt-BR" sz="2800" dirty="0">
-                <a:latin typeface="Calibri"/>
-                <a:ea typeface="Calibri"/>
-                <a:cs typeface="Calibri"/>
-                <a:sym typeface="Calibri"/>
-              </a:rPr>
-              <a:t>em </a:t>
-            </a:r>
-            <a:r>
-              <a:rPr lang="pt-BR" sz="2800" dirty="0" smtClean="0">
-                <a:latin typeface="Calibri"/>
-                <a:ea typeface="Calibri"/>
-                <a:cs typeface="Calibri"/>
-                <a:sym typeface="Calibri"/>
-              </a:rPr>
-              <a:t>andamento.</a:t>
+              <a:t> iniciados.</a:t>
             </a:r>
           </a:p>
           <a:p>
@@ -10152,41 +10480,30 @@
                 <a:cs typeface="Calibri"/>
                 <a:sym typeface="Calibri"/>
               </a:rPr>
-              <a:t>Estudos </a:t>
-            </a:r>
-            <a:r>
-              <a:rPr lang="pt-BR" sz="2800" dirty="0">
-                <a:latin typeface="Calibri"/>
-                <a:ea typeface="Calibri"/>
-                <a:cs typeface="Calibri"/>
-                <a:sym typeface="Calibri"/>
-              </a:rPr>
-              <a:t>sobre desenvolvimento na plataforma </a:t>
-            </a:r>
-            <a:r>
-              <a:rPr lang="pt-BR" sz="2800" dirty="0" err="1">
-                <a:latin typeface="Calibri"/>
-                <a:ea typeface="Calibri"/>
-                <a:cs typeface="Calibri"/>
-                <a:sym typeface="Calibri"/>
-              </a:rPr>
-              <a:t>Qt</a:t>
-            </a:r>
-            <a:r>
-              <a:rPr lang="pt-BR" sz="2800" dirty="0">
-                <a:latin typeface="Calibri"/>
-                <a:ea typeface="Calibri"/>
-                <a:cs typeface="Calibri"/>
-                <a:sym typeface="Calibri"/>
-              </a:rPr>
-              <a:t> iniciados, através de documentação própria dos mantenedores.</a:t>
-            </a:r>
-            <a:endParaRPr lang="pt-BR" sz="2800" dirty="0">
-              <a:latin typeface="Calibri"/>
-              <a:ea typeface="Calibri"/>
-              <a:cs typeface="Calibri"/>
-              <a:sym typeface="Calibri"/>
-            </a:endParaRPr>
+              <a:t>Estudo de caso em fase inicial, porém sem documentação.</a:t>
+            </a:r>
+          </a:p>
+          <a:p>
+            <a:pPr marL="488950" indent="-457200">
+              <a:spcBef>
+                <a:spcPts val="0"/>
+              </a:spcBef>
+              <a:buClr>
+                <a:schemeClr val="dk1"/>
+              </a:buClr>
+              <a:buSzPct val="100000"/>
+              <a:buFont typeface="Calibri" panose="020F0502020204030204" pitchFamily="34" charset="0"/>
+              <a:buChar char="•"/>
+            </a:pPr>
+            <a:r>
+              <a:rPr lang="pt-BR" sz="2800" dirty="0" smtClean="0">
+                <a:latin typeface="Calibri"/>
+                <a:ea typeface="Calibri"/>
+                <a:cs typeface="Calibri"/>
+                <a:sym typeface="Calibri"/>
+              </a:rPr>
+              <a:t>Capítulos conclusivos aguardam finalização de tópicos anteriores.</a:t>
+            </a:r>
           </a:p>
         </p:txBody>
       </p:sp>
@@ -10334,12 +10651,6 @@
               </a:rPr>
               <a:t>Problema de pesquisa</a:t>
             </a:r>
-            <a:endParaRPr lang="pt-BR" sz="2800" dirty="0">
-              <a:latin typeface="Calibri"/>
-              <a:ea typeface="Calibri"/>
-              <a:cs typeface="Calibri"/>
-              <a:sym typeface="Calibri"/>
-            </a:endParaRPr>
           </a:p>
           <a:p>
             <a:pPr marL="514350" indent="-514350" algn="just">
@@ -10419,6 +10730,22 @@
                 <a:sym typeface="Calibri"/>
               </a:rPr>
               <a:t>Referencial Teórico</a:t>
+            </a:r>
+          </a:p>
+          <a:p>
+            <a:pPr marL="514350" indent="-514350" algn="just">
+              <a:buSzPct val="100000"/>
+              <a:buFont typeface="Calibri"/>
+              <a:buAutoNum type="arabicPeriod"/>
+            </a:pPr>
+            <a:r>
+              <a:rPr lang="pt-BR" sz="2800" dirty="0" smtClean="0">
+                <a:latin typeface="Calibri"/>
+                <a:ea typeface="Calibri"/>
+                <a:cs typeface="Calibri"/>
+                <a:sym typeface="Calibri"/>
+              </a:rPr>
+              <a:t>Estado Atual do Projeto</a:t>
             </a:r>
             <a:endParaRPr lang="pt-BR" sz="2800" b="0" i="0" u="none" strike="noStrike" cap="none" baseline="0" dirty="0">
               <a:latin typeface="Calibri"/>
@@ -10437,6 +10764,13 @@
   <p:transition spd="slow">
     <p:cut/>
   </p:transition>
+  <p:timing>
+    <p:tnLst>
+      <p:par>
+        <p:cTn id="1" dur="indefinite" restart="never" nodeType="tmRoot"/>
+      </p:par>
+    </p:tnLst>
+  </p:timing>
 </p:sld>
 </file>
 
@@ -10571,52 +10905,207 @@
                 <a:cs typeface="Calibri"/>
                 <a:sym typeface="Calibri"/>
               </a:rPr>
-              <a:t>Como </a:t>
-            </a:r>
-            <a:r>
-              <a:rPr lang="pt-BR" sz="2800" dirty="0">
-                <a:latin typeface="Calibri"/>
-                <a:ea typeface="Calibri"/>
-                <a:cs typeface="Calibri"/>
-                <a:sym typeface="Calibri"/>
-              </a:rPr>
-              <a:t>o </a:t>
-            </a:r>
-            <a:r>
-              <a:rPr lang="pt-BR" sz="2800" i="1" dirty="0">
-                <a:latin typeface="Calibri"/>
-                <a:ea typeface="Calibri"/>
-                <a:cs typeface="Calibri"/>
-                <a:sym typeface="Calibri"/>
-              </a:rPr>
-              <a:t>framework</a:t>
-            </a:r>
-            <a:r>
-              <a:rPr lang="pt-BR" sz="2800" dirty="0">
-                <a:latin typeface="Calibri"/>
-                <a:ea typeface="Calibri"/>
-                <a:cs typeface="Calibri"/>
-                <a:sym typeface="Calibri"/>
-              </a:rPr>
-              <a:t> </a:t>
-            </a:r>
-            <a:r>
-              <a:rPr lang="pt-BR" sz="2800" dirty="0" err="1">
-                <a:latin typeface="Calibri"/>
-                <a:ea typeface="Calibri"/>
-                <a:cs typeface="Calibri"/>
-                <a:sym typeface="Calibri"/>
-              </a:rPr>
-              <a:t>Qt</a:t>
-            </a:r>
-            <a:r>
-              <a:rPr lang="pt-BR" sz="2800" dirty="0">
-                <a:latin typeface="Calibri"/>
-                <a:ea typeface="Calibri"/>
-                <a:cs typeface="Calibri"/>
-                <a:sym typeface="Calibri"/>
-              </a:rPr>
-              <a:t> busca ajudar na questão do desenvolvimento multiplataforma?</a:t>
+              <a:t>Desenvolvimento de aplicações para plataformas diversas ainda possui muitas dificuldades.</a:t>
+            </a:r>
+          </a:p>
+          <a:p>
+            <a:pPr marL="0" marR="0" lvl="0" indent="0" algn="just" rtl="0">
+              <a:lnSpc>
+                <a:spcPct val="90000"/>
+              </a:lnSpc>
+              <a:spcBef>
+                <a:spcPts val="0"/>
+              </a:spcBef>
+              <a:spcAft>
+                <a:spcPts val="0"/>
+              </a:spcAft>
+              <a:buNone/>
+            </a:pPr>
+            <a:endParaRPr lang="pt-BR" sz="2800" dirty="0" smtClean="0">
+              <a:latin typeface="Calibri"/>
+              <a:ea typeface="Calibri"/>
+              <a:cs typeface="Calibri"/>
+              <a:sym typeface="Calibri"/>
+            </a:endParaRPr>
+          </a:p>
+          <a:p>
+            <a:pPr marR="0" lvl="0" algn="just" rtl="0">
+              <a:lnSpc>
+                <a:spcPct val="90000"/>
+              </a:lnSpc>
+              <a:spcBef>
+                <a:spcPts val="0"/>
+              </a:spcBef>
+              <a:spcAft>
+                <a:spcPts val="0"/>
+              </a:spcAft>
+              <a:buClr>
+                <a:schemeClr val="bg1"/>
+              </a:buClr>
+              <a:buFont typeface="Arial" panose="020B0604020202020204" pitchFamily="34" charset="0"/>
+              <a:buChar char="•"/>
+            </a:pPr>
+            <a:r>
+              <a:rPr lang="pt-BR" sz="2800" dirty="0" smtClean="0">
+                <a:latin typeface="Calibri"/>
+                <a:ea typeface="Calibri"/>
+                <a:cs typeface="Calibri"/>
+                <a:sym typeface="Calibri"/>
+              </a:rPr>
+              <a:t>Bibliotecas genéricas.</a:t>
+            </a:r>
+          </a:p>
+          <a:p>
+            <a:pPr marR="0" lvl="0" algn="just" rtl="0">
+              <a:lnSpc>
+                <a:spcPct val="90000"/>
+              </a:lnSpc>
+              <a:spcBef>
+                <a:spcPts val="0"/>
+              </a:spcBef>
+              <a:spcAft>
+                <a:spcPts val="0"/>
+              </a:spcAft>
+              <a:buClr>
+                <a:schemeClr val="bg1"/>
+              </a:buClr>
+              <a:buFont typeface="Arial" panose="020B0604020202020204" pitchFamily="34" charset="0"/>
+              <a:buChar char="•"/>
+            </a:pPr>
+            <a:endParaRPr lang="pt-BR" sz="2800" dirty="0">
+              <a:latin typeface="Calibri"/>
+              <a:ea typeface="Calibri"/>
+              <a:cs typeface="Calibri"/>
+              <a:sym typeface="Calibri"/>
+            </a:endParaRPr>
+          </a:p>
+          <a:p>
+            <a:pPr marR="0" lvl="0" algn="just" rtl="0">
+              <a:lnSpc>
+                <a:spcPct val="90000"/>
+              </a:lnSpc>
+              <a:spcBef>
+                <a:spcPts val="0"/>
+              </a:spcBef>
+              <a:spcAft>
+                <a:spcPts val="0"/>
+              </a:spcAft>
+              <a:buClr>
+                <a:schemeClr val="bg1"/>
+              </a:buClr>
+              <a:buFont typeface="Arial" panose="020B0604020202020204" pitchFamily="34" charset="0"/>
+              <a:buChar char="•"/>
+            </a:pPr>
+            <a:r>
+              <a:rPr lang="pt-BR" sz="2800" dirty="0" smtClean="0">
+                <a:latin typeface="Calibri"/>
+                <a:ea typeface="Calibri"/>
+                <a:cs typeface="Calibri"/>
+                <a:sym typeface="Calibri"/>
+              </a:rPr>
+              <a:t>Falta de profissionais especializados.</a:t>
+            </a:r>
+          </a:p>
+          <a:p>
+            <a:pPr marR="0" lvl="0" algn="just" rtl="0">
+              <a:lnSpc>
+                <a:spcPct val="90000"/>
+              </a:lnSpc>
+              <a:spcBef>
+                <a:spcPts val="0"/>
+              </a:spcBef>
+              <a:spcAft>
+                <a:spcPts val="0"/>
+              </a:spcAft>
+              <a:buClr>
+                <a:schemeClr val="bg1"/>
+              </a:buClr>
+              <a:buFont typeface="Arial" panose="020B0604020202020204" pitchFamily="34" charset="0"/>
+              <a:buChar char="•"/>
+            </a:pPr>
+            <a:endParaRPr lang="pt-BR" sz="2800" dirty="0">
+              <a:latin typeface="Calibri"/>
+              <a:ea typeface="Calibri"/>
+              <a:cs typeface="Calibri"/>
+              <a:sym typeface="Calibri"/>
+            </a:endParaRPr>
+          </a:p>
+          <a:p>
+            <a:pPr marR="0" lvl="0" algn="just" rtl="0">
+              <a:lnSpc>
+                <a:spcPct val="90000"/>
+              </a:lnSpc>
+              <a:spcBef>
+                <a:spcPts val="0"/>
+              </a:spcBef>
+              <a:spcAft>
+                <a:spcPts val="0"/>
+              </a:spcAft>
+              <a:buClr>
+                <a:schemeClr val="bg1"/>
+              </a:buClr>
+              <a:buFont typeface="Arial" panose="020B0604020202020204" pitchFamily="34" charset="0"/>
+              <a:buChar char="•"/>
+            </a:pPr>
+            <a:r>
+              <a:rPr lang="pt-BR" sz="2800" dirty="0" smtClean="0">
+                <a:latin typeface="Calibri"/>
+                <a:ea typeface="Calibri"/>
+                <a:cs typeface="Calibri"/>
+                <a:sym typeface="Calibri"/>
+              </a:rPr>
+              <a:t>Alterações em código fonte.</a:t>
+            </a:r>
+          </a:p>
+          <a:p>
+            <a:pPr marR="0" lvl="0" algn="just" rtl="0">
+              <a:lnSpc>
+                <a:spcPct val="90000"/>
+              </a:lnSpc>
+              <a:spcBef>
+                <a:spcPts val="0"/>
+              </a:spcBef>
+              <a:spcAft>
+                <a:spcPts val="0"/>
+              </a:spcAft>
+              <a:buClr>
+                <a:schemeClr val="bg1"/>
+              </a:buClr>
+              <a:buFont typeface="Arial" panose="020B0604020202020204" pitchFamily="34" charset="0"/>
+              <a:buChar char="•"/>
+            </a:pPr>
+            <a:endParaRPr lang="pt-BR" sz="2800" dirty="0">
+              <a:latin typeface="Calibri"/>
+              <a:ea typeface="Calibri"/>
+              <a:cs typeface="Calibri"/>
+              <a:sym typeface="Calibri"/>
+            </a:endParaRPr>
+          </a:p>
+          <a:p>
+            <a:pPr marR="0" lvl="0" algn="just" rtl="0">
+              <a:lnSpc>
+                <a:spcPct val="90000"/>
+              </a:lnSpc>
+              <a:spcBef>
+                <a:spcPts val="0"/>
+              </a:spcBef>
+              <a:spcAft>
+                <a:spcPts val="0"/>
+              </a:spcAft>
+              <a:buClr>
+                <a:schemeClr val="bg1"/>
+              </a:buClr>
+              <a:buFont typeface="Arial" panose="020B0604020202020204" pitchFamily="34" charset="0"/>
+              <a:buChar char="•"/>
+            </a:pPr>
+            <a:r>
+              <a:rPr lang="pt-BR" sz="2800" dirty="0" smtClean="0">
+                <a:latin typeface="Calibri"/>
+                <a:ea typeface="Calibri"/>
+                <a:cs typeface="Calibri"/>
+                <a:sym typeface="Calibri"/>
+              </a:rPr>
+              <a:t>Falta de suporte especializado.</a:t>
             </a:r>
           </a:p>
         </p:txBody>
@@ -10629,10 +11118,221 @@
   <p:transition spd="slow">
     <p:cut/>
   </p:transition>
+  <p:timing>
+    <p:tnLst>
+      <p:par>
+        <p:cTn id="1" dur="indefinite" restart="never" nodeType="tmRoot"/>
+      </p:par>
+    </p:tnLst>
+  </p:timing>
 </p:sld>
 </file>
 
 <file path=ppt/slides/slide4.xml><?xml version="1.0" encoding="utf-8"?>
+<p:sld xmlns:a="http://schemas.openxmlformats.org/drawingml/2006/main" xmlns:r="http://schemas.openxmlformats.org/officeDocument/2006/relationships" xmlns:p="http://schemas.openxmlformats.org/presentationml/2006/main">
+  <p:cSld>
+    <p:spTree>
+      <p:nvGrpSpPr>
+        <p:cNvPr id="1" name="Shape 107"/>
+        <p:cNvGrpSpPr/>
+        <p:nvPr/>
+      </p:nvGrpSpPr>
+      <p:grpSpPr>
+        <a:xfrm>
+          <a:off x="0" y="0"/>
+          <a:ext cx="0" cy="0"/>
+          <a:chOff x="0" y="0"/>
+          <a:chExt cx="0" cy="0"/>
+        </a:xfrm>
+      </p:grpSpPr>
+      <p:sp>
+        <p:nvSpPr>
+          <p:cNvPr id="108" name="Shape 108"/>
+          <p:cNvSpPr txBox="1">
+            <a:spLocks noGrp="1"/>
+          </p:cNvSpPr>
+          <p:nvPr>
+            <p:ph type="title"/>
+          </p:nvPr>
+        </p:nvSpPr>
+        <p:spPr>
+          <a:prstGeom prst="rect">
+            <a:avLst/>
+          </a:prstGeom>
+        </p:spPr>
+        <p:txBody>
+          <a:bodyPr lIns="91425" tIns="91425" rIns="91425" bIns="91425" anchor="ctr" anchorCtr="0">
+            <a:noAutofit/>
+          </a:bodyPr>
+          <a:lstStyle/>
+          <a:p>
+            <a:pPr marL="0" marR="0" lvl="0" indent="0" algn="l" rtl="0">
+              <a:lnSpc>
+                <a:spcPct val="90000"/>
+              </a:lnSpc>
+              <a:spcBef>
+                <a:spcPts val="0"/>
+              </a:spcBef>
+              <a:spcAft>
+                <a:spcPts val="0"/>
+              </a:spcAft>
+              <a:buClr>
+                <a:schemeClr val="dk1"/>
+              </a:buClr>
+              <a:buSzPct val="25000"/>
+              <a:buFont typeface="Calibri"/>
+              <a:buNone/>
+            </a:pPr>
+            <a:r>
+              <a:rPr lang="pt-BR" sz="4400" dirty="0">
+                <a:solidFill>
+                  <a:schemeClr val="dk1"/>
+                </a:solidFill>
+                <a:latin typeface="Calibri"/>
+                <a:ea typeface="Calibri"/>
+                <a:cs typeface="Calibri"/>
+                <a:sym typeface="Calibri"/>
+              </a:rPr>
+              <a:t>1. Problema de </a:t>
+            </a:r>
+            <a:r>
+              <a:rPr lang="pt-BR" sz="4400" dirty="0" smtClean="0">
+                <a:solidFill>
+                  <a:schemeClr val="dk1"/>
+                </a:solidFill>
+                <a:latin typeface="Calibri"/>
+                <a:ea typeface="Calibri"/>
+                <a:cs typeface="Calibri"/>
+                <a:sym typeface="Calibri"/>
+              </a:rPr>
+              <a:t>Pesquisa</a:t>
+            </a:r>
+            <a:endParaRPr lang="pt-BR" sz="4400" dirty="0">
+              <a:solidFill>
+                <a:schemeClr val="dk1"/>
+              </a:solidFill>
+              <a:latin typeface="Calibri"/>
+              <a:ea typeface="Calibri"/>
+              <a:cs typeface="Calibri"/>
+              <a:sym typeface="Calibri"/>
+            </a:endParaRPr>
+          </a:p>
+        </p:txBody>
+      </p:sp>
+      <p:sp>
+        <p:nvSpPr>
+          <p:cNvPr id="109" name="Shape 109"/>
+          <p:cNvSpPr txBox="1">
+            <a:spLocks noGrp="1"/>
+          </p:cNvSpPr>
+          <p:nvPr>
+            <p:ph idx="1"/>
+          </p:nvPr>
+        </p:nvSpPr>
+        <p:spPr>
+          <a:prstGeom prst="rect">
+            <a:avLst/>
+          </a:prstGeom>
+        </p:spPr>
+        <p:txBody>
+          <a:bodyPr lIns="91425" tIns="91425" rIns="91425" bIns="91425" anchor="t" anchorCtr="0">
+            <a:noAutofit/>
+          </a:bodyPr>
+          <a:lstStyle/>
+          <a:p>
+            <a:pPr marL="0" marR="0" lvl="0" indent="0" algn="just" rtl="0">
+              <a:lnSpc>
+                <a:spcPct val="90000"/>
+              </a:lnSpc>
+              <a:spcBef>
+                <a:spcPts val="0"/>
+              </a:spcBef>
+              <a:spcAft>
+                <a:spcPts val="0"/>
+              </a:spcAft>
+              <a:buNone/>
+            </a:pPr>
+            <a:r>
+              <a:rPr lang="pt-BR" sz="2800" dirty="0" smtClean="0">
+                <a:latin typeface="Calibri"/>
+                <a:ea typeface="Calibri"/>
+                <a:cs typeface="Calibri"/>
+                <a:sym typeface="Calibri"/>
+              </a:rPr>
+              <a:t>Como </a:t>
+            </a:r>
+            <a:r>
+              <a:rPr lang="pt-BR" sz="2800" dirty="0">
+                <a:latin typeface="Calibri"/>
+                <a:ea typeface="Calibri"/>
+                <a:cs typeface="Calibri"/>
+                <a:sym typeface="Calibri"/>
+              </a:rPr>
+              <a:t>o </a:t>
+            </a:r>
+            <a:r>
+              <a:rPr lang="pt-BR" sz="2800" i="1" dirty="0">
+                <a:latin typeface="Calibri"/>
+                <a:ea typeface="Calibri"/>
+                <a:cs typeface="Calibri"/>
+                <a:sym typeface="Calibri"/>
+              </a:rPr>
+              <a:t>framework</a:t>
+            </a:r>
+            <a:r>
+              <a:rPr lang="pt-BR" sz="2800" dirty="0">
+                <a:latin typeface="Calibri"/>
+                <a:ea typeface="Calibri"/>
+                <a:cs typeface="Calibri"/>
+                <a:sym typeface="Calibri"/>
+              </a:rPr>
+              <a:t> </a:t>
+            </a:r>
+            <a:r>
+              <a:rPr lang="pt-BR" sz="2800" dirty="0" err="1">
+                <a:latin typeface="Calibri"/>
+                <a:ea typeface="Calibri"/>
+                <a:cs typeface="Calibri"/>
+                <a:sym typeface="Calibri"/>
+              </a:rPr>
+              <a:t>Qt</a:t>
+            </a:r>
+            <a:r>
+              <a:rPr lang="pt-BR" sz="2800" dirty="0">
+                <a:latin typeface="Calibri"/>
+                <a:ea typeface="Calibri"/>
+                <a:cs typeface="Calibri"/>
+                <a:sym typeface="Calibri"/>
+              </a:rPr>
+              <a:t> busca ajudar na questão do desenvolvimento multiplataforma?</a:t>
+            </a:r>
+          </a:p>
+        </p:txBody>
+      </p:sp>
+    </p:spTree>
+    <p:extLst>
+      <p:ext uri="{BB962C8B-B14F-4D97-AF65-F5344CB8AC3E}">
+        <p14:creationId xmlns:p14="http://schemas.microsoft.com/office/powerpoint/2010/main" val="4165490980"/>
+      </p:ext>
+    </p:extLst>
+  </p:cSld>
+  <p:clrMapOvr>
+    <a:masterClrMapping/>
+  </p:clrMapOvr>
+  <p:transition spd="slow">
+    <p:cut/>
+  </p:transition>
+  <p:timing>
+    <p:tnLst>
+      <p:par>
+        <p:cTn id="1" dur="indefinite" restart="never" nodeType="tmRoot"/>
+      </p:par>
+    </p:tnLst>
+  </p:timing>
+</p:sld>
+</file>
+
+<file path=ppt/slides/slide5.xml><?xml version="1.0" encoding="utf-8"?>
 <p:sld xmlns:a="http://schemas.openxmlformats.org/drawingml/2006/main" xmlns:r="http://schemas.openxmlformats.org/officeDocument/2006/relationships" xmlns:p="http://schemas.openxmlformats.org/presentationml/2006/main">
   <p:cSld>
     <p:spTree>
@@ -10727,6 +11427,10 @@
           </p:nvPr>
         </p:nvSpPr>
         <p:spPr>
+          <a:xfrm>
+            <a:off x="1103312" y="2011355"/>
+            <a:ext cx="8946541" cy="2332046"/>
+          </a:xfrm>
           <a:prstGeom prst="rect">
             <a:avLst/>
           </a:prstGeom>
@@ -10794,6 +11498,34 @@
           </a:p>
         </p:txBody>
       </p:sp>
+      <p:pic>
+        <p:nvPicPr>
+          <p:cNvPr id="4" name="Shape 166"/>
+          <p:cNvPicPr preferRelativeResize="0"/>
+          <p:nvPr/>
+        </p:nvPicPr>
+        <p:blipFill>
+          <a:blip r:embed="rId3">
+            <a:alphaModFix/>
+          </a:blip>
+          <a:stretch>
+            <a:fillRect/>
+          </a:stretch>
+        </p:blipFill>
+        <p:spPr>
+          <a:xfrm>
+            <a:off x="3187600" y="4168002"/>
+            <a:ext cx="5194400" cy="2595100"/>
+          </a:xfrm>
+          <a:prstGeom prst="rect">
+            <a:avLst/>
+          </a:prstGeom>
+          <a:noFill/>
+          <a:ln>
+            <a:noFill/>
+          </a:ln>
+        </p:spPr>
+      </p:pic>
     </p:spTree>
   </p:cSld>
   <p:clrMapOvr>
@@ -10802,10 +11534,17 @@
   <p:transition spd="slow">
     <p:cut/>
   </p:transition>
+  <p:timing>
+    <p:tnLst>
+      <p:par>
+        <p:cTn id="1" dur="indefinite" restart="never" nodeType="tmRoot"/>
+      </p:par>
+    </p:tnLst>
+  </p:timing>
 </p:sld>
 </file>
 
-<file path=ppt/slides/slide5.xml><?xml version="1.0" encoding="utf-8"?>
+<file path=ppt/slides/slide6.xml><?xml version="1.0" encoding="utf-8"?>
 <p:sld xmlns:a="http://schemas.openxmlformats.org/drawingml/2006/main" xmlns:r="http://schemas.openxmlformats.org/officeDocument/2006/relationships" xmlns:p="http://schemas.openxmlformats.org/presentationml/2006/main">
   <p:cSld>
     <p:spTree>
@@ -10899,6 +11638,10 @@
           </p:nvPr>
         </p:nvSpPr>
         <p:spPr>
+          <a:xfrm>
+            <a:off x="1103312" y="2094482"/>
+            <a:ext cx="8946541" cy="4195481"/>
+          </a:xfrm>
           <a:prstGeom prst="rect">
             <a:avLst/>
           </a:prstGeom>
@@ -11103,10 +11846,17 @@
   <p:transition spd="slow">
     <p:cut/>
   </p:transition>
+  <p:timing>
+    <p:tnLst>
+      <p:par>
+        <p:cTn id="1" dur="indefinite" restart="never" nodeType="tmRoot"/>
+      </p:par>
+    </p:tnLst>
+  </p:timing>
 </p:sld>
 </file>
 
-<file path=ppt/slides/slide6.xml><?xml version="1.0" encoding="utf-8"?>
+<file path=ppt/slides/slide7.xml><?xml version="1.0" encoding="utf-8"?>
 <p:sld xmlns:a="http://schemas.openxmlformats.org/drawingml/2006/main" xmlns:r="http://schemas.openxmlformats.org/officeDocument/2006/relationships" xmlns:p="http://schemas.openxmlformats.org/presentationml/2006/main">
   <p:cSld>
     <p:spTree>
@@ -11200,6 +11950,10 @@
           </p:nvPr>
         </p:nvSpPr>
         <p:spPr>
+          <a:xfrm>
+            <a:off x="1103312" y="2094482"/>
+            <a:ext cx="8946541" cy="4195481"/>
+          </a:xfrm>
           <a:prstGeom prst="rect">
             <a:avLst/>
           </a:prstGeom>
@@ -11266,10 +12020,17 @@
   <p:transition spd="slow">
     <p:cut/>
   </p:transition>
+  <p:timing>
+    <p:tnLst>
+      <p:par>
+        <p:cTn id="1" dur="indefinite" restart="never" nodeType="tmRoot"/>
+      </p:par>
+    </p:tnLst>
+  </p:timing>
 </p:sld>
 </file>
 
-<file path=ppt/slides/slide7.xml><?xml version="1.0" encoding="utf-8"?>
+<file path=ppt/slides/slide8.xml><?xml version="1.0" encoding="utf-8"?>
 <p:sld xmlns:a="http://schemas.openxmlformats.org/drawingml/2006/main" xmlns:r="http://schemas.openxmlformats.org/officeDocument/2006/relationships" xmlns:p="http://schemas.openxmlformats.org/presentationml/2006/main">
   <p:cSld>
     <p:spTree>
@@ -11426,13 +12187,22 @@
               <a:t>Desenvolvimento de um protótipo para avaliar a proposta de que não é necessária </a:t>
             </a:r>
             <a:r>
-              <a:rPr lang="pt-BR" sz="2800" b="0" i="0" u="none" strike="noStrike" cap="none" baseline="0" dirty="0" err="1">
-                <a:latin typeface="Calibri"/>
-                <a:ea typeface="Calibri"/>
-                <a:cs typeface="Calibri"/>
-                <a:sym typeface="Calibri"/>
-              </a:rPr>
-              <a:t>refartoração</a:t>
+              <a:rPr lang="pt-BR" sz="2800" b="0" i="0" u="none" strike="noStrike" cap="none" baseline="0" dirty="0" err="1" smtClean="0">
+                <a:latin typeface="Calibri"/>
+                <a:ea typeface="Calibri"/>
+                <a:cs typeface="Calibri"/>
+                <a:sym typeface="Calibri"/>
+              </a:rPr>
+              <a:t>refatoração</a:t>
+            </a:r>
+            <a:r>
+              <a:rPr lang="pt-BR" sz="2800" b="0" i="0" u="none" strike="noStrike" cap="none" baseline="0" dirty="0" smtClean="0">
+                <a:latin typeface="Calibri"/>
+                <a:ea typeface="Calibri"/>
+                <a:cs typeface="Calibri"/>
+                <a:sym typeface="Calibri"/>
+              </a:rPr>
+              <a:t> </a:t>
             </a:r>
             <a:r>
               <a:rPr lang="pt-BR" sz="2800" b="0" i="0" u="none" strike="noStrike" cap="none" baseline="0" dirty="0">
@@ -11441,7 +12211,7 @@
                 <a:cs typeface="Calibri"/>
                 <a:sym typeface="Calibri"/>
               </a:rPr>
-              <a:t> do código para que funcione em diferentes plataformas.</a:t>
+              <a:t>do código para que funcione em diferentes plataformas.</a:t>
             </a:r>
           </a:p>
         </p:txBody>
@@ -11454,10 +12224,17 @@
   <p:transition spd="slow">
     <p:cut/>
   </p:transition>
+  <p:timing>
+    <p:tnLst>
+      <p:par>
+        <p:cTn id="1" dur="indefinite" restart="never" nodeType="tmRoot"/>
+      </p:par>
+    </p:tnLst>
+  </p:timing>
 </p:sld>
 </file>
 
-<file path=ppt/slides/slide8.xml><?xml version="1.0" encoding="utf-8"?>
+<file path=ppt/slides/slide9.xml><?xml version="1.0" encoding="utf-8"?>
 <p:sld xmlns:a="http://schemas.openxmlformats.org/drawingml/2006/main" xmlns:r="http://schemas.openxmlformats.org/officeDocument/2006/relationships" xmlns:p="http://schemas.openxmlformats.org/presentationml/2006/main">
   <p:cSld>
     <p:spTree>
@@ -11657,8 +12434,32 @@
                 <a:cs typeface="Calibri"/>
                 <a:sym typeface="Calibri"/>
               </a:rPr>
-              <a:t>Estudo de Caso</a:t>
-            </a:r>
+              <a:t>Estudo de </a:t>
+            </a:r>
+            <a:r>
+              <a:rPr lang="pt-BR" sz="2800" b="0" i="0" u="none" strike="noStrike" cap="none" baseline="0" dirty="0" smtClean="0">
+                <a:latin typeface="Calibri"/>
+                <a:ea typeface="Calibri"/>
+                <a:cs typeface="Calibri"/>
+                <a:sym typeface="Calibri"/>
+              </a:rPr>
+              <a:t>Caso, através do desenvolvimento de um protótipo</a:t>
+            </a:r>
+            <a:r>
+              <a:rPr lang="pt-BR" sz="2800" b="0" i="0" u="none" strike="noStrike" cap="none" dirty="0" smtClean="0">
+                <a:latin typeface="Calibri"/>
+                <a:ea typeface="Calibri"/>
+                <a:cs typeface="Calibri"/>
+                <a:sym typeface="Calibri"/>
+              </a:rPr>
+              <a:t> de aplicação para trocas de mensagens de texto entre clientes funcionando em diferentes plataformas.</a:t>
+            </a:r>
+            <a:endParaRPr lang="pt-BR" sz="2800" b="0" i="0" u="none" strike="noStrike" cap="none" baseline="0" dirty="0">
+              <a:latin typeface="Calibri"/>
+              <a:ea typeface="Calibri"/>
+              <a:cs typeface="Calibri"/>
+              <a:sym typeface="Calibri"/>
+            </a:endParaRPr>
           </a:p>
           <a:p>
             <a:pPr marL="0" marR="0" lvl="0" indent="0" algn="l" rtl="0">
@@ -11694,182 +12495,13 @@
   <p:transition spd="slow">
     <p:cut/>
   </p:transition>
-</p:sld>
-</file>
-
-<file path=ppt/slides/slide9.xml><?xml version="1.0" encoding="utf-8"?>
-<p:sld xmlns:a="http://schemas.openxmlformats.org/drawingml/2006/main" xmlns:r="http://schemas.openxmlformats.org/officeDocument/2006/relationships" xmlns:p="http://schemas.openxmlformats.org/presentationml/2006/main">
-  <p:cSld>
-    <p:spTree>
-      <p:nvGrpSpPr>
-        <p:cNvPr id="1" name="Shape 144"/>
-        <p:cNvGrpSpPr/>
-        <p:nvPr/>
-      </p:nvGrpSpPr>
-      <p:grpSpPr>
-        <a:xfrm>
-          <a:off x="0" y="0"/>
-          <a:ext cx="0" cy="0"/>
-          <a:chOff x="0" y="0"/>
-          <a:chExt cx="0" cy="0"/>
-        </a:xfrm>
-      </p:grpSpPr>
-      <p:sp>
-        <p:nvSpPr>
-          <p:cNvPr id="145" name="Shape 145"/>
-          <p:cNvSpPr txBox="1">
-            <a:spLocks noGrp="1"/>
-          </p:cNvSpPr>
-          <p:nvPr>
-            <p:ph type="title"/>
-          </p:nvPr>
-        </p:nvSpPr>
-        <p:spPr>
-          <a:prstGeom prst="rect">
-            <a:avLst/>
-          </a:prstGeom>
-          <a:noFill/>
-          <a:ln>
-            <a:noFill/>
-          </a:ln>
-        </p:spPr>
-        <p:txBody>
-          <a:bodyPr lIns="91425" tIns="45700" rIns="91425" bIns="45700" anchor="ctr" anchorCtr="0">
-            <a:noAutofit/>
-          </a:bodyPr>
-          <a:lstStyle/>
-          <a:p>
-            <a:pPr marL="0" marR="0" lvl="0" indent="0" algn="l" rtl="0">
-              <a:lnSpc>
-                <a:spcPct val="90000"/>
-              </a:lnSpc>
-              <a:spcBef>
-                <a:spcPts val="0"/>
-              </a:spcBef>
-              <a:buClr>
-                <a:schemeClr val="dk1"/>
-              </a:buClr>
-              <a:buSzPct val="25000"/>
-              <a:buFont typeface="Calibri"/>
-              <a:buNone/>
-            </a:pPr>
-            <a:r>
-              <a:rPr lang="pt-BR" sz="4400">
-                <a:solidFill>
-                  <a:schemeClr val="dk1"/>
-                </a:solidFill>
-                <a:latin typeface="Calibri"/>
-                <a:ea typeface="Calibri"/>
-                <a:cs typeface="Calibri"/>
-                <a:sym typeface="Calibri"/>
-              </a:rPr>
-              <a:t>6</a:t>
-            </a:r>
-            <a:r>
-              <a:rPr lang="pt-BR" sz="4400" b="0" i="0" u="none" strike="noStrike" cap="none" baseline="0">
-                <a:solidFill>
-                  <a:schemeClr val="dk1"/>
-                </a:solidFill>
-                <a:latin typeface="Calibri"/>
-                <a:ea typeface="Calibri"/>
-                <a:cs typeface="Calibri"/>
-                <a:sym typeface="Calibri"/>
-              </a:rPr>
-              <a:t>. Referencial Teórico</a:t>
-            </a:r>
-          </a:p>
-        </p:txBody>
-      </p:sp>
-      <p:sp>
-        <p:nvSpPr>
-          <p:cNvPr id="146" name="Shape 146"/>
-          <p:cNvSpPr txBox="1">
-            <a:spLocks noGrp="1"/>
-          </p:cNvSpPr>
-          <p:nvPr>
-            <p:ph idx="1"/>
-          </p:nvPr>
-        </p:nvSpPr>
-        <p:spPr>
-          <a:prstGeom prst="rect">
-            <a:avLst/>
-          </a:prstGeom>
-          <a:noFill/>
-          <a:ln>
-            <a:noFill/>
-          </a:ln>
-        </p:spPr>
-        <p:txBody>
-          <a:bodyPr lIns="91425" tIns="45700" rIns="91425" bIns="45700" anchor="t" anchorCtr="0">
-            <a:noAutofit/>
-          </a:bodyPr>
-          <a:lstStyle/>
-          <a:p>
-            <a:pPr marL="228600" marR="0" lvl="0" indent="-228600" algn="l" rtl="0">
-              <a:lnSpc>
-                <a:spcPct val="90000"/>
-              </a:lnSpc>
-              <a:spcBef>
-                <a:spcPts val="0"/>
-              </a:spcBef>
-              <a:buClr>
-                <a:schemeClr val="dk1"/>
-              </a:buClr>
-              <a:buSzPct val="100000"/>
-              <a:buFont typeface="Calibri"/>
-              <a:buChar char="•"/>
-            </a:pPr>
-            <a:r>
-              <a:rPr lang="pt-BR" sz="3600" b="0" i="0" u="none" strike="noStrike" cap="none" baseline="0" dirty="0">
-                <a:latin typeface="Calibri"/>
-                <a:ea typeface="Calibri"/>
-                <a:cs typeface="Calibri"/>
-                <a:sym typeface="Calibri"/>
-              </a:rPr>
-              <a:t>Desenvolvimento Multiplataforma</a:t>
-            </a:r>
-          </a:p>
-          <a:p>
-            <a:pPr marL="228600" marR="0" lvl="0" indent="-228600" algn="l" rtl="0">
-              <a:lnSpc>
-                <a:spcPct val="90000"/>
-              </a:lnSpc>
-              <a:spcBef>
-                <a:spcPts val="1000"/>
-              </a:spcBef>
-              <a:buClr>
-                <a:schemeClr val="dk1"/>
-              </a:buClr>
-              <a:buSzPct val="100000"/>
-              <a:buFont typeface="Calibri"/>
-              <a:buChar char="•"/>
-            </a:pPr>
-            <a:r>
-              <a:rPr lang="pt-BR" sz="3600" b="0" i="0" u="none" strike="noStrike" cap="none" baseline="0" dirty="0" err="1">
-                <a:latin typeface="Calibri"/>
-                <a:ea typeface="Calibri"/>
-                <a:cs typeface="Calibri"/>
-                <a:sym typeface="Calibri"/>
-              </a:rPr>
-              <a:t>Qt</a:t>
-            </a:r>
-            <a:endParaRPr lang="pt-BR" sz="3600" b="0" i="0" u="none" strike="noStrike" cap="none" baseline="0" dirty="0">
-              <a:latin typeface="Calibri"/>
-              <a:ea typeface="Calibri"/>
-              <a:cs typeface="Calibri"/>
-              <a:sym typeface="Calibri"/>
-            </a:endParaRPr>
-          </a:p>
-        </p:txBody>
-      </p:sp>
-    </p:spTree>
-  </p:cSld>
-  <p:clrMapOvr>
-    <a:masterClrMapping/>
-  </p:clrMapOvr>
-  <p:transition spd="slow">
-    <p:cut/>
-  </p:transition>
+  <p:timing>
+    <p:tnLst>
+      <p:par>
+        <p:cTn id="1" dur="indefinite" restart="never" nodeType="tmRoot"/>
+      </p:par>
+    </p:tnLst>
+  </p:timing>
 </p:sld>
 </file>
 
